--- a/AJP Slides/AJP (01ce0502) - Unit 8 - JSF.pptx
+++ b/AJP Slides/AJP (01ce0502) - Unit 8 - JSF.pptx
@@ -6,7 +6,7 @@
     <p:sldMasterId id="2147483826" r:id="rId2"/>
   </p:sldMasterIdLst>
   <p:notesMasterIdLst>
-    <p:notesMasterId r:id="rId42"/>
+    <p:notesMasterId r:id="rId43"/>
   </p:notesMasterIdLst>
   <p:sldIdLst>
     <p:sldId id="305" r:id="rId3"/>
@@ -16,43 +16,44 @@
     <p:sldId id="263" r:id="rId7"/>
     <p:sldId id="264" r:id="rId8"/>
     <p:sldId id="262" r:id="rId9"/>
-    <p:sldId id="265" r:id="rId10"/>
-    <p:sldId id="266" r:id="rId11"/>
-    <p:sldId id="271" r:id="rId12"/>
-    <p:sldId id="267" r:id="rId13"/>
-    <p:sldId id="276" r:id="rId14"/>
-    <p:sldId id="268" r:id="rId15"/>
-    <p:sldId id="269" r:id="rId16"/>
-    <p:sldId id="270" r:id="rId17"/>
-    <p:sldId id="295" r:id="rId18"/>
-    <p:sldId id="296" r:id="rId19"/>
-    <p:sldId id="297" r:id="rId20"/>
-    <p:sldId id="298" r:id="rId21"/>
-    <p:sldId id="299" r:id="rId22"/>
-    <p:sldId id="300" r:id="rId23"/>
-    <p:sldId id="306" r:id="rId24"/>
-    <p:sldId id="278" r:id="rId25"/>
-    <p:sldId id="301" r:id="rId26"/>
-    <p:sldId id="274" r:id="rId27"/>
-    <p:sldId id="284" r:id="rId28"/>
-    <p:sldId id="302" r:id="rId29"/>
-    <p:sldId id="304" r:id="rId30"/>
-    <p:sldId id="303" r:id="rId31"/>
-    <p:sldId id="285" r:id="rId32"/>
-    <p:sldId id="286" r:id="rId33"/>
-    <p:sldId id="287" r:id="rId34"/>
-    <p:sldId id="288" r:id="rId35"/>
-    <p:sldId id="289" r:id="rId36"/>
-    <p:sldId id="290" r:id="rId37"/>
-    <p:sldId id="291" r:id="rId38"/>
-    <p:sldId id="292" r:id="rId39"/>
-    <p:sldId id="293" r:id="rId40"/>
-    <p:sldId id="294" r:id="rId41"/>
+    <p:sldId id="307" r:id="rId10"/>
+    <p:sldId id="265" r:id="rId11"/>
+    <p:sldId id="266" r:id="rId12"/>
+    <p:sldId id="271" r:id="rId13"/>
+    <p:sldId id="267" r:id="rId14"/>
+    <p:sldId id="276" r:id="rId15"/>
+    <p:sldId id="268" r:id="rId16"/>
+    <p:sldId id="269" r:id="rId17"/>
+    <p:sldId id="270" r:id="rId18"/>
+    <p:sldId id="295" r:id="rId19"/>
+    <p:sldId id="296" r:id="rId20"/>
+    <p:sldId id="297" r:id="rId21"/>
+    <p:sldId id="298" r:id="rId22"/>
+    <p:sldId id="299" r:id="rId23"/>
+    <p:sldId id="300" r:id="rId24"/>
+    <p:sldId id="306" r:id="rId25"/>
+    <p:sldId id="278" r:id="rId26"/>
+    <p:sldId id="301" r:id="rId27"/>
+    <p:sldId id="274" r:id="rId28"/>
+    <p:sldId id="284" r:id="rId29"/>
+    <p:sldId id="302" r:id="rId30"/>
+    <p:sldId id="304" r:id="rId31"/>
+    <p:sldId id="303" r:id="rId32"/>
+    <p:sldId id="285" r:id="rId33"/>
+    <p:sldId id="286" r:id="rId34"/>
+    <p:sldId id="287" r:id="rId35"/>
+    <p:sldId id="288" r:id="rId36"/>
+    <p:sldId id="289" r:id="rId37"/>
+    <p:sldId id="290" r:id="rId38"/>
+    <p:sldId id="291" r:id="rId39"/>
+    <p:sldId id="292" r:id="rId40"/>
+    <p:sldId id="293" r:id="rId41"/>
+    <p:sldId id="294" r:id="rId42"/>
   </p:sldIdLst>
   <p:sldSz cx="12192000" cy="6858000"/>
   <p:notesSz cx="6858000" cy="9144000"/>
   <p:custDataLst>
-    <p:tags r:id="rId43"/>
+    <p:tags r:id="rId44"/>
   </p:custDataLst>
   <p:defaultTextStyle>
     <a:defPPr>
@@ -239,7 +240,7 @@
           <a:p>
             <a:fld id="{8DAB111A-50C0-43A5-B85C-6DEEA2C96E89}" type="datetimeFigureOut">
               <a:rPr lang="en-IN" smtClean="0"/>
-              <a:t>06-11-2022</a:t>
+              <a:t>08-11-2022</a:t>
             </a:fld>
             <a:endParaRPr lang="en-IN"/>
           </a:p>
@@ -656,7 +657,7 @@
           <a:p>
             <a:fld id="{A39EEF13-A3E4-4743-AF2E-6DFB7FB5E1A2}" type="slidenum">
               <a:rPr lang="en-IN" smtClean="0"/>
-              <a:t>11</a:t>
+              <a:t>5</a:t>
             </a:fld>
             <a:endParaRPr lang="en-IN"/>
           </a:p>
@@ -665,7 +666,7 @@
     </p:spTree>
     <p:extLst>
       <p:ext uri="{BB962C8B-B14F-4D97-AF65-F5344CB8AC3E}">
-        <p14:creationId xmlns:p14="http://schemas.microsoft.com/office/powerpoint/2010/main" val="1114703225"/>
+        <p14:creationId xmlns:p14="http://schemas.microsoft.com/office/powerpoint/2010/main" val="464171886"/>
       </p:ext>
     </p:extLst>
   </p:cSld>
@@ -740,7 +741,7 @@
           <a:p>
             <a:fld id="{A39EEF13-A3E4-4743-AF2E-6DFB7FB5E1A2}" type="slidenum">
               <a:rPr lang="en-IN" smtClean="0"/>
-              <a:t>18</a:t>
+              <a:t>12</a:t>
             </a:fld>
             <a:endParaRPr lang="en-IN"/>
           </a:p>
@@ -749,7 +750,7 @@
     </p:spTree>
     <p:extLst>
       <p:ext uri="{BB962C8B-B14F-4D97-AF65-F5344CB8AC3E}">
-        <p14:creationId xmlns:p14="http://schemas.microsoft.com/office/powerpoint/2010/main" val="1033677793"/>
+        <p14:creationId xmlns:p14="http://schemas.microsoft.com/office/powerpoint/2010/main" val="1114703225"/>
       </p:ext>
     </p:extLst>
   </p:cSld>
@@ -824,7 +825,7 @@
           <a:p>
             <a:fld id="{A39EEF13-A3E4-4743-AF2E-6DFB7FB5E1A2}" type="slidenum">
               <a:rPr lang="en-IN" smtClean="0"/>
-              <a:t>24</a:t>
+              <a:t>19</a:t>
             </a:fld>
             <a:endParaRPr lang="en-IN"/>
           </a:p>
@@ -833,7 +834,7 @@
     </p:spTree>
     <p:extLst>
       <p:ext uri="{BB962C8B-B14F-4D97-AF65-F5344CB8AC3E}">
-        <p14:creationId xmlns:p14="http://schemas.microsoft.com/office/powerpoint/2010/main" val="418578611"/>
+        <p14:creationId xmlns:p14="http://schemas.microsoft.com/office/powerpoint/2010/main" val="1033677793"/>
       </p:ext>
     </p:extLst>
   </p:cSld>
@@ -908,7 +909,7 @@
           <a:p>
             <a:fld id="{A39EEF13-A3E4-4743-AF2E-6DFB7FB5E1A2}" type="slidenum">
               <a:rPr lang="en-IN" smtClean="0"/>
-              <a:t>33</a:t>
+              <a:t>25</a:t>
             </a:fld>
             <a:endParaRPr lang="en-IN"/>
           </a:p>
@@ -917,7 +918,7 @@
     </p:spTree>
     <p:extLst>
       <p:ext uri="{BB962C8B-B14F-4D97-AF65-F5344CB8AC3E}">
-        <p14:creationId xmlns:p14="http://schemas.microsoft.com/office/powerpoint/2010/main" val="4023935142"/>
+        <p14:creationId xmlns:p14="http://schemas.microsoft.com/office/powerpoint/2010/main" val="418578611"/>
       </p:ext>
     </p:extLst>
   </p:cSld>
@@ -992,7 +993,91 @@
           <a:p>
             <a:fld id="{A39EEF13-A3E4-4743-AF2E-6DFB7FB5E1A2}" type="slidenum">
               <a:rPr lang="en-IN" smtClean="0"/>
-              <a:t>36</a:t>
+              <a:t>34</a:t>
+            </a:fld>
+            <a:endParaRPr lang="en-IN"/>
+          </a:p>
+        </p:txBody>
+      </p:sp>
+    </p:spTree>
+    <p:extLst>
+      <p:ext uri="{BB962C8B-B14F-4D97-AF65-F5344CB8AC3E}">
+        <p14:creationId xmlns:p14="http://schemas.microsoft.com/office/powerpoint/2010/main" val="4023935142"/>
+      </p:ext>
+    </p:extLst>
+  </p:cSld>
+  <p:clrMapOvr>
+    <a:masterClrMapping/>
+  </p:clrMapOvr>
+</p:notes>
+</file>
+
+<file path=ppt/notesSlides/notesSlide7.xml><?xml version="1.0" encoding="utf-8"?>
+<p:notes xmlns:a="http://schemas.openxmlformats.org/drawingml/2006/main" xmlns:r="http://schemas.openxmlformats.org/officeDocument/2006/relationships" xmlns:p="http://schemas.openxmlformats.org/presentationml/2006/main">
+  <p:cSld>
+    <p:spTree>
+      <p:nvGrpSpPr>
+        <p:cNvPr id="1" name=""/>
+        <p:cNvGrpSpPr/>
+        <p:nvPr/>
+      </p:nvGrpSpPr>
+      <p:grpSpPr>
+        <a:xfrm>
+          <a:off x="0" y="0"/>
+          <a:ext cx="0" cy="0"/>
+          <a:chOff x="0" y="0"/>
+          <a:chExt cx="0" cy="0"/>
+        </a:xfrm>
+      </p:grpSpPr>
+      <p:sp>
+        <p:nvSpPr>
+          <p:cNvPr id="2" name="Slide Image Placeholder 1"/>
+          <p:cNvSpPr>
+            <a:spLocks noGrp="1" noRot="1" noChangeAspect="1"/>
+          </p:cNvSpPr>
+          <p:nvPr>
+            <p:ph type="sldImg"/>
+          </p:nvPr>
+        </p:nvSpPr>
+        <p:spPr/>
+      </p:sp>
+      <p:sp>
+        <p:nvSpPr>
+          <p:cNvPr id="3" name="Notes Placeholder 2"/>
+          <p:cNvSpPr>
+            <a:spLocks noGrp="1"/>
+          </p:cNvSpPr>
+          <p:nvPr>
+            <p:ph type="body" idx="1"/>
+          </p:nvPr>
+        </p:nvSpPr>
+        <p:spPr/>
+        <p:txBody>
+          <a:bodyPr/>
+          <a:lstStyle/>
+          <a:p>
+            <a:endParaRPr lang="en-IN" dirty="0"/>
+          </a:p>
+        </p:txBody>
+      </p:sp>
+      <p:sp>
+        <p:nvSpPr>
+          <p:cNvPr id="4" name="Slide Number Placeholder 3"/>
+          <p:cNvSpPr>
+            <a:spLocks noGrp="1"/>
+          </p:cNvSpPr>
+          <p:nvPr>
+            <p:ph type="sldNum" sz="quarter" idx="10"/>
+          </p:nvPr>
+        </p:nvSpPr>
+        <p:spPr/>
+        <p:txBody>
+          <a:bodyPr/>
+          <a:lstStyle/>
+          <a:p>
+            <a:fld id="{A39EEF13-A3E4-4743-AF2E-6DFB7FB5E1A2}" type="slidenum">
+              <a:rPr lang="en-IN" smtClean="0"/>
+              <a:t>37</a:t>
             </a:fld>
             <a:endParaRPr lang="en-IN"/>
           </a:p>
@@ -1160,7 +1245,7 @@
           <a:p>
             <a:fld id="{9E9EAA34-BE88-4613-A6D7-FFA56C159569}" type="datetimeFigureOut">
               <a:rPr lang="en-IN" smtClean="0"/>
-              <a:t>06-11-2022</a:t>
+              <a:t>08-11-2022</a:t>
             </a:fld>
             <a:endParaRPr lang="en-IN"/>
           </a:p>
@@ -1360,7 +1445,7 @@
           <a:p>
             <a:fld id="{9E9EAA34-BE88-4613-A6D7-FFA56C159569}" type="datetimeFigureOut">
               <a:rPr lang="en-IN" smtClean="0"/>
-              <a:t>06-11-2022</a:t>
+              <a:t>08-11-2022</a:t>
             </a:fld>
             <a:endParaRPr lang="en-IN"/>
           </a:p>
@@ -1570,7 +1655,7 @@
           <a:p>
             <a:fld id="{9E9EAA34-BE88-4613-A6D7-FFA56C159569}" type="datetimeFigureOut">
               <a:rPr lang="en-IN" smtClean="0"/>
-              <a:t>06-11-2022</a:t>
+              <a:t>08-11-2022</a:t>
             </a:fld>
             <a:endParaRPr lang="en-IN"/>
           </a:p>
@@ -1875,7 +1960,7 @@
                 </a:solidFill>
               </a:rPr>
               <a:pPr/>
-              <a:t>06-11-2022</a:t>
+              <a:t>08-11-2022</a:t>
             </a:fld>
             <a:endParaRPr lang="en-IN">
               <a:solidFill>
@@ -2076,7 +2161,7 @@
                 </a:solidFill>
               </a:rPr>
               <a:pPr/>
-              <a:t>06-11-2022</a:t>
+              <a:t>08-11-2022</a:t>
             </a:fld>
             <a:endParaRPr lang="en-IN">
               <a:solidFill>
@@ -2365,7 +2450,7 @@
                 </a:solidFill>
               </a:rPr>
               <a:pPr/>
-              <a:t>06-11-2022</a:t>
+              <a:t>08-11-2022</a:t>
             </a:fld>
             <a:endParaRPr lang="en-IN">
               <a:solidFill>
@@ -2684,7 +2769,7 @@
                 </a:solidFill>
               </a:rPr>
               <a:pPr/>
-              <a:t>06-11-2022</a:t>
+              <a:t>08-11-2022</a:t>
             </a:fld>
             <a:endParaRPr lang="en-IN">
               <a:solidFill>
@@ -3157,7 +3242,7 @@
                 </a:solidFill>
               </a:rPr>
               <a:pPr/>
-              <a:t>06-11-2022</a:t>
+              <a:t>08-11-2022</a:t>
             </a:fld>
             <a:endParaRPr lang="en-IN">
               <a:solidFill>
@@ -3306,7 +3391,7 @@
                 </a:solidFill>
               </a:rPr>
               <a:pPr/>
-              <a:t>06-11-2022</a:t>
+              <a:t>08-11-2022</a:t>
             </a:fld>
             <a:endParaRPr lang="en-IN">
               <a:solidFill>
@@ -3432,7 +3517,7 @@
                 </a:solidFill>
               </a:rPr>
               <a:pPr/>
-              <a:t>06-11-2022</a:t>
+              <a:t>08-11-2022</a:t>
             </a:fld>
             <a:endParaRPr lang="en-IN">
               <a:solidFill>
@@ -3751,7 +3836,7 @@
                 </a:solidFill>
               </a:rPr>
               <a:pPr/>
-              <a:t>06-11-2022</a:t>
+              <a:t>08-11-2022</a:t>
             </a:fld>
             <a:endParaRPr lang="en-IN">
               <a:solidFill>
@@ -3962,7 +4047,7 @@
           <a:p>
             <a:fld id="{9E9EAA34-BE88-4613-A6D7-FFA56C159569}" type="datetimeFigureOut">
               <a:rPr lang="en-IN" smtClean="0"/>
-              <a:t>06-11-2022</a:t>
+              <a:t>08-11-2022</a:t>
             </a:fld>
             <a:endParaRPr lang="en-IN"/>
           </a:p>
@@ -4255,7 +4340,7 @@
                 </a:solidFill>
               </a:rPr>
               <a:pPr/>
-              <a:t>06-11-2022</a:t>
+              <a:t>08-11-2022</a:t>
             </a:fld>
             <a:endParaRPr lang="en-IN">
               <a:solidFill>
@@ -4461,7 +4546,7 @@
                 </a:solidFill>
               </a:rPr>
               <a:pPr/>
-              <a:t>06-11-2022</a:t>
+              <a:t>08-11-2022</a:t>
             </a:fld>
             <a:endParaRPr lang="en-IN">
               <a:solidFill>
@@ -4672,7 +4757,7 @@
                 </a:solidFill>
               </a:rPr>
               <a:pPr/>
-              <a:t>06-11-2022</a:t>
+              <a:t>08-11-2022</a:t>
             </a:fld>
             <a:endParaRPr lang="en-IN">
               <a:solidFill>
@@ -4959,7 +5044,7 @@
           <a:p>
             <a:fld id="{9E9EAA34-BE88-4613-A6D7-FFA56C159569}" type="datetimeFigureOut">
               <a:rPr lang="en-IN" smtClean="0"/>
-              <a:t>06-11-2022</a:t>
+              <a:t>08-11-2022</a:t>
             </a:fld>
             <a:endParaRPr lang="en-IN"/>
           </a:p>
@@ -5227,7 +5312,7 @@
           <a:p>
             <a:fld id="{9E9EAA34-BE88-4613-A6D7-FFA56C159569}" type="datetimeFigureOut">
               <a:rPr lang="en-IN" smtClean="0"/>
-              <a:t>06-11-2022</a:t>
+              <a:t>08-11-2022</a:t>
             </a:fld>
             <a:endParaRPr lang="en-IN"/>
           </a:p>
@@ -5642,7 +5727,7 @@
           <a:p>
             <a:fld id="{9E9EAA34-BE88-4613-A6D7-FFA56C159569}" type="datetimeFigureOut">
               <a:rPr lang="en-IN" smtClean="0"/>
-              <a:t>06-11-2022</a:t>
+              <a:t>08-11-2022</a:t>
             </a:fld>
             <a:endParaRPr lang="en-IN"/>
           </a:p>
@@ -5784,7 +5869,7 @@
           <a:p>
             <a:fld id="{9E9EAA34-BE88-4613-A6D7-FFA56C159569}" type="datetimeFigureOut">
               <a:rPr lang="en-IN" smtClean="0"/>
-              <a:t>06-11-2022</a:t>
+              <a:t>08-11-2022</a:t>
             </a:fld>
             <a:endParaRPr lang="en-IN"/>
           </a:p>
@@ -5897,7 +5982,7 @@
           <a:p>
             <a:fld id="{9E9EAA34-BE88-4613-A6D7-FFA56C159569}" type="datetimeFigureOut">
               <a:rPr lang="en-IN" smtClean="0"/>
-              <a:t>06-11-2022</a:t>
+              <a:t>08-11-2022</a:t>
             </a:fld>
             <a:endParaRPr lang="en-IN"/>
           </a:p>
@@ -6210,7 +6295,7 @@
           <a:p>
             <a:fld id="{9E9EAA34-BE88-4613-A6D7-FFA56C159569}" type="datetimeFigureOut">
               <a:rPr lang="en-IN" smtClean="0"/>
-              <a:t>06-11-2022</a:t>
+              <a:t>08-11-2022</a:t>
             </a:fld>
             <a:endParaRPr lang="en-IN"/>
           </a:p>
@@ -6499,7 +6584,7 @@
           <a:p>
             <a:fld id="{9E9EAA34-BE88-4613-A6D7-FFA56C159569}" type="datetimeFigureOut">
               <a:rPr lang="en-IN" smtClean="0"/>
-              <a:t>06-11-2022</a:t>
+              <a:t>08-11-2022</a:t>
             </a:fld>
             <a:endParaRPr lang="en-IN"/>
           </a:p>
@@ -6742,7 +6827,7 @@
           <a:p>
             <a:fld id="{9E9EAA34-BE88-4613-A6D7-FFA56C159569}" type="datetimeFigureOut">
               <a:rPr lang="en-IN" smtClean="0"/>
-              <a:t>06-11-2022</a:t>
+              <a:t>08-11-2022</a:t>
             </a:fld>
             <a:endParaRPr lang="en-IN"/>
           </a:p>
@@ -7382,7 +7467,7 @@
                 </a:solidFill>
               </a:rPr>
               <a:pPr defTabSz="457200"/>
-              <a:t>06-11-2022</a:t>
+              <a:t>08-11-2022</a:t>
             </a:fld>
             <a:endParaRPr lang="en-IN">
               <a:solidFill>
@@ -8517,24 +8602,6 @@
               </a:rPr>
               <a:t>Server</a:t>
             </a:r>
-            <a:endParaRPr lang="en-US" sz="9600" b="1" dirty="0" smtClean="0">
-              <a:ln w="9525">
-                <a:solidFill>
-                  <a:srgbClr val="FFFFFF"/>
-                </a:solidFill>
-                <a:prstDash val="solid"/>
-              </a:ln>
-              <a:solidFill>
-                <a:srgbClr val="000000"/>
-              </a:solidFill>
-              <a:effectLst>
-                <a:outerShdw blurRad="12700" dist="38100" dir="2700000" algn="tl" rotWithShape="0">
-                  <a:srgbClr val="FFFFFF">
-                    <a:lumMod val="50000"/>
-                  </a:srgbClr>
-                </a:outerShdw>
-              </a:effectLst>
-            </a:endParaRPr>
           </a:p>
           <a:p>
             <a:pPr algn="ctr"/>
@@ -8616,6 +8683,196 @@
           <p:cNvPr id="2" name="Title 1">
             <a:extLst>
               <a:ext uri="{FF2B5EF4-FFF2-40B4-BE49-F238E27FC236}">
+                <a16:creationId xmlns:a16="http://schemas.microsoft.com/office/drawing/2014/main" id="{C83C8501-310B-489C-A20E-31E5E9156538}"/>
+              </a:ext>
+            </a:extLst>
+          </p:cNvPr>
+          <p:cNvSpPr>
+            <a:spLocks noGrp="1"/>
+          </p:cNvSpPr>
+          <p:nvPr>
+            <p:ph type="title"/>
+          </p:nvPr>
+        </p:nvSpPr>
+        <p:spPr/>
+        <p:txBody>
+          <a:bodyPr/>
+          <a:lstStyle/>
+          <a:p>
+            <a:r>
+              <a:rPr lang="en-IN" dirty="0"/>
+              <a:t>JSF LIFE CYCLE CONTINUED…</a:t>
+            </a:r>
+          </a:p>
+        </p:txBody>
+      </p:sp>
+      <p:sp>
+        <p:nvSpPr>
+          <p:cNvPr id="3" name="Content Placeholder 2">
+            <a:extLst>
+              <a:ext uri="{FF2B5EF4-FFF2-40B4-BE49-F238E27FC236}">
+                <a16:creationId xmlns:a16="http://schemas.microsoft.com/office/drawing/2014/main" id="{393889A6-8A30-4FB0-B7AC-13A202A1D7CB}"/>
+              </a:ext>
+            </a:extLst>
+          </p:cNvPr>
+          <p:cNvSpPr>
+            <a:spLocks noGrp="1"/>
+          </p:cNvSpPr>
+          <p:nvPr>
+            <p:ph idx="1"/>
+          </p:nvPr>
+        </p:nvSpPr>
+        <p:spPr>
+          <a:xfrm>
+            <a:off x="838200" y="1825625"/>
+            <a:ext cx="5552440" cy="4351338"/>
+          </a:xfrm>
+        </p:spPr>
+        <p:txBody>
+          <a:bodyPr>
+            <a:normAutofit lnSpcReduction="10000"/>
+          </a:bodyPr>
+          <a:lstStyle/>
+          <a:p>
+            <a:pPr marL="514350" indent="-514350" algn="just">
+              <a:buFont typeface="+mj-lt"/>
+              <a:buAutoNum type="arabicPeriod" startAt="5"/>
+            </a:pPr>
+            <a:r>
+              <a:rPr lang="en-US" b="1" dirty="0"/>
+              <a:t>Invoke application:</a:t>
+            </a:r>
+            <a:r>
+              <a:rPr lang="en-US" dirty="0"/>
+              <a:t> During this phase, JSF handles any application-level events, such as </a:t>
+            </a:r>
+            <a:r>
+              <a:rPr lang="en-US" b="1" dirty="0"/>
+              <a:t>submitting a form/linking to another page.</a:t>
+            </a:r>
+          </a:p>
+          <a:p>
+            <a:pPr marL="514350" indent="-514350" algn="just">
+              <a:buFont typeface="+mj-lt"/>
+              <a:buAutoNum type="arabicPeriod" startAt="5"/>
+            </a:pPr>
+            <a:r>
+              <a:rPr lang="en-US" b="1" dirty="0"/>
+              <a:t>Render response:</a:t>
+            </a:r>
+            <a:r>
+              <a:rPr lang="en-US" dirty="0"/>
+              <a:t> During this phase, JSF asks container / application server to render the page if the application is using JSP pages. After the content is rendered.</a:t>
+            </a:r>
+          </a:p>
+          <a:p>
+            <a:pPr marL="514350" indent="-514350" algn="just">
+              <a:buFont typeface="+mj-lt"/>
+              <a:buAutoNum type="arabicPeriod" startAt="5"/>
+            </a:pPr>
+            <a:endParaRPr lang="en-US" dirty="0"/>
+          </a:p>
+          <a:p>
+            <a:pPr marL="514350" indent="-514350" algn="just">
+              <a:buFont typeface="+mj-lt"/>
+              <a:buAutoNum type="arabicPeriod" startAt="5"/>
+            </a:pPr>
+            <a:endParaRPr lang="en-IN" dirty="0"/>
+          </a:p>
+        </p:txBody>
+      </p:sp>
+      <p:pic>
+        <p:nvPicPr>
+          <p:cNvPr id="3074" name="Picture 2" descr="JSF Life Cycle">
+            <a:extLst>
+              <a:ext uri="{FF2B5EF4-FFF2-40B4-BE49-F238E27FC236}">
+                <a16:creationId xmlns:a16="http://schemas.microsoft.com/office/drawing/2014/main" id="{204B7C05-82BE-4A02-B217-9B292FF1095C}"/>
+              </a:ext>
+            </a:extLst>
+          </p:cNvPr>
+          <p:cNvPicPr>
+            <a:picLocks noChangeAspect="1" noChangeArrowheads="1"/>
+          </p:cNvPicPr>
+          <p:nvPr/>
+        </p:nvPicPr>
+        <p:blipFill>
+          <a:blip r:embed="rId3">
+            <a:extLst>
+              <a:ext uri="{28A0092B-C50C-407E-A947-70E740481C1C}">
+                <a14:useLocalDpi xmlns:a14="http://schemas.microsoft.com/office/drawing/2010/main" val="0"/>
+              </a:ext>
+            </a:extLst>
+          </a:blip>
+          <a:srcRect/>
+          <a:stretch>
+            <a:fillRect/>
+          </a:stretch>
+        </p:blipFill>
+        <p:spPr bwMode="auto">
+          <a:xfrm>
+            <a:off x="6443168" y="2125901"/>
+            <a:ext cx="5718352" cy="3750786"/>
+          </a:xfrm>
+          <a:prstGeom prst="rect">
+            <a:avLst/>
+          </a:prstGeom>
+          <a:noFill/>
+          <a:extLst>
+            <a:ext uri="{909E8E84-426E-40DD-AFC4-6F175D3DCCD1}">
+              <a14:hiddenFill xmlns:a14="http://schemas.microsoft.com/office/drawing/2010/main">
+                <a:solidFill>
+                  <a:srgbClr val="FFFFFF"/>
+                </a:solidFill>
+              </a14:hiddenFill>
+            </a:ext>
+          </a:extLst>
+        </p:spPr>
+      </p:pic>
+    </p:spTree>
+    <p:custDataLst>
+      <p:tags r:id="rId1"/>
+    </p:custDataLst>
+    <p:extLst>
+      <p:ext uri="{BB962C8B-B14F-4D97-AF65-F5344CB8AC3E}">
+        <p14:creationId xmlns:p14="http://schemas.microsoft.com/office/powerpoint/2010/main" val="72096720"/>
+      </p:ext>
+    </p:extLst>
+  </p:cSld>
+  <p:clrMapOvr>
+    <a:masterClrMapping/>
+  </p:clrMapOvr>
+  <p:timing>
+    <p:tnLst>
+      <p:par>
+        <p:cTn id="1" dur="indefinite" restart="never" nodeType="tmRoot"/>
+      </p:par>
+    </p:tnLst>
+  </p:timing>
+</p:sld>
+</file>
+
+<file path=ppt/slides/slide11.xml><?xml version="1.0" encoding="utf-8"?>
+<p:sld xmlns:a="http://schemas.openxmlformats.org/drawingml/2006/main" xmlns:r="http://schemas.openxmlformats.org/officeDocument/2006/relationships" xmlns:p="http://schemas.openxmlformats.org/presentationml/2006/main">
+  <p:cSld>
+    <p:spTree>
+      <p:nvGrpSpPr>
+        <p:cNvPr id="1" name=""/>
+        <p:cNvGrpSpPr/>
+        <p:nvPr/>
+      </p:nvGrpSpPr>
+      <p:grpSpPr>
+        <a:xfrm>
+          <a:off x="0" y="0"/>
+          <a:ext cx="0" cy="0"/>
+          <a:chOff x="0" y="0"/>
+          <a:chExt cx="0" cy="0"/>
+        </a:xfrm>
+      </p:grpSpPr>
+      <p:sp>
+        <p:nvSpPr>
+          <p:cNvPr id="2" name="Title 1">
+            <a:extLst>
+              <a:ext uri="{FF2B5EF4-FFF2-40B4-BE49-F238E27FC236}">
                 <a16:creationId xmlns:a16="http://schemas.microsoft.com/office/drawing/2014/main" id="{9E0369FE-0153-41C9-9775-887058C6854C}"/>
               </a:ext>
             </a:extLst>
@@ -8756,7 +9013,7 @@
 </p:sld>
 </file>
 
-<file path=ppt/slides/slide11.xml><?xml version="1.0" encoding="utf-8"?>
+<file path=ppt/slides/slide12.xml><?xml version="1.0" encoding="utf-8"?>
 <p:sld xmlns:a="http://schemas.openxmlformats.org/drawingml/2006/main" xmlns:r="http://schemas.openxmlformats.org/officeDocument/2006/relationships" xmlns:p="http://schemas.openxmlformats.org/presentationml/2006/main">
   <p:cSld>
     <p:spTree>
@@ -9276,7 +9533,7 @@
 </p:sld>
 </file>
 
-<file path=ppt/slides/slide12.xml><?xml version="1.0" encoding="utf-8"?>
+<file path=ppt/slides/slide13.xml><?xml version="1.0" encoding="utf-8"?>
 <p:sld xmlns:a="http://schemas.openxmlformats.org/drawingml/2006/main" xmlns:r="http://schemas.openxmlformats.org/officeDocument/2006/relationships" xmlns:p="http://schemas.openxmlformats.org/presentationml/2006/main">
   <p:cSld>
     <p:spTree>
@@ -9715,7 +9972,7 @@
 </p:sld>
 </file>
 
-<file path=ppt/slides/slide13.xml><?xml version="1.0" encoding="utf-8"?>
+<file path=ppt/slides/slide14.xml><?xml version="1.0" encoding="utf-8"?>
 <p:sld xmlns:a="http://schemas.openxmlformats.org/drawingml/2006/main" xmlns:r="http://schemas.openxmlformats.org/officeDocument/2006/relationships" xmlns:p="http://schemas.openxmlformats.org/presentationml/2006/main">
   <p:cSld>
     <p:spTree>
@@ -10247,223 +10504,6 @@
 </p:sld>
 </file>
 
-<file path=ppt/slides/slide14.xml><?xml version="1.0" encoding="utf-8"?>
-<p:sld xmlns:a="http://schemas.openxmlformats.org/drawingml/2006/main" xmlns:r="http://schemas.openxmlformats.org/officeDocument/2006/relationships" xmlns:p="http://schemas.openxmlformats.org/presentationml/2006/main">
-  <p:cSld>
-    <p:spTree>
-      <p:nvGrpSpPr>
-        <p:cNvPr id="1" name=""/>
-        <p:cNvGrpSpPr/>
-        <p:nvPr/>
-      </p:nvGrpSpPr>
-      <p:grpSpPr>
-        <a:xfrm>
-          <a:off x="0" y="0"/>
-          <a:ext cx="0" cy="0"/>
-          <a:chOff x="0" y="0"/>
-          <a:chExt cx="0" cy="0"/>
-        </a:xfrm>
-      </p:grpSpPr>
-      <p:sp>
-        <p:nvSpPr>
-          <p:cNvPr id="2" name="Title 1">
-            <a:extLst>
-              <a:ext uri="{FF2B5EF4-FFF2-40B4-BE49-F238E27FC236}">
-                <a16:creationId xmlns:a16="http://schemas.microsoft.com/office/drawing/2014/main" id="{2CD7A778-98D1-4A01-BC0F-16C3AE94D36A}"/>
-              </a:ext>
-            </a:extLst>
-          </p:cNvPr>
-          <p:cNvSpPr>
-            <a:spLocks noGrp="1"/>
-          </p:cNvSpPr>
-          <p:nvPr>
-            <p:ph type="title"/>
-          </p:nvPr>
-        </p:nvSpPr>
-        <p:spPr/>
-        <p:txBody>
-          <a:bodyPr/>
-          <a:lstStyle/>
-          <a:p>
-            <a:r>
-              <a:rPr lang="en-IN" dirty="0"/>
-              <a:t>4 JSF &lt;</a:t>
-            </a:r>
-            <a:r>
-              <a:rPr lang="en-IN" dirty="0" err="1"/>
-              <a:t>h:form</a:t>
-            </a:r>
-            <a:r>
-              <a:rPr lang="en-IN" dirty="0"/>
-              <a:t>&gt; Tag</a:t>
-            </a:r>
-          </a:p>
-        </p:txBody>
-      </p:sp>
-      <p:sp>
-        <p:nvSpPr>
-          <p:cNvPr id="3" name="Content Placeholder 2">
-            <a:extLst>
-              <a:ext uri="{FF2B5EF4-FFF2-40B4-BE49-F238E27FC236}">
-                <a16:creationId xmlns:a16="http://schemas.microsoft.com/office/drawing/2014/main" id="{3B8AC158-7460-4989-AC2E-68FB366E34B1}"/>
-              </a:ext>
-            </a:extLst>
-          </p:cNvPr>
-          <p:cNvSpPr>
-            <a:spLocks noGrp="1"/>
-          </p:cNvSpPr>
-          <p:nvPr>
-            <p:ph idx="1"/>
-          </p:nvPr>
-        </p:nvSpPr>
-        <p:spPr/>
-        <p:txBody>
-          <a:bodyPr/>
-          <a:lstStyle/>
-          <a:p>
-            <a:r>
-              <a:rPr lang="en-US" dirty="0"/>
-              <a:t>The &lt;</a:t>
-            </a:r>
-            <a:r>
-              <a:rPr lang="en-US" dirty="0" err="1"/>
-              <a:t>h:form</a:t>
-            </a:r>
-            <a:r>
-              <a:rPr lang="en-US" dirty="0"/>
-              <a:t>&gt; tag represents an input form.</a:t>
-            </a:r>
-          </a:p>
-          <a:p>
-            <a:r>
-              <a:rPr lang="en-US" dirty="0"/>
-              <a:t> It includes child components that can contain data which is either presented to the user or submitted with the form. </a:t>
-            </a:r>
-          </a:p>
-          <a:p>
-            <a:r>
-              <a:rPr lang="en-US" dirty="0"/>
-              <a:t>It can also include HTML markup to lay out the components on the page.</a:t>
-            </a:r>
-          </a:p>
-          <a:p>
-            <a:pPr marL="3657600" lvl="8" indent="0">
-              <a:buNone/>
-            </a:pPr>
-            <a:r>
-              <a:rPr lang="en-IN" sz="2800" b="1" dirty="0">
-                <a:solidFill>
-                  <a:srgbClr val="FF0000"/>
-                </a:solidFill>
-              </a:rPr>
-              <a:t>&lt;</a:t>
-            </a:r>
-            <a:r>
-              <a:rPr lang="en-IN" sz="2800" b="1" dirty="0" err="1">
-                <a:solidFill>
-                  <a:srgbClr val="FF0000"/>
-                </a:solidFill>
-              </a:rPr>
-              <a:t>h:form</a:t>
-            </a:r>
-            <a:r>
-              <a:rPr lang="en-IN" sz="2800" b="1" dirty="0">
-                <a:solidFill>
-                  <a:srgbClr val="FF0000"/>
-                </a:solidFill>
-              </a:rPr>
-              <a:t>&gt;</a:t>
-            </a:r>
-            <a:r>
-              <a:rPr lang="en-IN" sz="2800" dirty="0">
-                <a:solidFill>
-                  <a:srgbClr val="FF0000"/>
-                </a:solidFill>
-              </a:rPr>
-              <a:t>  </a:t>
-            </a:r>
-          </a:p>
-          <a:p>
-            <a:pPr marL="3657600" lvl="8" indent="0">
-              <a:buNone/>
-            </a:pPr>
-            <a:r>
-              <a:rPr lang="en-IN" sz="2800" dirty="0">
-                <a:solidFill>
-                  <a:srgbClr val="FF0000"/>
-                </a:solidFill>
-              </a:rPr>
-              <a:t>&lt;!-- form elements --&gt;  </a:t>
-            </a:r>
-          </a:p>
-          <a:p>
-            <a:pPr marL="3657600" lvl="8" indent="0">
-              <a:buNone/>
-            </a:pPr>
-            <a:r>
-              <a:rPr lang="en-IN" sz="2800" b="1" dirty="0">
-                <a:solidFill>
-                  <a:srgbClr val="FF0000"/>
-                </a:solidFill>
-              </a:rPr>
-              <a:t>&lt;/</a:t>
-            </a:r>
-            <a:r>
-              <a:rPr lang="en-IN" sz="2800" b="1" dirty="0" err="1">
-                <a:solidFill>
-                  <a:srgbClr val="FF0000"/>
-                </a:solidFill>
-              </a:rPr>
-              <a:t>h:form</a:t>
-            </a:r>
-            <a:r>
-              <a:rPr lang="en-IN" sz="2800" b="1" dirty="0">
-                <a:solidFill>
-                  <a:srgbClr val="FF0000"/>
-                </a:solidFill>
-              </a:rPr>
-              <a:t>&gt;</a:t>
-            </a:r>
-            <a:r>
-              <a:rPr lang="en-IN" sz="2800" dirty="0">
-                <a:solidFill>
-                  <a:srgbClr val="FF0000"/>
-                </a:solidFill>
-              </a:rPr>
-              <a:t>  </a:t>
-            </a:r>
-          </a:p>
-          <a:p>
-            <a:pPr marL="0" indent="0">
-              <a:buNone/>
-            </a:pPr>
-            <a:endParaRPr lang="en-IN" dirty="0"/>
-          </a:p>
-        </p:txBody>
-      </p:sp>
-    </p:spTree>
-    <p:custDataLst>
-      <p:tags r:id="rId1"/>
-    </p:custDataLst>
-    <p:extLst>
-      <p:ext uri="{BB962C8B-B14F-4D97-AF65-F5344CB8AC3E}">
-        <p14:creationId xmlns:p14="http://schemas.microsoft.com/office/powerpoint/2010/main" val="4061123652"/>
-      </p:ext>
-    </p:extLst>
-  </p:cSld>
-  <p:clrMapOvr>
-    <a:masterClrMapping/>
-  </p:clrMapOvr>
-  <p:timing>
-    <p:tnLst>
-      <p:par>
-        <p:cTn id="1" dur="indefinite" restart="never" nodeType="tmRoot"/>
-      </p:par>
-    </p:tnLst>
-  </p:timing>
-</p:sld>
-</file>
-
 <file path=ppt/slides/slide15.xml><?xml version="1.0" encoding="utf-8"?>
 <p:sld xmlns:a="http://schemas.openxmlformats.org/drawingml/2006/main" xmlns:r="http://schemas.openxmlformats.org/officeDocument/2006/relationships" xmlns:p="http://schemas.openxmlformats.org/presentationml/2006/main">
   <p:cSld>
@@ -10486,7 +10526,7 @@
           <p:cNvPr id="2" name="Title 1">
             <a:extLst>
               <a:ext uri="{FF2B5EF4-FFF2-40B4-BE49-F238E27FC236}">
-                <a16:creationId xmlns:a16="http://schemas.microsoft.com/office/drawing/2014/main" id="{9DA9257F-7FDB-4D72-803D-6630FE53B0C9}"/>
+                <a16:creationId xmlns:a16="http://schemas.microsoft.com/office/drawing/2014/main" id="{2CD7A778-98D1-4A01-BC0F-16C3AE94D36A}"/>
               </a:ext>
             </a:extLst>
           </p:cNvPr>
@@ -10499,18 +10539,16 @@
         </p:nvSpPr>
         <p:spPr/>
         <p:txBody>
-          <a:bodyPr>
-            <a:normAutofit/>
-          </a:bodyPr>
+          <a:bodyPr/>
           <a:lstStyle/>
           <a:p>
             <a:r>
               <a:rPr lang="en-IN" dirty="0"/>
-              <a:t>5 JSF &lt;</a:t>
+              <a:t>4 JSF &lt;</a:t>
             </a:r>
             <a:r>
               <a:rPr lang="en-IN" dirty="0" err="1"/>
-              <a:t>h:commandButton</a:t>
+              <a:t>h:form</a:t>
             </a:r>
             <a:r>
               <a:rPr lang="en-IN" dirty="0"/>
@@ -10524,7 +10562,7 @@
           <p:cNvPr id="3" name="Content Placeholder 2">
             <a:extLst>
               <a:ext uri="{FF2B5EF4-FFF2-40B4-BE49-F238E27FC236}">
-                <a16:creationId xmlns:a16="http://schemas.microsoft.com/office/drawing/2014/main" id="{4AD015E9-81F4-458F-9F86-922ED5BB92A8}"/>
+                <a16:creationId xmlns:a16="http://schemas.microsoft.com/office/drawing/2014/main" id="{3B8AC158-7460-4989-AC2E-68FB366E34B1}"/>
               </a:ext>
             </a:extLst>
           </p:cNvPr>
@@ -10542,21 +10580,35 @@
           <a:p>
             <a:r>
               <a:rPr lang="en-US" dirty="0"/>
-              <a:t>It creates a submit button and used to submit a application form.</a:t>
-            </a:r>
-          </a:p>
-          <a:p>
+              <a:t>The &lt;</a:t>
+            </a:r>
+            <a:r>
+              <a:rPr lang="en-US" dirty="0" err="1"/>
+              <a:t>h:form</a:t>
+            </a:r>
             <a:r>
               <a:rPr lang="en-US" dirty="0"/>
-              <a:t>You can create it by using the following syntax.</a:t>
-            </a:r>
-          </a:p>
-          <a:p>
-            <a:pPr marL="0" indent="0" algn="ctr">
-              <a:buNone/>
-            </a:pPr>
-            <a:r>
-              <a:rPr lang="en-US" b="1" dirty="0">
+              <a:t>&gt; tag represents an input form.</a:t>
+            </a:r>
+          </a:p>
+          <a:p>
+            <a:r>
+              <a:rPr lang="en-US" dirty="0"/>
+              <a:t> It includes child components that can contain data which is either presented to the user or submitted with the form. </a:t>
+            </a:r>
+          </a:p>
+          <a:p>
+            <a:r>
+              <a:rPr lang="en-US" dirty="0"/>
+              <a:t>It can also include HTML markup to lay out the components on the page.</a:t>
+            </a:r>
+          </a:p>
+          <a:p>
+            <a:pPr marL="3657600" lvl="8" indent="0">
+              <a:buNone/>
+            </a:pPr>
+            <a:r>
+              <a:rPr lang="en-IN" sz="2800" b="1" dirty="0">
                 <a:solidFill>
                   <a:srgbClr val="FF0000"/>
                 </a:solidFill>
@@ -10564,58 +10616,85 @@
               <a:t>&lt;</a:t>
             </a:r>
             <a:r>
-              <a:rPr lang="en-US" b="1" dirty="0" err="1">
+              <a:rPr lang="en-IN" sz="2800" b="1" dirty="0" err="1">
                 <a:solidFill>
                   <a:srgbClr val="FF0000"/>
                 </a:solidFill>
               </a:rPr>
-              <a:t>h:commandButton</a:t>
-            </a:r>
-            <a:r>
-              <a:rPr lang="en-US" b="1" dirty="0">
-                <a:solidFill>
-                  <a:srgbClr val="FF0000"/>
-                </a:solidFill>
-              </a:rPr>
-              <a:t> value="Submit“ action="</a:t>
-            </a:r>
-            <a:r>
-              <a:rPr lang="en-US" b="1" dirty="0" err="1">
-                <a:solidFill>
-                  <a:srgbClr val="FF0000"/>
-                </a:solidFill>
-              </a:rPr>
-              <a:t>response.xhtml</a:t>
-            </a:r>
-            <a:r>
-              <a:rPr lang="en-US" b="1" dirty="0">
-                <a:solidFill>
-                  <a:srgbClr val="FF0000"/>
-                </a:solidFill>
-              </a:rPr>
-              <a:t>"&gt; &lt;/</a:t>
-            </a:r>
-            <a:r>
-              <a:rPr lang="en-US" b="1" dirty="0" err="1">
-                <a:solidFill>
-                  <a:srgbClr val="FF0000"/>
-                </a:solidFill>
-              </a:rPr>
-              <a:t>h:commandButton</a:t>
-            </a:r>
-            <a:r>
-              <a:rPr lang="en-US" b="1" dirty="0">
+              <a:t>h:form</a:t>
+            </a:r>
+            <a:r>
+              <a:rPr lang="en-IN" sz="2800" b="1" dirty="0">
                 <a:solidFill>
                   <a:srgbClr val="FF0000"/>
                 </a:solidFill>
               </a:rPr>
               <a:t>&gt;</a:t>
             </a:r>
-            <a:endParaRPr lang="en-IN" b="1" dirty="0">
-              <a:solidFill>
-                <a:srgbClr val="FF0000"/>
-              </a:solidFill>
-            </a:endParaRPr>
+            <a:r>
+              <a:rPr lang="en-IN" sz="2800" dirty="0">
+                <a:solidFill>
+                  <a:srgbClr val="FF0000"/>
+                </a:solidFill>
+              </a:rPr>
+              <a:t>  </a:t>
+            </a:r>
+          </a:p>
+          <a:p>
+            <a:pPr marL="3657600" lvl="8" indent="0">
+              <a:buNone/>
+            </a:pPr>
+            <a:r>
+              <a:rPr lang="en-IN" sz="2800" dirty="0">
+                <a:solidFill>
+                  <a:srgbClr val="FF0000"/>
+                </a:solidFill>
+              </a:rPr>
+              <a:t>&lt;!-- form elements --&gt;  </a:t>
+            </a:r>
+          </a:p>
+          <a:p>
+            <a:pPr marL="3657600" lvl="8" indent="0">
+              <a:buNone/>
+            </a:pPr>
+            <a:r>
+              <a:rPr lang="en-IN" sz="2800" b="1" dirty="0">
+                <a:solidFill>
+                  <a:srgbClr val="FF0000"/>
+                </a:solidFill>
+              </a:rPr>
+              <a:t>&lt;/</a:t>
+            </a:r>
+            <a:r>
+              <a:rPr lang="en-IN" sz="2800" b="1" dirty="0" err="1">
+                <a:solidFill>
+                  <a:srgbClr val="FF0000"/>
+                </a:solidFill>
+              </a:rPr>
+              <a:t>h:form</a:t>
+            </a:r>
+            <a:r>
+              <a:rPr lang="en-IN" sz="2800" b="1" dirty="0">
+                <a:solidFill>
+                  <a:srgbClr val="FF0000"/>
+                </a:solidFill>
+              </a:rPr>
+              <a:t>&gt;</a:t>
+            </a:r>
+            <a:r>
+              <a:rPr lang="en-IN" sz="2800" dirty="0">
+                <a:solidFill>
+                  <a:srgbClr val="FF0000"/>
+                </a:solidFill>
+              </a:rPr>
+              <a:t>  </a:t>
+            </a:r>
+          </a:p>
+          <a:p>
+            <a:pPr marL="0" indent="0">
+              <a:buNone/>
+            </a:pPr>
+            <a:endParaRPr lang="en-IN" dirty="0"/>
           </a:p>
         </p:txBody>
       </p:sp>
@@ -10625,7 +10704,7 @@
     </p:custDataLst>
     <p:extLst>
       <p:ext uri="{BB962C8B-B14F-4D97-AF65-F5344CB8AC3E}">
-        <p14:creationId xmlns:p14="http://schemas.microsoft.com/office/powerpoint/2010/main" val="3135805464"/>
+        <p14:creationId xmlns:p14="http://schemas.microsoft.com/office/powerpoint/2010/main" val="4061123652"/>
       </p:ext>
     </p:extLst>
   </p:cSld>
@@ -10664,6 +10743,184 @@
           <p:cNvPr id="2" name="Title 1">
             <a:extLst>
               <a:ext uri="{FF2B5EF4-FFF2-40B4-BE49-F238E27FC236}">
+                <a16:creationId xmlns:a16="http://schemas.microsoft.com/office/drawing/2014/main" id="{9DA9257F-7FDB-4D72-803D-6630FE53B0C9}"/>
+              </a:ext>
+            </a:extLst>
+          </p:cNvPr>
+          <p:cNvSpPr>
+            <a:spLocks noGrp="1"/>
+          </p:cNvSpPr>
+          <p:nvPr>
+            <p:ph type="title"/>
+          </p:nvPr>
+        </p:nvSpPr>
+        <p:spPr/>
+        <p:txBody>
+          <a:bodyPr>
+            <a:normAutofit/>
+          </a:bodyPr>
+          <a:lstStyle/>
+          <a:p>
+            <a:r>
+              <a:rPr lang="en-IN" dirty="0"/>
+              <a:t>5 JSF &lt;</a:t>
+            </a:r>
+            <a:r>
+              <a:rPr lang="en-IN" dirty="0" err="1"/>
+              <a:t>h:commandButton</a:t>
+            </a:r>
+            <a:r>
+              <a:rPr lang="en-IN" dirty="0"/>
+              <a:t>&gt; Tag</a:t>
+            </a:r>
+          </a:p>
+        </p:txBody>
+      </p:sp>
+      <p:sp>
+        <p:nvSpPr>
+          <p:cNvPr id="3" name="Content Placeholder 2">
+            <a:extLst>
+              <a:ext uri="{FF2B5EF4-FFF2-40B4-BE49-F238E27FC236}">
+                <a16:creationId xmlns:a16="http://schemas.microsoft.com/office/drawing/2014/main" id="{4AD015E9-81F4-458F-9F86-922ED5BB92A8}"/>
+              </a:ext>
+            </a:extLst>
+          </p:cNvPr>
+          <p:cNvSpPr>
+            <a:spLocks noGrp="1"/>
+          </p:cNvSpPr>
+          <p:nvPr>
+            <p:ph idx="1"/>
+          </p:nvPr>
+        </p:nvSpPr>
+        <p:spPr/>
+        <p:txBody>
+          <a:bodyPr/>
+          <a:lstStyle/>
+          <a:p>
+            <a:r>
+              <a:rPr lang="en-US" dirty="0"/>
+              <a:t>It creates a submit button and used to submit a application form.</a:t>
+            </a:r>
+          </a:p>
+          <a:p>
+            <a:r>
+              <a:rPr lang="en-US" dirty="0"/>
+              <a:t>You can create it by using the following syntax.</a:t>
+            </a:r>
+          </a:p>
+          <a:p>
+            <a:pPr marL="0" indent="0" algn="ctr">
+              <a:buNone/>
+            </a:pPr>
+            <a:r>
+              <a:rPr lang="en-US" b="1" dirty="0">
+                <a:solidFill>
+                  <a:srgbClr val="FF0000"/>
+                </a:solidFill>
+              </a:rPr>
+              <a:t>&lt;</a:t>
+            </a:r>
+            <a:r>
+              <a:rPr lang="en-US" b="1" dirty="0" err="1">
+                <a:solidFill>
+                  <a:srgbClr val="FF0000"/>
+                </a:solidFill>
+              </a:rPr>
+              <a:t>h:commandButton</a:t>
+            </a:r>
+            <a:r>
+              <a:rPr lang="en-US" b="1" dirty="0">
+                <a:solidFill>
+                  <a:srgbClr val="FF0000"/>
+                </a:solidFill>
+              </a:rPr>
+              <a:t> value="Submit“ action="</a:t>
+            </a:r>
+            <a:r>
+              <a:rPr lang="en-US" b="1" dirty="0" err="1">
+                <a:solidFill>
+                  <a:srgbClr val="FF0000"/>
+                </a:solidFill>
+              </a:rPr>
+              <a:t>response.xhtml</a:t>
+            </a:r>
+            <a:r>
+              <a:rPr lang="en-US" b="1" dirty="0">
+                <a:solidFill>
+                  <a:srgbClr val="FF0000"/>
+                </a:solidFill>
+              </a:rPr>
+              <a:t>"&gt; &lt;/</a:t>
+            </a:r>
+            <a:r>
+              <a:rPr lang="en-US" b="1" dirty="0" err="1">
+                <a:solidFill>
+                  <a:srgbClr val="FF0000"/>
+                </a:solidFill>
+              </a:rPr>
+              <a:t>h:commandButton</a:t>
+            </a:r>
+            <a:r>
+              <a:rPr lang="en-US" b="1" dirty="0">
+                <a:solidFill>
+                  <a:srgbClr val="FF0000"/>
+                </a:solidFill>
+              </a:rPr>
+              <a:t>&gt;</a:t>
+            </a:r>
+            <a:endParaRPr lang="en-IN" b="1" dirty="0">
+              <a:solidFill>
+                <a:srgbClr val="FF0000"/>
+              </a:solidFill>
+            </a:endParaRPr>
+          </a:p>
+        </p:txBody>
+      </p:sp>
+    </p:spTree>
+    <p:custDataLst>
+      <p:tags r:id="rId1"/>
+    </p:custDataLst>
+    <p:extLst>
+      <p:ext uri="{BB962C8B-B14F-4D97-AF65-F5344CB8AC3E}">
+        <p14:creationId xmlns:p14="http://schemas.microsoft.com/office/powerpoint/2010/main" val="3135805464"/>
+      </p:ext>
+    </p:extLst>
+  </p:cSld>
+  <p:clrMapOvr>
+    <a:masterClrMapping/>
+  </p:clrMapOvr>
+  <p:timing>
+    <p:tnLst>
+      <p:par>
+        <p:cTn id="1" dur="indefinite" restart="never" nodeType="tmRoot"/>
+      </p:par>
+    </p:tnLst>
+  </p:timing>
+</p:sld>
+</file>
+
+<file path=ppt/slides/slide17.xml><?xml version="1.0" encoding="utf-8"?>
+<p:sld xmlns:a="http://schemas.openxmlformats.org/drawingml/2006/main" xmlns:r="http://schemas.openxmlformats.org/officeDocument/2006/relationships" xmlns:p="http://schemas.openxmlformats.org/presentationml/2006/main">
+  <p:cSld>
+    <p:spTree>
+      <p:nvGrpSpPr>
+        <p:cNvPr id="1" name=""/>
+        <p:cNvGrpSpPr/>
+        <p:nvPr/>
+      </p:nvGrpSpPr>
+      <p:grpSpPr>
+        <a:xfrm>
+          <a:off x="0" y="0"/>
+          <a:ext cx="0" cy="0"/>
+          <a:chOff x="0" y="0"/>
+          <a:chExt cx="0" cy="0"/>
+        </a:xfrm>
+      </p:grpSpPr>
+      <p:sp>
+        <p:nvSpPr>
+          <p:cNvPr id="2" name="Title 1">
+            <a:extLst>
+              <a:ext uri="{FF2B5EF4-FFF2-40B4-BE49-F238E27FC236}">
                 <a16:creationId xmlns:a16="http://schemas.microsoft.com/office/drawing/2014/main" id="{BD1D4E5B-914D-4E7E-A60D-6147654712B3}"/>
               </a:ext>
             </a:extLst>
@@ -10686,11 +10943,7 @@
             </a:r>
             <a:r>
               <a:rPr lang="en-IN" dirty="0" smtClean="0"/>
-              <a:t>0</a:t>
-            </a:r>
-            <a:r>
-              <a:rPr lang="en-IN" dirty="0" smtClean="0"/>
-              <a:t> </a:t>
+              <a:t>0 </a:t>
             </a:r>
             <a:r>
               <a:rPr lang="en-IN" dirty="0"/>
@@ -10746,146 +10999,6 @@
 </p:sld>
 </file>
 
-<file path=ppt/slides/slide17.xml><?xml version="1.0" encoding="utf-8"?>
-<p:sld xmlns:a="http://schemas.openxmlformats.org/drawingml/2006/main" xmlns:r="http://schemas.openxmlformats.org/officeDocument/2006/relationships" xmlns:p="http://schemas.openxmlformats.org/presentationml/2006/main">
-  <p:cSld>
-    <p:spTree>
-      <p:nvGrpSpPr>
-        <p:cNvPr id="1" name=""/>
-        <p:cNvGrpSpPr/>
-        <p:nvPr/>
-      </p:nvGrpSpPr>
-      <p:grpSpPr>
-        <a:xfrm>
-          <a:off x="0" y="0"/>
-          <a:ext cx="0" cy="0"/>
-          <a:chOff x="0" y="0"/>
-          <a:chExt cx="0" cy="0"/>
-        </a:xfrm>
-      </p:grpSpPr>
-      <p:sp>
-        <p:nvSpPr>
-          <p:cNvPr id="2" name="Title 1">
-            <a:extLst>
-              <a:ext uri="{FF2B5EF4-FFF2-40B4-BE49-F238E27FC236}">
-                <a16:creationId xmlns:a16="http://schemas.microsoft.com/office/drawing/2014/main" id="{9E402634-C768-44DC-8935-906C02222E2F}"/>
-              </a:ext>
-            </a:extLst>
-          </p:cNvPr>
-          <p:cNvSpPr>
-            <a:spLocks noGrp="1"/>
-          </p:cNvSpPr>
-          <p:nvPr>
-            <p:ph type="title"/>
-          </p:nvPr>
-        </p:nvSpPr>
-        <p:spPr/>
-        <p:txBody>
-          <a:bodyPr/>
-          <a:lstStyle/>
-          <a:p>
-            <a:r>
-              <a:rPr lang="en-IN" dirty="0"/>
-              <a:t>PROG </a:t>
-            </a:r>
-            <a:r>
-              <a:rPr lang="en-IN" dirty="0" smtClean="0"/>
-              <a:t>0</a:t>
-            </a:r>
-            <a:r>
-              <a:rPr lang="en-IN" dirty="0" smtClean="0"/>
-              <a:t>: </a:t>
-            </a:r>
-            <a:r>
-              <a:rPr lang="en-IN" dirty="0"/>
-              <a:t>FILES NEED TO BE CREATED</a:t>
-            </a:r>
-          </a:p>
-        </p:txBody>
-      </p:sp>
-      <p:sp>
-        <p:nvSpPr>
-          <p:cNvPr id="3" name="Content Placeholder 2">
-            <a:extLst>
-              <a:ext uri="{FF2B5EF4-FFF2-40B4-BE49-F238E27FC236}">
-                <a16:creationId xmlns:a16="http://schemas.microsoft.com/office/drawing/2014/main" id="{D07F3C38-E1A1-4837-9E3F-076071EEA76A}"/>
-              </a:ext>
-            </a:extLst>
-          </p:cNvPr>
-          <p:cNvSpPr>
-            <a:spLocks noGrp="1"/>
-          </p:cNvSpPr>
-          <p:nvPr>
-            <p:ph idx="1"/>
-          </p:nvPr>
-        </p:nvSpPr>
-        <p:spPr/>
-        <p:txBody>
-          <a:bodyPr/>
-          <a:lstStyle/>
-          <a:p>
-            <a:r>
-              <a:rPr lang="en-IN" dirty="0"/>
-              <a:t>Total 3 file need to be created</a:t>
-            </a:r>
-          </a:p>
-          <a:p>
-            <a:pPr marL="971550" lvl="1" indent="-514350">
-              <a:buFont typeface="+mj-lt"/>
-              <a:buAutoNum type="arabicPeriod"/>
-            </a:pPr>
-            <a:r>
-              <a:rPr lang="en-IN" dirty="0" err="1"/>
-              <a:t>index.xhtml</a:t>
-            </a:r>
-            <a:endParaRPr lang="en-IN" dirty="0"/>
-          </a:p>
-          <a:p>
-            <a:pPr marL="971550" lvl="1" indent="-514350">
-              <a:buFont typeface="+mj-lt"/>
-              <a:buAutoNum type="arabicPeriod"/>
-            </a:pPr>
-            <a:r>
-              <a:rPr lang="en-IN" dirty="0"/>
-              <a:t>Student.java</a:t>
-            </a:r>
-          </a:p>
-          <a:p>
-            <a:pPr marL="971550" lvl="1" indent="-514350">
-              <a:buFont typeface="+mj-lt"/>
-              <a:buAutoNum type="arabicPeriod"/>
-            </a:pPr>
-            <a:r>
-              <a:rPr lang="en-IN" dirty="0" err="1"/>
-              <a:t>response.xhtml</a:t>
-            </a:r>
-            <a:endParaRPr lang="en-IN" dirty="0"/>
-          </a:p>
-        </p:txBody>
-      </p:sp>
-    </p:spTree>
-    <p:custDataLst>
-      <p:tags r:id="rId1"/>
-    </p:custDataLst>
-    <p:extLst>
-      <p:ext uri="{BB962C8B-B14F-4D97-AF65-F5344CB8AC3E}">
-        <p14:creationId xmlns:p14="http://schemas.microsoft.com/office/powerpoint/2010/main" val="1027775736"/>
-      </p:ext>
-    </p:extLst>
-  </p:cSld>
-  <p:clrMapOvr>
-    <a:masterClrMapping/>
-  </p:clrMapOvr>
-  <p:timing>
-    <p:tnLst>
-      <p:par>
-        <p:cTn id="1" dur="indefinite" restart="never" nodeType="tmRoot"/>
-      </p:par>
-    </p:tnLst>
-  </p:timing>
-</p:sld>
-</file>
-
 <file path=ppt/slides/slide18.xml><?xml version="1.0" encoding="utf-8"?>
 <p:sld xmlns:a="http://schemas.openxmlformats.org/drawingml/2006/main" xmlns:r="http://schemas.openxmlformats.org/officeDocument/2006/relationships" xmlns:p="http://schemas.openxmlformats.org/presentationml/2006/main">
   <p:cSld>
@@ -10908,7 +11021,7 @@
           <p:cNvPr id="2" name="Title 1">
             <a:extLst>
               <a:ext uri="{FF2B5EF4-FFF2-40B4-BE49-F238E27FC236}">
-                <a16:creationId xmlns:a16="http://schemas.microsoft.com/office/drawing/2014/main" id="{5BEC78C3-DE35-424B-AC69-8C7DA1E77661}"/>
+                <a16:creationId xmlns:a16="http://schemas.microsoft.com/office/drawing/2014/main" id="{9E402634-C768-44DC-8935-906C02222E2F}"/>
               </a:ext>
             </a:extLst>
           </p:cNvPr>
@@ -10926,13 +11039,16 @@
           <a:p>
             <a:r>
               <a:rPr lang="en-IN" dirty="0"/>
-              <a:t>1. </a:t>
-            </a:r>
-            <a:r>
-              <a:rPr lang="en-IN" dirty="0" err="1"/>
-              <a:t>Index.xhtml</a:t>
-            </a:r>
-            <a:endParaRPr lang="en-IN" dirty="0"/>
+              <a:t>PROG </a:t>
+            </a:r>
+            <a:r>
+              <a:rPr lang="en-IN" dirty="0" smtClean="0"/>
+              <a:t>0: </a:t>
+            </a:r>
+            <a:r>
+              <a:rPr lang="en-IN" dirty="0"/>
+              <a:t>FILES NEED TO BE CREATED</a:t>
+            </a:r>
           </a:p>
         </p:txBody>
       </p:sp>
@@ -10941,7 +11057,7 @@
           <p:cNvPr id="3" name="Content Placeholder 2">
             <a:extLst>
               <a:ext uri="{FF2B5EF4-FFF2-40B4-BE49-F238E27FC236}">
-                <a16:creationId xmlns:a16="http://schemas.microsoft.com/office/drawing/2014/main" id="{AEAB72D6-9819-4480-BC2A-9A07CD1DE861}"/>
+                <a16:creationId xmlns:a16="http://schemas.microsoft.com/office/drawing/2014/main" id="{D07F3C38-E1A1-4837-9E3F-076071EEA76A}"/>
               </a:ext>
             </a:extLst>
           </p:cNvPr>
@@ -10954,278 +11070,45 @@
         </p:nvSpPr>
         <p:spPr/>
         <p:txBody>
-          <a:bodyPr>
-            <a:normAutofit fontScale="55000" lnSpcReduction="20000"/>
-          </a:bodyPr>
+          <a:bodyPr/>
           <a:lstStyle/>
           <a:p>
-            <a:pPr marL="0" indent="0">
-              <a:buNone/>
-            </a:pPr>
-            <a:r>
-              <a:rPr lang="en-IN" dirty="0"/>
-              <a:t>&lt;?xml version='1.0' encoding='UTF-8' ?&gt;</a:t>
-            </a:r>
-          </a:p>
-          <a:p>
-            <a:pPr marL="0" indent="0">
-              <a:buNone/>
-            </a:pPr>
-            <a:r>
-              <a:rPr lang="en-IN" dirty="0"/>
-              <a:t>&lt;!DOCTYPE html&gt;</a:t>
-            </a:r>
-          </a:p>
-          <a:p>
-            <a:pPr marL="0" indent="0">
-              <a:buNone/>
-            </a:pPr>
-            <a:r>
-              <a:rPr lang="en-IN" dirty="0"/>
-              <a:t>&lt;html </a:t>
-            </a:r>
+            <a:r>
+              <a:rPr lang="en-IN" dirty="0"/>
+              <a:t>Total 3 file need to be created</a:t>
+            </a:r>
+          </a:p>
+          <a:p>
+            <a:pPr marL="971550" lvl="1" indent="-514350">
+              <a:buFont typeface="+mj-lt"/>
+              <a:buAutoNum type="arabicPeriod"/>
+            </a:pPr>
             <a:r>
               <a:rPr lang="en-IN" dirty="0" err="1"/>
-              <a:t>xmlns</a:t>
-            </a:r>
-            <a:r>
-              <a:rPr lang="en-IN" dirty="0"/>
-              <a:t>="http://www.w3.org/1999/xhtml"</a:t>
-            </a:r>
-          </a:p>
-          <a:p>
-            <a:pPr marL="0" indent="0">
-              <a:buNone/>
-            </a:pPr>
-            <a:r>
-              <a:rPr lang="en-IN" dirty="0"/>
-              <a:t>      </a:t>
-            </a:r>
+              <a:t>index.xhtml</a:t>
+            </a:r>
+            <a:endParaRPr lang="en-IN" dirty="0"/>
+          </a:p>
+          <a:p>
+            <a:pPr marL="971550" lvl="1" indent="-514350">
+              <a:buFont typeface="+mj-lt"/>
+              <a:buAutoNum type="arabicPeriod"/>
+            </a:pPr>
+            <a:r>
+              <a:rPr lang="en-IN" dirty="0"/>
+              <a:t>Student.java</a:t>
+            </a:r>
+          </a:p>
+          <a:p>
+            <a:pPr marL="971550" lvl="1" indent="-514350">
+              <a:buFont typeface="+mj-lt"/>
+              <a:buAutoNum type="arabicPeriod"/>
+            </a:pPr>
             <a:r>
               <a:rPr lang="en-IN" dirty="0" err="1"/>
-              <a:t>xmlns:h</a:t>
-            </a:r>
-            <a:r>
-              <a:rPr lang="en-IN" dirty="0"/>
-              <a:t>="http://xmlns.jcp.org/</a:t>
-            </a:r>
-            <a:r>
-              <a:rPr lang="en-IN" dirty="0" err="1"/>
-              <a:t>jsf</a:t>
-            </a:r>
-            <a:r>
-              <a:rPr lang="en-IN" dirty="0"/>
-              <a:t>/html"&gt;</a:t>
-            </a:r>
-          </a:p>
-          <a:p>
-            <a:pPr marL="0" indent="0">
-              <a:buNone/>
-            </a:pPr>
-            <a:r>
-              <a:rPr lang="en-IN" dirty="0"/>
-              <a:t>    &lt;</a:t>
-            </a:r>
-            <a:r>
-              <a:rPr lang="en-IN" dirty="0" err="1"/>
-              <a:t>h:head</a:t>
-            </a:r>
-            <a:r>
-              <a:rPr lang="en-IN" dirty="0"/>
-              <a:t>&gt;</a:t>
-            </a:r>
-          </a:p>
-          <a:p>
-            <a:pPr marL="0" indent="0">
-              <a:buNone/>
-            </a:pPr>
-            <a:r>
-              <a:rPr lang="en-IN" dirty="0"/>
-              <a:t>        &lt;title&gt;</a:t>
-            </a:r>
-            <a:r>
-              <a:rPr lang="en-IN" dirty="0" err="1"/>
-              <a:t>Facelet</a:t>
-            </a:r>
-            <a:r>
-              <a:rPr lang="en-IN" dirty="0"/>
-              <a:t> Title&lt;/title&gt;</a:t>
-            </a:r>
-          </a:p>
-          <a:p>
-            <a:pPr marL="0" indent="0">
-              <a:buNone/>
-            </a:pPr>
-            <a:r>
-              <a:rPr lang="en-IN" dirty="0"/>
-              <a:t>    &lt;/</a:t>
-            </a:r>
-            <a:r>
-              <a:rPr lang="en-IN" dirty="0" err="1"/>
-              <a:t>h:head</a:t>
-            </a:r>
-            <a:r>
-              <a:rPr lang="en-IN" dirty="0"/>
-              <a:t>&gt;</a:t>
-            </a:r>
-          </a:p>
-          <a:p>
-            <a:pPr marL="0" indent="0">
-              <a:buNone/>
-            </a:pPr>
-            <a:r>
-              <a:rPr lang="en-IN" dirty="0"/>
-              <a:t>    &lt;</a:t>
-            </a:r>
-            <a:r>
-              <a:rPr lang="en-IN" dirty="0" err="1"/>
-              <a:t>h:body</a:t>
-            </a:r>
-            <a:r>
-              <a:rPr lang="en-IN" dirty="0"/>
-              <a:t>&gt;</a:t>
-            </a:r>
-          </a:p>
-          <a:p>
-            <a:pPr marL="0" indent="0">
-              <a:buNone/>
-            </a:pPr>
-            <a:r>
-              <a:rPr lang="en-IN" dirty="0"/>
-              <a:t>        &lt;</a:t>
-            </a:r>
-            <a:r>
-              <a:rPr lang="en-IN" dirty="0" err="1"/>
-              <a:t>h:form</a:t>
-            </a:r>
-            <a:r>
-              <a:rPr lang="en-IN" dirty="0"/>
-              <a:t>&gt;</a:t>
-            </a:r>
-          </a:p>
-          <a:p>
-            <a:pPr marL="0" indent="0">
-              <a:buNone/>
-            </a:pPr>
-            <a:r>
-              <a:rPr lang="en-IN" dirty="0"/>
-              <a:t>            &lt;table&gt;</a:t>
-            </a:r>
-          </a:p>
-          <a:p>
-            <a:pPr marL="0" indent="0">
-              <a:buNone/>
-            </a:pPr>
-            <a:r>
-              <a:rPr lang="en-IN" dirty="0"/>
-              <a:t>                &lt;</a:t>
-            </a:r>
-            <a:r>
-              <a:rPr lang="en-IN" dirty="0" err="1"/>
-              <a:t>tr</a:t>
-            </a:r>
-            <a:r>
-              <a:rPr lang="en-IN" dirty="0"/>
-              <a:t>&gt;  </a:t>
-            </a:r>
-          </a:p>
-          <a:p>
-            <a:pPr marL="0" indent="0">
-              <a:buNone/>
-            </a:pPr>
-            <a:r>
-              <a:rPr lang="en-IN" dirty="0"/>
-              <a:t>                &lt;td&gt;Student ID&lt;/td&gt;  </a:t>
-            </a:r>
-          </a:p>
-          <a:p>
-            <a:pPr marL="0" indent="0">
-              <a:buNone/>
-            </a:pPr>
-            <a:r>
-              <a:rPr lang="en-IN" dirty="0"/>
-              <a:t>                &lt;td&gt;&lt;</a:t>
-            </a:r>
-            <a:r>
-              <a:rPr lang="en-IN" dirty="0" err="1"/>
-              <a:t>h:inputText</a:t>
-            </a:r>
-            <a:r>
-              <a:rPr lang="en-IN" dirty="0"/>
-              <a:t> id="</a:t>
-            </a:r>
-            <a:r>
-              <a:rPr lang="en-IN" dirty="0" err="1"/>
-              <a:t>sid</a:t>
-            </a:r>
-            <a:r>
-              <a:rPr lang="en-IN" dirty="0"/>
-              <a:t>-id" value="#{student.id}"/&gt;&lt;/td&gt;  </a:t>
-            </a:r>
-          </a:p>
-          <a:p>
-            <a:pPr marL="0" indent="0">
-              <a:buNone/>
-            </a:pPr>
-            <a:r>
-              <a:rPr lang="en-IN" dirty="0"/>
-              <a:t>                &lt;/</a:t>
-            </a:r>
-            <a:r>
-              <a:rPr lang="en-IN" dirty="0" err="1"/>
-              <a:t>tr</a:t>
-            </a:r>
-            <a:r>
-              <a:rPr lang="en-IN" dirty="0"/>
-              <a:t>&gt;  </a:t>
-            </a:r>
-          </a:p>
-        </p:txBody>
-      </p:sp>
-      <p:sp>
-        <p:nvSpPr>
-          <p:cNvPr id="10" name="Rectangle 9">
-            <a:extLst>
-              <a:ext uri="{FF2B5EF4-FFF2-40B4-BE49-F238E27FC236}">
-                <a16:creationId xmlns:a16="http://schemas.microsoft.com/office/drawing/2014/main" id="{F05CEC48-896D-45D1-841C-4BAF8FC5F78F}"/>
-              </a:ext>
-            </a:extLst>
-          </p:cNvPr>
-          <p:cNvSpPr/>
-          <p:nvPr/>
-        </p:nvSpPr>
-        <p:spPr>
-          <a:xfrm>
-            <a:off x="1148080" y="4104640"/>
-            <a:ext cx="5303520" cy="1869440"/>
-          </a:xfrm>
-          <a:prstGeom prst="rect">
-            <a:avLst/>
-          </a:prstGeom>
-          <a:noFill/>
-        </p:spPr>
-        <p:style>
-          <a:lnRef idx="2">
-            <a:schemeClr val="accent1">
-              <a:shade val="50000"/>
-            </a:schemeClr>
-          </a:lnRef>
-          <a:fillRef idx="1">
-            <a:schemeClr val="accent1"/>
-          </a:fillRef>
-          <a:effectRef idx="0">
-            <a:schemeClr val="accent1"/>
-          </a:effectRef>
-          <a:fontRef idx="minor">
-            <a:schemeClr val="lt1"/>
-          </a:fontRef>
-        </p:style>
-        <p:txBody>
-          <a:bodyPr rtlCol="0" anchor="ctr"/>
-          <a:lstStyle/>
-          <a:p>
-            <a:pPr algn="ctr"/>
-            <a:endParaRPr lang="en-IN"/>
+              <a:t>response.xhtml</a:t>
+            </a:r>
+            <a:endParaRPr lang="en-IN" dirty="0"/>
           </a:p>
         </p:txBody>
       </p:sp>
@@ -11235,7 +11118,7 @@
     </p:custDataLst>
     <p:extLst>
       <p:ext uri="{BB962C8B-B14F-4D97-AF65-F5344CB8AC3E}">
-        <p14:creationId xmlns:p14="http://schemas.microsoft.com/office/powerpoint/2010/main" val="3387605389"/>
+        <p14:creationId xmlns:p14="http://schemas.microsoft.com/office/powerpoint/2010/main" val="1027775736"/>
       </p:ext>
     </p:extLst>
   </p:cSld>
@@ -11321,7 +11204,7 @@
         <p:spPr/>
         <p:txBody>
           <a:bodyPr>
-            <a:normAutofit fontScale="70000" lnSpcReduction="20000"/>
+            <a:normAutofit fontScale="55000" lnSpcReduction="20000"/>
           </a:bodyPr>
           <a:lstStyle/>
           <a:p>
@@ -11330,6 +11213,160 @@
             </a:pPr>
             <a:r>
               <a:rPr lang="en-IN" dirty="0"/>
+              <a:t>&lt;?xml version='1.0' encoding='UTF-8' ?&gt;</a:t>
+            </a:r>
+          </a:p>
+          <a:p>
+            <a:pPr marL="0" indent="0">
+              <a:buNone/>
+            </a:pPr>
+            <a:r>
+              <a:rPr lang="en-IN" dirty="0"/>
+              <a:t>&lt;!DOCTYPE html&gt;</a:t>
+            </a:r>
+          </a:p>
+          <a:p>
+            <a:pPr marL="0" indent="0">
+              <a:buNone/>
+            </a:pPr>
+            <a:r>
+              <a:rPr lang="en-IN" dirty="0"/>
+              <a:t>&lt;html </a:t>
+            </a:r>
+            <a:r>
+              <a:rPr lang="en-IN" dirty="0" err="1"/>
+              <a:t>xmlns</a:t>
+            </a:r>
+            <a:r>
+              <a:rPr lang="en-IN" dirty="0"/>
+              <a:t>="http://www.w3.org/1999/xhtml"</a:t>
+            </a:r>
+          </a:p>
+          <a:p>
+            <a:pPr marL="0" indent="0">
+              <a:buNone/>
+            </a:pPr>
+            <a:r>
+              <a:rPr lang="en-IN" dirty="0"/>
+              <a:t>      </a:t>
+            </a:r>
+            <a:r>
+              <a:rPr lang="en-IN" dirty="0" err="1"/>
+              <a:t>xmlns:h</a:t>
+            </a:r>
+            <a:r>
+              <a:rPr lang="en-IN" dirty="0"/>
+              <a:t>="http://xmlns.jcp.org/</a:t>
+            </a:r>
+            <a:r>
+              <a:rPr lang="en-IN" dirty="0" err="1"/>
+              <a:t>jsf</a:t>
+            </a:r>
+            <a:r>
+              <a:rPr lang="en-IN" dirty="0"/>
+              <a:t>/html"&gt;</a:t>
+            </a:r>
+          </a:p>
+          <a:p>
+            <a:pPr marL="0" indent="0">
+              <a:buNone/>
+            </a:pPr>
+            <a:r>
+              <a:rPr lang="en-IN" dirty="0"/>
+              <a:t>    &lt;</a:t>
+            </a:r>
+            <a:r>
+              <a:rPr lang="en-IN" dirty="0" err="1"/>
+              <a:t>h:head</a:t>
+            </a:r>
+            <a:r>
+              <a:rPr lang="en-IN" dirty="0"/>
+              <a:t>&gt;</a:t>
+            </a:r>
+          </a:p>
+          <a:p>
+            <a:pPr marL="0" indent="0">
+              <a:buNone/>
+            </a:pPr>
+            <a:r>
+              <a:rPr lang="en-IN" dirty="0"/>
+              <a:t>        &lt;title&gt;</a:t>
+            </a:r>
+            <a:r>
+              <a:rPr lang="en-IN" dirty="0" err="1"/>
+              <a:t>Facelet</a:t>
+            </a:r>
+            <a:r>
+              <a:rPr lang="en-IN" dirty="0"/>
+              <a:t> Title&lt;/title&gt;</a:t>
+            </a:r>
+          </a:p>
+          <a:p>
+            <a:pPr marL="0" indent="0">
+              <a:buNone/>
+            </a:pPr>
+            <a:r>
+              <a:rPr lang="en-IN" dirty="0"/>
+              <a:t>    &lt;/</a:t>
+            </a:r>
+            <a:r>
+              <a:rPr lang="en-IN" dirty="0" err="1"/>
+              <a:t>h:head</a:t>
+            </a:r>
+            <a:r>
+              <a:rPr lang="en-IN" dirty="0"/>
+              <a:t>&gt;</a:t>
+            </a:r>
+          </a:p>
+          <a:p>
+            <a:pPr marL="0" indent="0">
+              <a:buNone/>
+            </a:pPr>
+            <a:r>
+              <a:rPr lang="en-IN" dirty="0"/>
+              <a:t>    &lt;</a:t>
+            </a:r>
+            <a:r>
+              <a:rPr lang="en-IN" dirty="0" err="1"/>
+              <a:t>h:body</a:t>
+            </a:r>
+            <a:r>
+              <a:rPr lang="en-IN" dirty="0"/>
+              <a:t>&gt;</a:t>
+            </a:r>
+          </a:p>
+          <a:p>
+            <a:pPr marL="0" indent="0">
+              <a:buNone/>
+            </a:pPr>
+            <a:r>
+              <a:rPr lang="en-IN" dirty="0"/>
+              <a:t>        &lt;</a:t>
+            </a:r>
+            <a:r>
+              <a:rPr lang="en-IN" dirty="0" err="1"/>
+              <a:t>h:form</a:t>
+            </a:r>
+            <a:r>
+              <a:rPr lang="en-IN" dirty="0"/>
+              <a:t>&gt;</a:t>
+            </a:r>
+          </a:p>
+          <a:p>
+            <a:pPr marL="0" indent="0">
+              <a:buNone/>
+            </a:pPr>
+            <a:r>
+              <a:rPr lang="en-IN" dirty="0"/>
+              <a:t>            &lt;table&gt;</a:t>
+            </a:r>
+          </a:p>
+          <a:p>
+            <a:pPr marL="0" indent="0">
+              <a:buNone/>
+            </a:pPr>
+            <a:r>
+              <a:rPr lang="en-IN" dirty="0"/>
               <a:t>                &lt;</a:t>
             </a:r>
             <a:r>
@@ -11347,7 +11384,7 @@
             </a:pPr>
             <a:r>
               <a:rPr lang="en-IN" dirty="0"/>
-              <a:t>                &lt;td&gt;Student Name&lt;/td&gt;  </a:t>
+              <a:t>                &lt;td&gt;Student ID&lt;/td&gt;  </a:t>
             </a:r>
           </a:p>
           <a:p>
@@ -11368,11 +11405,11 @@
             </a:r>
             <a:r>
               <a:rPr lang="en-IN" dirty="0" err="1"/>
-              <a:t>sname</a:t>
-            </a:r>
-            <a:r>
-              <a:rPr lang="en-IN" dirty="0"/>
-              <a:t>-id" value="#{student.name}"/&gt;&lt;/td&gt;  </a:t>
+              <a:t>sid</a:t>
+            </a:r>
+            <a:r>
+              <a:rPr lang="en-IN" dirty="0"/>
+              <a:t>-id" value="#{student.id}"/&gt;&lt;/td&gt;  </a:t>
             </a:r>
           </a:p>
           <a:p>
@@ -11392,154 +11429,14 @@
               <a:t>&gt;  </a:t>
             </a:r>
           </a:p>
-          <a:p>
-            <a:pPr marL="0" indent="0">
-              <a:buNone/>
-            </a:pPr>
-            <a:r>
-              <a:rPr lang="en-IN" dirty="0"/>
-              <a:t>                &lt;</a:t>
-            </a:r>
-            <a:r>
-              <a:rPr lang="en-IN" dirty="0" err="1"/>
-              <a:t>tr</a:t>
-            </a:r>
-            <a:r>
-              <a:rPr lang="en-IN" dirty="0"/>
-              <a:t>&gt;</a:t>
-            </a:r>
-          </a:p>
-          <a:p>
-            <a:pPr marL="0" indent="0">
-              <a:buNone/>
-            </a:pPr>
-            <a:r>
-              <a:rPr lang="en-IN" dirty="0"/>
-              <a:t>                &lt;td&gt;SUBMIT BUTTON:&lt;/td&gt;</a:t>
-            </a:r>
-          </a:p>
-          <a:p>
-            <a:pPr marL="0" indent="0">
-              <a:buNone/>
-            </a:pPr>
-            <a:r>
-              <a:rPr lang="en-IN" dirty="0"/>
-              <a:t>                &lt;td&gt;&lt;</a:t>
-            </a:r>
-            <a:r>
-              <a:rPr lang="en-IN" dirty="0" err="1"/>
-              <a:t>h:commandButton</a:t>
-            </a:r>
-            <a:r>
-              <a:rPr lang="en-IN" dirty="0"/>
-              <a:t> value="Submit" action="</a:t>
-            </a:r>
-            <a:r>
-              <a:rPr lang="en-IN" dirty="0" err="1"/>
-              <a:t>response.xhtml</a:t>
-            </a:r>
-            <a:r>
-              <a:rPr lang="en-IN" dirty="0"/>
-              <a:t>"&gt;&lt;/</a:t>
-            </a:r>
-            <a:r>
-              <a:rPr lang="en-IN" dirty="0" err="1"/>
-              <a:t>h:commandButton</a:t>
-            </a:r>
-            <a:r>
-              <a:rPr lang="en-IN" dirty="0"/>
-              <a:t>&gt;&lt;/td&gt;</a:t>
-            </a:r>
-          </a:p>
-          <a:p>
-            <a:pPr marL="0" indent="0">
-              <a:buNone/>
-            </a:pPr>
-            <a:r>
-              <a:rPr lang="en-IN" dirty="0"/>
-              <a:t>                &lt;/</a:t>
-            </a:r>
-            <a:r>
-              <a:rPr lang="en-IN" dirty="0" err="1"/>
-              <a:t>tr</a:t>
-            </a:r>
-            <a:r>
-              <a:rPr lang="en-IN" dirty="0"/>
-              <a:t>&gt;</a:t>
-            </a:r>
-          </a:p>
-          <a:p>
-            <a:pPr marL="0" indent="0">
-              <a:buNone/>
-            </a:pPr>
-            <a:r>
-              <a:rPr lang="en-IN" dirty="0"/>
-              <a:t>            &lt;/table&gt;  </a:t>
-            </a:r>
-          </a:p>
-          <a:p>
-            <a:pPr marL="0" indent="0">
-              <a:buNone/>
-            </a:pPr>
-            <a:r>
-              <a:rPr lang="en-IN" dirty="0"/>
-              <a:t>        &lt;/</a:t>
-            </a:r>
-            <a:r>
-              <a:rPr lang="en-IN" dirty="0" err="1"/>
-              <a:t>h:form</a:t>
-            </a:r>
-            <a:r>
-              <a:rPr lang="en-IN" dirty="0"/>
-              <a:t>&gt; </a:t>
-            </a:r>
-          </a:p>
-          <a:p>
-            <a:pPr marL="0" indent="0">
-              <a:buNone/>
-            </a:pPr>
-            <a:r>
-              <a:rPr lang="en-IN" dirty="0"/>
-              <a:t>    &lt;/</a:t>
-            </a:r>
-            <a:r>
-              <a:rPr lang="en-IN" dirty="0" err="1"/>
-              <a:t>h:body</a:t>
-            </a:r>
-            <a:r>
-              <a:rPr lang="en-IN" dirty="0"/>
-              <a:t>&gt;</a:t>
-            </a:r>
-          </a:p>
-          <a:p>
-            <a:pPr marL="0" indent="0">
-              <a:buNone/>
-            </a:pPr>
-            <a:r>
-              <a:rPr lang="en-IN" dirty="0"/>
-              <a:t>&lt;/html&gt;</a:t>
-            </a:r>
-          </a:p>
-          <a:p>
-            <a:pPr marL="0" indent="0">
-              <a:buNone/>
-            </a:pPr>
-            <a:endParaRPr lang="en-IN" dirty="0"/>
-          </a:p>
-          <a:p>
-            <a:pPr marL="0" indent="0">
-              <a:buNone/>
-            </a:pPr>
-            <a:endParaRPr lang="en-IN" dirty="0"/>
-          </a:p>
-        </p:txBody>
-      </p:sp>
-      <p:sp>
-        <p:nvSpPr>
-          <p:cNvPr id="4" name="Rectangle 3">
+        </p:txBody>
+      </p:sp>
+      <p:sp>
+        <p:nvSpPr>
+          <p:cNvPr id="10" name="Rectangle 9">
             <a:extLst>
               <a:ext uri="{FF2B5EF4-FFF2-40B4-BE49-F238E27FC236}">
-                <a16:creationId xmlns:a16="http://schemas.microsoft.com/office/drawing/2014/main" id="{62DFBC0A-C3E1-4258-91CD-BF861E1CF183}"/>
+                <a16:creationId xmlns:a16="http://schemas.microsoft.com/office/drawing/2014/main" id="{F05CEC48-896D-45D1-841C-4BAF8FC5F78F}"/>
               </a:ext>
             </a:extLst>
           </p:cNvPr>
@@ -11548,8 +11445,8 @@
         </p:nvSpPr>
         <p:spPr>
           <a:xfrm>
-            <a:off x="807720" y="1717040"/>
-            <a:ext cx="7990840" cy="3688080"/>
+            <a:off x="1148080" y="4104640"/>
+            <a:ext cx="5303520" cy="1869440"/>
           </a:xfrm>
           <a:prstGeom prst="rect">
             <a:avLst/>
@@ -11587,7 +11484,7 @@
     </p:custDataLst>
     <p:extLst>
       <p:ext uri="{BB962C8B-B14F-4D97-AF65-F5344CB8AC3E}">
-        <p14:creationId xmlns:p14="http://schemas.microsoft.com/office/powerpoint/2010/main" val="2137831803"/>
+        <p14:creationId xmlns:p14="http://schemas.microsoft.com/office/powerpoint/2010/main" val="3387605389"/>
       </p:ext>
     </p:extLst>
   </p:cSld>
@@ -11801,7 +11698,7 @@
           <p:cNvPr id="2" name="Title 1">
             <a:extLst>
               <a:ext uri="{FF2B5EF4-FFF2-40B4-BE49-F238E27FC236}">
-                <a16:creationId xmlns:a16="http://schemas.microsoft.com/office/drawing/2014/main" id="{FC75FF10-0B25-4DC4-BAB6-10CC5DC3FED5}"/>
+                <a16:creationId xmlns:a16="http://schemas.microsoft.com/office/drawing/2014/main" id="{5BEC78C3-DE35-424B-AC69-8C7DA1E77661}"/>
               </a:ext>
             </a:extLst>
           </p:cNvPr>
@@ -11819,15 +11716,13 @@
           <a:p>
             <a:r>
               <a:rPr lang="en-IN" dirty="0"/>
-              <a:t>2. student.java</a:t>
-            </a:r>
-            <a:br>
-              <a:rPr lang="en-IN" dirty="0"/>
-            </a:br>
-            <a:r>
-              <a:rPr lang="en-IN" dirty="0"/>
-              <a:t>JSF MANAGED BEAN: JAVA CLASS</a:t>
-            </a:r>
+              <a:t>1. </a:t>
+            </a:r>
+            <a:r>
+              <a:rPr lang="en-IN" dirty="0" err="1"/>
+              <a:t>Index.xhtml</a:t>
+            </a:r>
+            <a:endParaRPr lang="en-IN" dirty="0"/>
           </a:p>
         </p:txBody>
       </p:sp>
@@ -11836,7 +11731,7 @@
           <p:cNvPr id="3" name="Content Placeholder 2">
             <a:extLst>
               <a:ext uri="{FF2B5EF4-FFF2-40B4-BE49-F238E27FC236}">
-                <a16:creationId xmlns:a16="http://schemas.microsoft.com/office/drawing/2014/main" id="{6D04B265-C3F4-430B-B1E1-D0F132177981}"/>
+                <a16:creationId xmlns:a16="http://schemas.microsoft.com/office/drawing/2014/main" id="{AEAB72D6-9819-4480-BC2A-9A07CD1DE861}"/>
               </a:ext>
             </a:extLst>
           </p:cNvPr>
@@ -11847,337 +11742,266 @@
             <p:ph idx="1"/>
           </p:nvPr>
         </p:nvSpPr>
+        <p:spPr/>
+        <p:txBody>
+          <a:bodyPr>
+            <a:normAutofit fontScale="70000" lnSpcReduction="20000"/>
+          </a:bodyPr>
+          <a:lstStyle/>
+          <a:p>
+            <a:pPr marL="0" indent="0">
+              <a:buNone/>
+            </a:pPr>
+            <a:r>
+              <a:rPr lang="en-IN" dirty="0"/>
+              <a:t>                &lt;</a:t>
+            </a:r>
+            <a:r>
+              <a:rPr lang="en-IN" dirty="0" err="1"/>
+              <a:t>tr</a:t>
+            </a:r>
+            <a:r>
+              <a:rPr lang="en-IN" dirty="0"/>
+              <a:t>&gt;  </a:t>
+            </a:r>
+          </a:p>
+          <a:p>
+            <a:pPr marL="0" indent="0">
+              <a:buNone/>
+            </a:pPr>
+            <a:r>
+              <a:rPr lang="en-IN" dirty="0"/>
+              <a:t>                &lt;td&gt;Student Name&lt;/td&gt;  </a:t>
+            </a:r>
+          </a:p>
+          <a:p>
+            <a:pPr marL="0" indent="0">
+              <a:buNone/>
+            </a:pPr>
+            <a:r>
+              <a:rPr lang="en-IN" dirty="0"/>
+              <a:t>                &lt;td&gt;&lt;</a:t>
+            </a:r>
+            <a:r>
+              <a:rPr lang="en-IN" dirty="0" err="1"/>
+              <a:t>h:inputText</a:t>
+            </a:r>
+            <a:r>
+              <a:rPr lang="en-IN" dirty="0"/>
+              <a:t> id="</a:t>
+            </a:r>
+            <a:r>
+              <a:rPr lang="en-IN" dirty="0" err="1"/>
+              <a:t>sname</a:t>
+            </a:r>
+            <a:r>
+              <a:rPr lang="en-IN" dirty="0"/>
+              <a:t>-id" value="#{student.name}"/&gt;&lt;/td&gt;  </a:t>
+            </a:r>
+          </a:p>
+          <a:p>
+            <a:pPr marL="0" indent="0">
+              <a:buNone/>
+            </a:pPr>
+            <a:r>
+              <a:rPr lang="en-IN" dirty="0"/>
+              <a:t>                &lt;/</a:t>
+            </a:r>
+            <a:r>
+              <a:rPr lang="en-IN" dirty="0" err="1"/>
+              <a:t>tr</a:t>
+            </a:r>
+            <a:r>
+              <a:rPr lang="en-IN" dirty="0"/>
+              <a:t>&gt;  </a:t>
+            </a:r>
+          </a:p>
+          <a:p>
+            <a:pPr marL="0" indent="0">
+              <a:buNone/>
+            </a:pPr>
+            <a:r>
+              <a:rPr lang="en-IN" dirty="0"/>
+              <a:t>                &lt;</a:t>
+            </a:r>
+            <a:r>
+              <a:rPr lang="en-IN" dirty="0" err="1"/>
+              <a:t>tr</a:t>
+            </a:r>
+            <a:r>
+              <a:rPr lang="en-IN" dirty="0"/>
+              <a:t>&gt;</a:t>
+            </a:r>
+          </a:p>
+          <a:p>
+            <a:pPr marL="0" indent="0">
+              <a:buNone/>
+            </a:pPr>
+            <a:r>
+              <a:rPr lang="en-IN" dirty="0"/>
+              <a:t>                &lt;td&gt;SUBMIT BUTTON:&lt;/td&gt;</a:t>
+            </a:r>
+          </a:p>
+          <a:p>
+            <a:pPr marL="0" indent="0">
+              <a:buNone/>
+            </a:pPr>
+            <a:r>
+              <a:rPr lang="en-IN" dirty="0"/>
+              <a:t>                &lt;td&gt;&lt;</a:t>
+            </a:r>
+            <a:r>
+              <a:rPr lang="en-IN" dirty="0" err="1"/>
+              <a:t>h:commandButton</a:t>
+            </a:r>
+            <a:r>
+              <a:rPr lang="en-IN" dirty="0"/>
+              <a:t> value="Submit" action="</a:t>
+            </a:r>
+            <a:r>
+              <a:rPr lang="en-IN" dirty="0" err="1"/>
+              <a:t>response.xhtml</a:t>
+            </a:r>
+            <a:r>
+              <a:rPr lang="en-IN" dirty="0"/>
+              <a:t>"&gt;&lt;/</a:t>
+            </a:r>
+            <a:r>
+              <a:rPr lang="en-IN" dirty="0" err="1"/>
+              <a:t>h:commandButton</a:t>
+            </a:r>
+            <a:r>
+              <a:rPr lang="en-IN" dirty="0"/>
+              <a:t>&gt;&lt;/td&gt;</a:t>
+            </a:r>
+          </a:p>
+          <a:p>
+            <a:pPr marL="0" indent="0">
+              <a:buNone/>
+            </a:pPr>
+            <a:r>
+              <a:rPr lang="en-IN" dirty="0"/>
+              <a:t>                &lt;/</a:t>
+            </a:r>
+            <a:r>
+              <a:rPr lang="en-IN" dirty="0" err="1"/>
+              <a:t>tr</a:t>
+            </a:r>
+            <a:r>
+              <a:rPr lang="en-IN" dirty="0"/>
+              <a:t>&gt;</a:t>
+            </a:r>
+          </a:p>
+          <a:p>
+            <a:pPr marL="0" indent="0">
+              <a:buNone/>
+            </a:pPr>
+            <a:r>
+              <a:rPr lang="en-IN" dirty="0"/>
+              <a:t>            &lt;/table&gt;  </a:t>
+            </a:r>
+          </a:p>
+          <a:p>
+            <a:pPr marL="0" indent="0">
+              <a:buNone/>
+            </a:pPr>
+            <a:r>
+              <a:rPr lang="en-IN" dirty="0"/>
+              <a:t>        &lt;/</a:t>
+            </a:r>
+            <a:r>
+              <a:rPr lang="en-IN" dirty="0" err="1"/>
+              <a:t>h:form</a:t>
+            </a:r>
+            <a:r>
+              <a:rPr lang="en-IN" dirty="0"/>
+              <a:t>&gt; </a:t>
+            </a:r>
+          </a:p>
+          <a:p>
+            <a:pPr marL="0" indent="0">
+              <a:buNone/>
+            </a:pPr>
+            <a:r>
+              <a:rPr lang="en-IN" dirty="0"/>
+              <a:t>    &lt;/</a:t>
+            </a:r>
+            <a:r>
+              <a:rPr lang="en-IN" dirty="0" err="1"/>
+              <a:t>h:body</a:t>
+            </a:r>
+            <a:r>
+              <a:rPr lang="en-IN" dirty="0"/>
+              <a:t>&gt;</a:t>
+            </a:r>
+          </a:p>
+          <a:p>
+            <a:pPr marL="0" indent="0">
+              <a:buNone/>
+            </a:pPr>
+            <a:r>
+              <a:rPr lang="en-IN" dirty="0"/>
+              <a:t>&lt;/html&gt;</a:t>
+            </a:r>
+          </a:p>
+          <a:p>
+            <a:pPr marL="0" indent="0">
+              <a:buNone/>
+            </a:pPr>
+            <a:endParaRPr lang="en-IN" dirty="0"/>
+          </a:p>
+          <a:p>
+            <a:pPr marL="0" indent="0">
+              <a:buNone/>
+            </a:pPr>
+            <a:endParaRPr lang="en-IN" dirty="0"/>
+          </a:p>
+        </p:txBody>
+      </p:sp>
+      <p:sp>
+        <p:nvSpPr>
+          <p:cNvPr id="4" name="Rectangle 3">
+            <a:extLst>
+              <a:ext uri="{FF2B5EF4-FFF2-40B4-BE49-F238E27FC236}">
+                <a16:creationId xmlns:a16="http://schemas.microsoft.com/office/drawing/2014/main" id="{62DFBC0A-C3E1-4258-91CD-BF861E1CF183}"/>
+              </a:ext>
+            </a:extLst>
+          </p:cNvPr>
+          <p:cNvSpPr/>
+          <p:nvPr/>
+        </p:nvSpPr>
         <p:spPr>
           <a:xfrm>
-            <a:off x="838200" y="1825624"/>
-            <a:ext cx="10515600" cy="4808855"/>
+            <a:off x="807720" y="1717040"/>
+            <a:ext cx="7990840" cy="3688080"/>
           </a:xfrm>
+          <a:prstGeom prst="rect">
+            <a:avLst/>
+          </a:prstGeom>
+          <a:noFill/>
         </p:spPr>
-        <p:txBody>
-          <a:bodyPr numCol="2">
-            <a:noAutofit/>
-          </a:bodyPr>
+        <p:style>
+          <a:lnRef idx="2">
+            <a:schemeClr val="accent1">
+              <a:shade val="50000"/>
+            </a:schemeClr>
+          </a:lnRef>
+          <a:fillRef idx="1">
+            <a:schemeClr val="accent1"/>
+          </a:fillRef>
+          <a:effectRef idx="0">
+            <a:schemeClr val="accent1"/>
+          </a:effectRef>
+          <a:fontRef idx="minor">
+            <a:schemeClr val="lt1"/>
+          </a:fontRef>
+        </p:style>
+        <p:txBody>
+          <a:bodyPr rtlCol="0" anchor="ctr"/>
           <a:lstStyle/>
           <a:p>
-            <a:pPr marL="0" indent="0">
-              <a:buNone/>
-            </a:pPr>
-            <a:r>
-              <a:rPr lang="en-IN" sz="1800" dirty="0"/>
-              <a:t>import </a:t>
-            </a:r>
-            <a:r>
-              <a:rPr lang="en-IN" sz="1800" dirty="0" err="1"/>
-              <a:t>javax.annotation.ManagedBean</a:t>
-            </a:r>
-            <a:r>
-              <a:rPr lang="en-IN" sz="1800" dirty="0"/>
-              <a:t>;</a:t>
-            </a:r>
-          </a:p>
-          <a:p>
-            <a:pPr marL="0" indent="0">
-              <a:buNone/>
-            </a:pPr>
-            <a:r>
-              <a:rPr lang="en-IN" sz="1800" dirty="0"/>
-              <a:t>import </a:t>
-            </a:r>
-            <a:r>
-              <a:rPr lang="en-IN" sz="1800" dirty="0" err="1"/>
-              <a:t>javax.enterprise.context.ApplicationScoped</a:t>
-            </a:r>
-            <a:r>
-              <a:rPr lang="en-IN" sz="1800" dirty="0"/>
-              <a:t>;</a:t>
-            </a:r>
-          </a:p>
-          <a:p>
-            <a:pPr marL="0" indent="0">
-              <a:buNone/>
-            </a:pPr>
-            <a:r>
-              <a:rPr lang="en-IN" sz="1800" dirty="0"/>
-              <a:t>import </a:t>
-            </a:r>
-            <a:r>
-              <a:rPr lang="en-IN" sz="1800" dirty="0" err="1"/>
-              <a:t>javax.inject.Named</a:t>
-            </a:r>
-            <a:r>
-              <a:rPr lang="en-IN" sz="1800" dirty="0"/>
-              <a:t>;</a:t>
-            </a:r>
-          </a:p>
-          <a:p>
-            <a:pPr marL="0" indent="0">
-              <a:buNone/>
-            </a:pPr>
-            <a:endParaRPr lang="en-IN" sz="1800" dirty="0"/>
-          </a:p>
-          <a:p>
-            <a:pPr marL="0" indent="0">
-              <a:buNone/>
-            </a:pPr>
-            <a:r>
-              <a:rPr lang="en-IN" sz="1800" dirty="0"/>
-              <a:t>@Named("student")</a:t>
-            </a:r>
-          </a:p>
-          <a:p>
-            <a:pPr marL="0" indent="0">
-              <a:buNone/>
-            </a:pPr>
-            <a:r>
-              <a:rPr lang="en-IN" sz="1800" dirty="0"/>
-              <a:t>@</a:t>
-            </a:r>
-            <a:r>
-              <a:rPr lang="en-IN" sz="1800" dirty="0" err="1"/>
-              <a:t>ManagedBean</a:t>
-            </a:r>
-            <a:r>
-              <a:rPr lang="en-IN" sz="1800" dirty="0"/>
-              <a:t>  </a:t>
-            </a:r>
-          </a:p>
-          <a:p>
-            <a:pPr marL="0" indent="0">
-              <a:buNone/>
-            </a:pPr>
-            <a:r>
-              <a:rPr lang="en-IN" sz="1800" dirty="0"/>
-              <a:t>@</a:t>
-            </a:r>
-            <a:r>
-              <a:rPr lang="en-IN" sz="1800" dirty="0" err="1"/>
-              <a:t>ApplicationScoped</a:t>
-            </a:r>
-            <a:r>
-              <a:rPr lang="en-IN" sz="1800" dirty="0"/>
-              <a:t>  </a:t>
-            </a:r>
-          </a:p>
-          <a:p>
-            <a:pPr marL="0" indent="0">
-              <a:buNone/>
-            </a:pPr>
-            <a:r>
-              <a:rPr lang="en-IN" sz="1800" dirty="0"/>
-              <a:t>public class student {</a:t>
-            </a:r>
-          </a:p>
-          <a:p>
-            <a:pPr marL="0" indent="0">
-              <a:buNone/>
-            </a:pPr>
-            <a:r>
-              <a:rPr lang="en-IN" sz="1800" dirty="0"/>
-              <a:t>    </a:t>
-            </a:r>
-            <a:r>
-              <a:rPr lang="en-IN" sz="1800" dirty="0" err="1"/>
-              <a:t>int</a:t>
-            </a:r>
-            <a:r>
-              <a:rPr lang="en-IN" sz="1800" dirty="0"/>
-              <a:t> id;</a:t>
-            </a:r>
-          </a:p>
-          <a:p>
-            <a:pPr marL="0" indent="0">
-              <a:buNone/>
-            </a:pPr>
-            <a:r>
-              <a:rPr lang="en-IN" sz="1800" dirty="0"/>
-              <a:t>    String name;</a:t>
-            </a:r>
-          </a:p>
-          <a:p>
-            <a:pPr marL="0" indent="0">
-              <a:buNone/>
-            </a:pPr>
-            <a:r>
-              <a:rPr lang="en-IN" sz="1800" dirty="0"/>
-              <a:t>    public </a:t>
-            </a:r>
-            <a:r>
-              <a:rPr lang="en-IN" sz="1800" dirty="0" err="1"/>
-              <a:t>int</a:t>
-            </a:r>
-            <a:r>
-              <a:rPr lang="en-IN" sz="1800" dirty="0"/>
-              <a:t> </a:t>
-            </a:r>
-            <a:r>
-              <a:rPr lang="en-IN" sz="1800" dirty="0" err="1"/>
-              <a:t>getId</a:t>
-            </a:r>
-            <a:r>
-              <a:rPr lang="en-IN" sz="1800" dirty="0"/>
-              <a:t>() {</a:t>
-            </a:r>
-          </a:p>
-          <a:p>
-            <a:pPr marL="0" indent="0">
-              <a:buNone/>
-            </a:pPr>
-            <a:r>
-              <a:rPr lang="en-IN" sz="1800" dirty="0"/>
-              <a:t>        return id; </a:t>
-            </a:r>
-          </a:p>
-          <a:p>
-            <a:pPr marL="0" indent="0">
-              <a:buNone/>
-            </a:pPr>
-            <a:r>
-              <a:rPr lang="en-IN" sz="1800" dirty="0"/>
-              <a:t> }</a:t>
-            </a:r>
-          </a:p>
-          <a:p>
-            <a:pPr marL="0" indent="0">
-              <a:buNone/>
-            </a:pPr>
-            <a:r>
-              <a:rPr lang="en-IN" sz="1800" dirty="0"/>
-              <a:t>public void </a:t>
-            </a:r>
-            <a:r>
-              <a:rPr lang="en-IN" sz="1800" dirty="0" err="1"/>
-              <a:t>setId</a:t>
-            </a:r>
-            <a:r>
-              <a:rPr lang="en-IN" sz="1800" dirty="0"/>
-              <a:t>(</a:t>
-            </a:r>
-            <a:r>
-              <a:rPr lang="en-IN" sz="1800" dirty="0" err="1"/>
-              <a:t>int</a:t>
-            </a:r>
-            <a:r>
-              <a:rPr lang="en-IN" sz="1800" dirty="0"/>
-              <a:t> id) </a:t>
-            </a:r>
-          </a:p>
-          <a:p>
-            <a:pPr marL="0" indent="0">
-              <a:buNone/>
-            </a:pPr>
-            <a:r>
-              <a:rPr lang="en-IN" sz="1800" dirty="0"/>
-              <a:t>   {</a:t>
-            </a:r>
-          </a:p>
-          <a:p>
-            <a:pPr marL="0" indent="0">
-              <a:buNone/>
-            </a:pPr>
-            <a:r>
-              <a:rPr lang="en-IN" sz="1800" dirty="0"/>
-              <a:t>        this.id = id;</a:t>
-            </a:r>
-          </a:p>
-          <a:p>
-            <a:pPr marL="0" indent="0">
-              <a:buNone/>
-            </a:pPr>
-            <a:r>
-              <a:rPr lang="en-IN" sz="1800" dirty="0"/>
-              <a:t>    }</a:t>
-            </a:r>
-          </a:p>
-          <a:p>
-            <a:pPr marL="0" indent="0">
-              <a:buNone/>
-            </a:pPr>
-            <a:endParaRPr lang="en-IN" sz="1800" dirty="0"/>
-          </a:p>
-          <a:p>
-            <a:pPr marL="0" indent="0">
-              <a:buNone/>
-            </a:pPr>
-            <a:r>
-              <a:rPr lang="en-IN" sz="1800" dirty="0"/>
-              <a:t>    public String </a:t>
-            </a:r>
-            <a:r>
-              <a:rPr lang="en-IN" sz="1800" dirty="0" err="1"/>
-              <a:t>getName</a:t>
-            </a:r>
-            <a:r>
-              <a:rPr lang="en-IN" sz="1800" dirty="0"/>
-              <a:t>() {</a:t>
-            </a:r>
-          </a:p>
-          <a:p>
-            <a:pPr marL="0" indent="0">
-              <a:buNone/>
-            </a:pPr>
-            <a:r>
-              <a:rPr lang="en-IN" sz="1800" dirty="0"/>
-              <a:t>        return name;</a:t>
-            </a:r>
-          </a:p>
-          <a:p>
-            <a:pPr marL="0" indent="0">
-              <a:buNone/>
-            </a:pPr>
-            <a:r>
-              <a:rPr lang="en-IN" sz="1800" dirty="0"/>
-              <a:t>    }</a:t>
-            </a:r>
-          </a:p>
-          <a:p>
-            <a:pPr marL="0" indent="0">
-              <a:buNone/>
-            </a:pPr>
-            <a:endParaRPr lang="en-IN" sz="1800" dirty="0"/>
-          </a:p>
-          <a:p>
-            <a:pPr marL="0" indent="0">
-              <a:buNone/>
-            </a:pPr>
-            <a:r>
-              <a:rPr lang="en-IN" sz="1800" dirty="0"/>
-              <a:t>    public void </a:t>
-            </a:r>
-            <a:r>
-              <a:rPr lang="en-IN" sz="1800" dirty="0" err="1"/>
-              <a:t>setName</a:t>
-            </a:r>
-            <a:r>
-              <a:rPr lang="en-IN" sz="1800" dirty="0"/>
-              <a:t>(String name) {</a:t>
-            </a:r>
-          </a:p>
-          <a:p>
-            <a:pPr marL="0" indent="0">
-              <a:buNone/>
-            </a:pPr>
-            <a:r>
-              <a:rPr lang="en-IN" sz="1800" dirty="0"/>
-              <a:t>        this.name = name;</a:t>
-            </a:r>
-          </a:p>
-          <a:p>
-            <a:pPr marL="0" indent="0">
-              <a:buNone/>
-            </a:pPr>
-            <a:r>
-              <a:rPr lang="en-IN" sz="1800" dirty="0"/>
-              <a:t>    }   </a:t>
-            </a:r>
-          </a:p>
-          <a:p>
-            <a:pPr marL="0" indent="0">
-              <a:buNone/>
-            </a:pPr>
-            <a:r>
-              <a:rPr lang="en-IN" sz="1800" dirty="0"/>
-              <a:t>}</a:t>
-            </a:r>
+            <a:pPr algn="ctr"/>
+            <a:endParaRPr lang="en-IN"/>
           </a:p>
         </p:txBody>
       </p:sp>
@@ -12187,7 +12011,7 @@
     </p:custDataLst>
     <p:extLst>
       <p:ext uri="{BB962C8B-B14F-4D97-AF65-F5344CB8AC3E}">
-        <p14:creationId xmlns:p14="http://schemas.microsoft.com/office/powerpoint/2010/main" val="4180106097"/>
+        <p14:creationId xmlns:p14="http://schemas.microsoft.com/office/powerpoint/2010/main" val="2137831803"/>
       </p:ext>
     </p:extLst>
   </p:cSld>
@@ -12226,7 +12050,7 @@
           <p:cNvPr id="2" name="Title 1">
             <a:extLst>
               <a:ext uri="{FF2B5EF4-FFF2-40B4-BE49-F238E27FC236}">
-                <a16:creationId xmlns:a16="http://schemas.microsoft.com/office/drawing/2014/main" id="{A1008A54-D64E-47DB-8703-06E9640D2C4D}"/>
+                <a16:creationId xmlns:a16="http://schemas.microsoft.com/office/drawing/2014/main" id="{FC75FF10-0B25-4DC4-BAB6-10CC5DC3FED5}"/>
               </a:ext>
             </a:extLst>
           </p:cNvPr>
@@ -12244,13 +12068,15 @@
           <a:p>
             <a:r>
               <a:rPr lang="en-IN" dirty="0"/>
-              <a:t>3 </a:t>
-            </a:r>
-            <a:r>
-              <a:rPr lang="en-IN" dirty="0" err="1"/>
-              <a:t>response.xhtml</a:t>
-            </a:r>
-            <a:endParaRPr lang="en-IN" dirty="0"/>
+              <a:t>2. student.java</a:t>
+            </a:r>
+            <a:br>
+              <a:rPr lang="en-IN" dirty="0"/>
+            </a:br>
+            <a:r>
+              <a:rPr lang="en-IN" dirty="0"/>
+              <a:t>JSF MANAGED BEAN: JAVA CLASS</a:t>
+            </a:r>
           </a:p>
         </p:txBody>
       </p:sp>
@@ -12259,7 +12085,7 @@
           <p:cNvPr id="3" name="Content Placeholder 2">
             <a:extLst>
               <a:ext uri="{FF2B5EF4-FFF2-40B4-BE49-F238E27FC236}">
-                <a16:creationId xmlns:a16="http://schemas.microsoft.com/office/drawing/2014/main" id="{AED07B4E-A409-42AD-AFBB-DBF9A39941F7}"/>
+                <a16:creationId xmlns:a16="http://schemas.microsoft.com/office/drawing/2014/main" id="{6D04B265-C3F4-430B-B1E1-D0F132177981}"/>
               </a:ext>
             </a:extLst>
           </p:cNvPr>
@@ -12270,10 +12096,15 @@
             <p:ph idx="1"/>
           </p:nvPr>
         </p:nvSpPr>
-        <p:spPr/>
-        <p:txBody>
-          <a:bodyPr>
-            <a:normAutofit fontScale="62500" lnSpcReduction="20000"/>
+        <p:spPr>
+          <a:xfrm>
+            <a:off x="838200" y="1825624"/>
+            <a:ext cx="10515600" cy="4808855"/>
+          </a:xfrm>
+        </p:spPr>
+        <p:txBody>
+          <a:bodyPr numCol="2">
+            <a:noAutofit/>
           </a:bodyPr>
           <a:lstStyle/>
           <a:p>
@@ -12281,260 +12112,321 @@
               <a:buNone/>
             </a:pPr>
             <a:r>
-              <a:rPr lang="en-IN" dirty="0"/>
-              <a:t>&lt;?xml version='1.0' encoding='UTF-8' ?&gt;</a:t>
-            </a:r>
-          </a:p>
-          <a:p>
-            <a:pPr marL="0" indent="0">
-              <a:buNone/>
-            </a:pPr>
-            <a:r>
-              <a:rPr lang="en-IN" dirty="0"/>
-              <a:t>&lt;!DOCTYPE html &gt;</a:t>
-            </a:r>
-          </a:p>
-          <a:p>
-            <a:pPr marL="0" indent="0">
-              <a:buNone/>
-            </a:pPr>
-            <a:r>
-              <a:rPr lang="en-IN" dirty="0"/>
-              <a:t>&lt;html </a:t>
-            </a:r>
-            <a:r>
-              <a:rPr lang="en-IN" dirty="0" err="1"/>
-              <a:t>xmlns</a:t>
-            </a:r>
-            <a:r>
-              <a:rPr lang="en-IN" dirty="0"/>
-              <a:t>="http://www.w3.org/1999/xhtml"</a:t>
-            </a:r>
-          </a:p>
-          <a:p>
-            <a:pPr marL="0" indent="0">
-              <a:buNone/>
-            </a:pPr>
-            <a:r>
-              <a:rPr lang="en-IN" dirty="0"/>
-              <a:t>      </a:t>
-            </a:r>
-            <a:r>
-              <a:rPr lang="en-IN" dirty="0" err="1"/>
-              <a:t>xmlns:h</a:t>
-            </a:r>
-            <a:r>
-              <a:rPr lang="en-IN" dirty="0"/>
-              <a:t>="http://xmlns.jcp.org/</a:t>
-            </a:r>
-            <a:r>
-              <a:rPr lang="en-IN" dirty="0" err="1"/>
-              <a:t>jsf</a:t>
-            </a:r>
-            <a:r>
-              <a:rPr lang="en-IN" dirty="0"/>
-              <a:t>/html"&gt;</a:t>
-            </a:r>
-          </a:p>
-          <a:p>
-            <a:pPr marL="0" indent="0">
-              <a:buNone/>
-            </a:pPr>
-            <a:r>
-              <a:rPr lang="en-IN" dirty="0"/>
-              <a:t>    &lt;</a:t>
-            </a:r>
-            <a:r>
-              <a:rPr lang="en-IN" dirty="0" err="1"/>
-              <a:t>h:head</a:t>
-            </a:r>
-            <a:r>
-              <a:rPr lang="en-IN" dirty="0"/>
-              <a:t>&gt;</a:t>
-            </a:r>
-          </a:p>
-          <a:p>
-            <a:pPr marL="0" indent="0">
-              <a:buNone/>
-            </a:pPr>
-            <a:r>
-              <a:rPr lang="en-IN" dirty="0"/>
-              <a:t>        &lt;title&gt;</a:t>
-            </a:r>
-            <a:r>
-              <a:rPr lang="en-IN" dirty="0" err="1"/>
-              <a:t>Facelet</a:t>
-            </a:r>
-            <a:r>
-              <a:rPr lang="en-IN" dirty="0"/>
-              <a:t> Title&lt;/title&gt;</a:t>
-            </a:r>
-          </a:p>
-          <a:p>
-            <a:pPr marL="0" indent="0">
-              <a:buNone/>
-            </a:pPr>
-            <a:r>
-              <a:rPr lang="en-IN" dirty="0"/>
-              <a:t>    &lt;/</a:t>
-            </a:r>
-            <a:r>
-              <a:rPr lang="en-IN" dirty="0" err="1"/>
-              <a:t>h:head</a:t>
-            </a:r>
-            <a:r>
-              <a:rPr lang="en-IN" dirty="0"/>
-              <a:t>&gt;</a:t>
-            </a:r>
-          </a:p>
-          <a:p>
-            <a:pPr marL="0" indent="0">
-              <a:buNone/>
-            </a:pPr>
-            <a:r>
-              <a:rPr lang="en-IN" dirty="0"/>
-              <a:t>    &lt;</a:t>
-            </a:r>
-            <a:r>
-              <a:rPr lang="en-IN" dirty="0" err="1"/>
-              <a:t>h:body</a:t>
-            </a:r>
-            <a:r>
-              <a:rPr lang="en-IN" dirty="0"/>
-              <a:t>&gt;</a:t>
-            </a:r>
-          </a:p>
-          <a:p>
-            <a:pPr marL="0" indent="0">
-              <a:buNone/>
-            </a:pPr>
-            <a:r>
-              <a:rPr lang="en-IN" dirty="0"/>
-              <a:t>        &lt;h1&gt; WELCOME &lt;</a:t>
-            </a:r>
-            <a:r>
-              <a:rPr lang="en-IN" dirty="0" err="1"/>
-              <a:t>h:outputText</a:t>
-            </a:r>
-            <a:r>
-              <a:rPr lang="en-IN" dirty="0"/>
-              <a:t> value="#{student.name}"&gt; &lt;/</a:t>
-            </a:r>
-            <a:r>
-              <a:rPr lang="en-IN" dirty="0" err="1"/>
-              <a:t>h:outputText</a:t>
-            </a:r>
-            <a:r>
-              <a:rPr lang="en-IN" dirty="0"/>
-              <a:t>&gt;&lt;/h1&gt;</a:t>
-            </a:r>
-          </a:p>
-          <a:p>
-            <a:pPr marL="0" indent="0">
-              <a:buNone/>
-            </a:pPr>
-            <a:r>
-              <a:rPr lang="en-IN" dirty="0"/>
-              <a:t>        </a:t>
-            </a:r>
-          </a:p>
-          <a:p>
-            <a:pPr marL="0" indent="0">
-              <a:buNone/>
-            </a:pPr>
-            <a:r>
-              <a:rPr lang="en-IN" dirty="0"/>
-              <a:t>        your id &lt;</a:t>
-            </a:r>
-            <a:r>
-              <a:rPr lang="en-IN" dirty="0" err="1"/>
-              <a:t>h:outputText</a:t>
-            </a:r>
-            <a:r>
-              <a:rPr lang="en-IN" dirty="0"/>
-              <a:t> value="#{student.id}"&gt; &lt;/</a:t>
-            </a:r>
-            <a:r>
-              <a:rPr lang="en-IN" dirty="0" err="1"/>
-              <a:t>h:outputText</a:t>
-            </a:r>
-            <a:r>
-              <a:rPr lang="en-IN" dirty="0"/>
-              <a:t>&gt; is created..!!</a:t>
-            </a:r>
-          </a:p>
-          <a:p>
-            <a:pPr marL="0" indent="0">
-              <a:buNone/>
-            </a:pPr>
-            <a:r>
-              <a:rPr lang="en-IN" dirty="0"/>
-              <a:t>    &lt;/</a:t>
-            </a:r>
-            <a:r>
-              <a:rPr lang="en-IN" dirty="0" err="1"/>
-              <a:t>h:body</a:t>
-            </a:r>
-            <a:r>
-              <a:rPr lang="en-IN" dirty="0"/>
-              <a:t>&gt;</a:t>
-            </a:r>
-          </a:p>
-          <a:p>
-            <a:pPr marL="0" indent="0">
-              <a:buNone/>
-            </a:pPr>
-            <a:r>
-              <a:rPr lang="en-IN" dirty="0"/>
-              <a:t>&lt;/html&gt;</a:t>
-            </a:r>
-          </a:p>
-        </p:txBody>
-      </p:sp>
-      <p:sp>
-        <p:nvSpPr>
-          <p:cNvPr id="5" name="Rectangle 4">
-            <a:extLst>
-              <a:ext uri="{FF2B5EF4-FFF2-40B4-BE49-F238E27FC236}">
-                <a16:creationId xmlns:a16="http://schemas.microsoft.com/office/drawing/2014/main" id="{33C2D707-7584-43D7-962E-2DE074C4E936}"/>
-              </a:ext>
-            </a:extLst>
-          </p:cNvPr>
-          <p:cNvSpPr/>
-          <p:nvPr/>
-        </p:nvSpPr>
-        <p:spPr>
-          <a:xfrm>
-            <a:off x="1046480" y="4037498"/>
-            <a:ext cx="8199120" cy="1595120"/>
-          </a:xfrm>
-          <a:prstGeom prst="rect">
-            <a:avLst/>
-          </a:prstGeom>
-          <a:noFill/>
-        </p:spPr>
-        <p:style>
-          <a:lnRef idx="2">
-            <a:schemeClr val="accent1">
-              <a:shade val="50000"/>
-            </a:schemeClr>
-          </a:lnRef>
-          <a:fillRef idx="1">
-            <a:schemeClr val="accent1"/>
-          </a:fillRef>
-          <a:effectRef idx="0">
-            <a:schemeClr val="accent1"/>
-          </a:effectRef>
-          <a:fontRef idx="minor">
-            <a:schemeClr val="lt1"/>
-          </a:fontRef>
-        </p:style>
-        <p:txBody>
-          <a:bodyPr rtlCol="0" anchor="ctr"/>
-          <a:lstStyle/>
-          <a:p>
-            <a:pPr algn="ctr"/>
-            <a:endParaRPr lang="en-IN"/>
+              <a:rPr lang="en-IN" sz="1800" dirty="0"/>
+              <a:t>import </a:t>
+            </a:r>
+            <a:r>
+              <a:rPr lang="en-IN" sz="1800" dirty="0" err="1"/>
+              <a:t>javax.annotation.ManagedBean</a:t>
+            </a:r>
+            <a:r>
+              <a:rPr lang="en-IN" sz="1800" dirty="0"/>
+              <a:t>;</a:t>
+            </a:r>
+          </a:p>
+          <a:p>
+            <a:pPr marL="0" indent="0">
+              <a:buNone/>
+            </a:pPr>
+            <a:r>
+              <a:rPr lang="en-IN" sz="1800" dirty="0"/>
+              <a:t>import </a:t>
+            </a:r>
+            <a:r>
+              <a:rPr lang="en-IN" sz="1800" dirty="0" err="1"/>
+              <a:t>javax.enterprise.context.ApplicationScoped</a:t>
+            </a:r>
+            <a:r>
+              <a:rPr lang="en-IN" sz="1800" dirty="0"/>
+              <a:t>;</a:t>
+            </a:r>
+          </a:p>
+          <a:p>
+            <a:pPr marL="0" indent="0">
+              <a:buNone/>
+            </a:pPr>
+            <a:r>
+              <a:rPr lang="en-IN" sz="1800" dirty="0"/>
+              <a:t>import </a:t>
+            </a:r>
+            <a:r>
+              <a:rPr lang="en-IN" sz="1800" dirty="0" err="1"/>
+              <a:t>javax.inject.Named</a:t>
+            </a:r>
+            <a:r>
+              <a:rPr lang="en-IN" sz="1800" dirty="0"/>
+              <a:t>;</a:t>
+            </a:r>
+          </a:p>
+          <a:p>
+            <a:pPr marL="0" indent="0">
+              <a:buNone/>
+            </a:pPr>
+            <a:endParaRPr lang="en-IN" sz="1800" dirty="0"/>
+          </a:p>
+          <a:p>
+            <a:pPr marL="0" indent="0">
+              <a:buNone/>
+            </a:pPr>
+            <a:r>
+              <a:rPr lang="en-IN" sz="1800" dirty="0"/>
+              <a:t>@Named("student")</a:t>
+            </a:r>
+          </a:p>
+          <a:p>
+            <a:pPr marL="0" indent="0">
+              <a:buNone/>
+            </a:pPr>
+            <a:r>
+              <a:rPr lang="en-IN" sz="1800" dirty="0"/>
+              <a:t>@</a:t>
+            </a:r>
+            <a:r>
+              <a:rPr lang="en-IN" sz="1800" dirty="0" err="1"/>
+              <a:t>ManagedBean</a:t>
+            </a:r>
+            <a:r>
+              <a:rPr lang="en-IN" sz="1800" dirty="0"/>
+              <a:t>  </a:t>
+            </a:r>
+          </a:p>
+          <a:p>
+            <a:pPr marL="0" indent="0">
+              <a:buNone/>
+            </a:pPr>
+            <a:r>
+              <a:rPr lang="en-IN" sz="1800" dirty="0"/>
+              <a:t>@</a:t>
+            </a:r>
+            <a:r>
+              <a:rPr lang="en-IN" sz="1800" dirty="0" err="1"/>
+              <a:t>ApplicationScoped</a:t>
+            </a:r>
+            <a:r>
+              <a:rPr lang="en-IN" sz="1800" dirty="0"/>
+              <a:t>  </a:t>
+            </a:r>
+          </a:p>
+          <a:p>
+            <a:pPr marL="0" indent="0">
+              <a:buNone/>
+            </a:pPr>
+            <a:r>
+              <a:rPr lang="en-IN" sz="1800" dirty="0"/>
+              <a:t>public class student {</a:t>
+            </a:r>
+          </a:p>
+          <a:p>
+            <a:pPr marL="0" indent="0">
+              <a:buNone/>
+            </a:pPr>
+            <a:r>
+              <a:rPr lang="en-IN" sz="1800" dirty="0"/>
+              <a:t>    </a:t>
+            </a:r>
+            <a:r>
+              <a:rPr lang="en-IN" sz="1800" dirty="0" err="1"/>
+              <a:t>int</a:t>
+            </a:r>
+            <a:r>
+              <a:rPr lang="en-IN" sz="1800" dirty="0"/>
+              <a:t> id;</a:t>
+            </a:r>
+          </a:p>
+          <a:p>
+            <a:pPr marL="0" indent="0">
+              <a:buNone/>
+            </a:pPr>
+            <a:r>
+              <a:rPr lang="en-IN" sz="1800" dirty="0"/>
+              <a:t>    String name;</a:t>
+            </a:r>
+          </a:p>
+          <a:p>
+            <a:pPr marL="0" indent="0">
+              <a:buNone/>
+            </a:pPr>
+            <a:r>
+              <a:rPr lang="en-IN" sz="1800" dirty="0"/>
+              <a:t>    public </a:t>
+            </a:r>
+            <a:r>
+              <a:rPr lang="en-IN" sz="1800" dirty="0" err="1"/>
+              <a:t>int</a:t>
+            </a:r>
+            <a:r>
+              <a:rPr lang="en-IN" sz="1800" dirty="0"/>
+              <a:t> </a:t>
+            </a:r>
+            <a:r>
+              <a:rPr lang="en-IN" sz="1800" dirty="0" err="1"/>
+              <a:t>getId</a:t>
+            </a:r>
+            <a:r>
+              <a:rPr lang="en-IN" sz="1800" dirty="0"/>
+              <a:t>() {</a:t>
+            </a:r>
+          </a:p>
+          <a:p>
+            <a:pPr marL="0" indent="0">
+              <a:buNone/>
+            </a:pPr>
+            <a:r>
+              <a:rPr lang="en-IN" sz="1800" dirty="0"/>
+              <a:t>        return id; </a:t>
+            </a:r>
+          </a:p>
+          <a:p>
+            <a:pPr marL="0" indent="0">
+              <a:buNone/>
+            </a:pPr>
+            <a:r>
+              <a:rPr lang="en-IN" sz="1800" dirty="0"/>
+              <a:t> }</a:t>
+            </a:r>
+          </a:p>
+          <a:p>
+            <a:pPr marL="0" indent="0">
+              <a:buNone/>
+            </a:pPr>
+            <a:r>
+              <a:rPr lang="en-IN" sz="1800" dirty="0"/>
+              <a:t>public void </a:t>
+            </a:r>
+            <a:r>
+              <a:rPr lang="en-IN" sz="1800" dirty="0" err="1"/>
+              <a:t>setId</a:t>
+            </a:r>
+            <a:r>
+              <a:rPr lang="en-IN" sz="1800" dirty="0"/>
+              <a:t>(</a:t>
+            </a:r>
+            <a:r>
+              <a:rPr lang="en-IN" sz="1800" dirty="0" err="1"/>
+              <a:t>int</a:t>
+            </a:r>
+            <a:r>
+              <a:rPr lang="en-IN" sz="1800" dirty="0"/>
+              <a:t> id) </a:t>
+            </a:r>
+          </a:p>
+          <a:p>
+            <a:pPr marL="0" indent="0">
+              <a:buNone/>
+            </a:pPr>
+            <a:r>
+              <a:rPr lang="en-IN" sz="1800" dirty="0"/>
+              <a:t>   {</a:t>
+            </a:r>
+          </a:p>
+          <a:p>
+            <a:pPr marL="0" indent="0">
+              <a:buNone/>
+            </a:pPr>
+            <a:r>
+              <a:rPr lang="en-IN" sz="1800" dirty="0"/>
+              <a:t>        this.id = id;</a:t>
+            </a:r>
+          </a:p>
+          <a:p>
+            <a:pPr marL="0" indent="0">
+              <a:buNone/>
+            </a:pPr>
+            <a:r>
+              <a:rPr lang="en-IN" sz="1800" dirty="0"/>
+              <a:t>    }</a:t>
+            </a:r>
+          </a:p>
+          <a:p>
+            <a:pPr marL="0" indent="0">
+              <a:buNone/>
+            </a:pPr>
+            <a:endParaRPr lang="en-IN" sz="1800" dirty="0"/>
+          </a:p>
+          <a:p>
+            <a:pPr marL="0" indent="0">
+              <a:buNone/>
+            </a:pPr>
+            <a:r>
+              <a:rPr lang="en-IN" sz="1800" dirty="0"/>
+              <a:t>    public String </a:t>
+            </a:r>
+            <a:r>
+              <a:rPr lang="en-IN" sz="1800" dirty="0" err="1"/>
+              <a:t>getName</a:t>
+            </a:r>
+            <a:r>
+              <a:rPr lang="en-IN" sz="1800" dirty="0"/>
+              <a:t>() {</a:t>
+            </a:r>
+          </a:p>
+          <a:p>
+            <a:pPr marL="0" indent="0">
+              <a:buNone/>
+            </a:pPr>
+            <a:r>
+              <a:rPr lang="en-IN" sz="1800" dirty="0"/>
+              <a:t>        return name;</a:t>
+            </a:r>
+          </a:p>
+          <a:p>
+            <a:pPr marL="0" indent="0">
+              <a:buNone/>
+            </a:pPr>
+            <a:r>
+              <a:rPr lang="en-IN" sz="1800" dirty="0"/>
+              <a:t>    }</a:t>
+            </a:r>
+          </a:p>
+          <a:p>
+            <a:pPr marL="0" indent="0">
+              <a:buNone/>
+            </a:pPr>
+            <a:endParaRPr lang="en-IN" sz="1800" dirty="0"/>
+          </a:p>
+          <a:p>
+            <a:pPr marL="0" indent="0">
+              <a:buNone/>
+            </a:pPr>
+            <a:r>
+              <a:rPr lang="en-IN" sz="1800" dirty="0"/>
+              <a:t>    public void </a:t>
+            </a:r>
+            <a:r>
+              <a:rPr lang="en-IN" sz="1800" dirty="0" err="1"/>
+              <a:t>setName</a:t>
+            </a:r>
+            <a:r>
+              <a:rPr lang="en-IN" sz="1800" dirty="0"/>
+              <a:t>(String name) {</a:t>
+            </a:r>
+          </a:p>
+          <a:p>
+            <a:pPr marL="0" indent="0">
+              <a:buNone/>
+            </a:pPr>
+            <a:r>
+              <a:rPr lang="en-IN" sz="1800" dirty="0"/>
+              <a:t>        this.name = name;</a:t>
+            </a:r>
+          </a:p>
+          <a:p>
+            <a:pPr marL="0" indent="0">
+              <a:buNone/>
+            </a:pPr>
+            <a:r>
+              <a:rPr lang="en-IN" sz="1800" dirty="0"/>
+              <a:t>    }   </a:t>
+            </a:r>
+          </a:p>
+          <a:p>
+            <a:pPr marL="0" indent="0">
+              <a:buNone/>
+            </a:pPr>
+            <a:r>
+              <a:rPr lang="en-IN" sz="1800" dirty="0"/>
+              <a:t>}</a:t>
+            </a:r>
           </a:p>
         </p:txBody>
       </p:sp>
@@ -12544,7 +12436,7 @@
     </p:custDataLst>
     <p:extLst>
       <p:ext uri="{BB962C8B-B14F-4D97-AF65-F5344CB8AC3E}">
-        <p14:creationId xmlns:p14="http://schemas.microsoft.com/office/powerpoint/2010/main" val="1182276415"/>
+        <p14:creationId xmlns:p14="http://schemas.microsoft.com/office/powerpoint/2010/main" val="4180106097"/>
       </p:ext>
     </p:extLst>
   </p:cSld>
@@ -12583,6 +12475,363 @@
           <p:cNvPr id="2" name="Title 1">
             <a:extLst>
               <a:ext uri="{FF2B5EF4-FFF2-40B4-BE49-F238E27FC236}">
+                <a16:creationId xmlns:a16="http://schemas.microsoft.com/office/drawing/2014/main" id="{A1008A54-D64E-47DB-8703-06E9640D2C4D}"/>
+              </a:ext>
+            </a:extLst>
+          </p:cNvPr>
+          <p:cNvSpPr>
+            <a:spLocks noGrp="1"/>
+          </p:cNvSpPr>
+          <p:nvPr>
+            <p:ph type="title"/>
+          </p:nvPr>
+        </p:nvSpPr>
+        <p:spPr/>
+        <p:txBody>
+          <a:bodyPr/>
+          <a:lstStyle/>
+          <a:p>
+            <a:r>
+              <a:rPr lang="en-IN" dirty="0"/>
+              <a:t>3 </a:t>
+            </a:r>
+            <a:r>
+              <a:rPr lang="en-IN" dirty="0" err="1"/>
+              <a:t>response.xhtml</a:t>
+            </a:r>
+            <a:endParaRPr lang="en-IN" dirty="0"/>
+          </a:p>
+        </p:txBody>
+      </p:sp>
+      <p:sp>
+        <p:nvSpPr>
+          <p:cNvPr id="3" name="Content Placeholder 2">
+            <a:extLst>
+              <a:ext uri="{FF2B5EF4-FFF2-40B4-BE49-F238E27FC236}">
+                <a16:creationId xmlns:a16="http://schemas.microsoft.com/office/drawing/2014/main" id="{AED07B4E-A409-42AD-AFBB-DBF9A39941F7}"/>
+              </a:ext>
+            </a:extLst>
+          </p:cNvPr>
+          <p:cNvSpPr>
+            <a:spLocks noGrp="1"/>
+          </p:cNvSpPr>
+          <p:nvPr>
+            <p:ph idx="1"/>
+          </p:nvPr>
+        </p:nvSpPr>
+        <p:spPr/>
+        <p:txBody>
+          <a:bodyPr>
+            <a:normAutofit fontScale="62500" lnSpcReduction="20000"/>
+          </a:bodyPr>
+          <a:lstStyle/>
+          <a:p>
+            <a:pPr marL="0" indent="0">
+              <a:buNone/>
+            </a:pPr>
+            <a:r>
+              <a:rPr lang="en-IN" dirty="0"/>
+              <a:t>&lt;?xml version='1.0' encoding='UTF-8' ?&gt;</a:t>
+            </a:r>
+          </a:p>
+          <a:p>
+            <a:pPr marL="0" indent="0">
+              <a:buNone/>
+            </a:pPr>
+            <a:r>
+              <a:rPr lang="en-IN" dirty="0"/>
+              <a:t>&lt;!DOCTYPE html &gt;</a:t>
+            </a:r>
+          </a:p>
+          <a:p>
+            <a:pPr marL="0" indent="0">
+              <a:buNone/>
+            </a:pPr>
+            <a:r>
+              <a:rPr lang="en-IN" dirty="0"/>
+              <a:t>&lt;html </a:t>
+            </a:r>
+            <a:r>
+              <a:rPr lang="en-IN" dirty="0" err="1"/>
+              <a:t>xmlns</a:t>
+            </a:r>
+            <a:r>
+              <a:rPr lang="en-IN" dirty="0"/>
+              <a:t>="http://www.w3.org/1999/xhtml"</a:t>
+            </a:r>
+          </a:p>
+          <a:p>
+            <a:pPr marL="0" indent="0">
+              <a:buNone/>
+            </a:pPr>
+            <a:r>
+              <a:rPr lang="en-IN" dirty="0"/>
+              <a:t>      </a:t>
+            </a:r>
+            <a:r>
+              <a:rPr lang="en-IN" dirty="0" err="1"/>
+              <a:t>xmlns:h</a:t>
+            </a:r>
+            <a:r>
+              <a:rPr lang="en-IN" dirty="0"/>
+              <a:t>="http://xmlns.jcp.org/</a:t>
+            </a:r>
+            <a:r>
+              <a:rPr lang="en-IN" dirty="0" err="1"/>
+              <a:t>jsf</a:t>
+            </a:r>
+            <a:r>
+              <a:rPr lang="en-IN" dirty="0"/>
+              <a:t>/html"&gt;</a:t>
+            </a:r>
+          </a:p>
+          <a:p>
+            <a:pPr marL="0" indent="0">
+              <a:buNone/>
+            </a:pPr>
+            <a:r>
+              <a:rPr lang="en-IN" dirty="0"/>
+              <a:t>    &lt;</a:t>
+            </a:r>
+            <a:r>
+              <a:rPr lang="en-IN" dirty="0" err="1"/>
+              <a:t>h:head</a:t>
+            </a:r>
+            <a:r>
+              <a:rPr lang="en-IN" dirty="0"/>
+              <a:t>&gt;</a:t>
+            </a:r>
+          </a:p>
+          <a:p>
+            <a:pPr marL="0" indent="0">
+              <a:buNone/>
+            </a:pPr>
+            <a:r>
+              <a:rPr lang="en-IN" dirty="0"/>
+              <a:t>        &lt;title&gt;</a:t>
+            </a:r>
+            <a:r>
+              <a:rPr lang="en-IN" dirty="0" err="1"/>
+              <a:t>Facelet</a:t>
+            </a:r>
+            <a:r>
+              <a:rPr lang="en-IN" dirty="0"/>
+              <a:t> Title&lt;/title&gt;</a:t>
+            </a:r>
+          </a:p>
+          <a:p>
+            <a:pPr marL="0" indent="0">
+              <a:buNone/>
+            </a:pPr>
+            <a:r>
+              <a:rPr lang="en-IN" dirty="0"/>
+              <a:t>    &lt;/</a:t>
+            </a:r>
+            <a:r>
+              <a:rPr lang="en-IN" dirty="0" err="1"/>
+              <a:t>h:head</a:t>
+            </a:r>
+            <a:r>
+              <a:rPr lang="en-IN" dirty="0"/>
+              <a:t>&gt;</a:t>
+            </a:r>
+          </a:p>
+          <a:p>
+            <a:pPr marL="0" indent="0">
+              <a:buNone/>
+            </a:pPr>
+            <a:r>
+              <a:rPr lang="en-IN" dirty="0"/>
+              <a:t>    &lt;</a:t>
+            </a:r>
+            <a:r>
+              <a:rPr lang="en-IN" dirty="0" err="1"/>
+              <a:t>h:body</a:t>
+            </a:r>
+            <a:r>
+              <a:rPr lang="en-IN" dirty="0"/>
+              <a:t>&gt;</a:t>
+            </a:r>
+          </a:p>
+          <a:p>
+            <a:pPr marL="0" indent="0">
+              <a:buNone/>
+            </a:pPr>
+            <a:r>
+              <a:rPr lang="en-IN" dirty="0"/>
+              <a:t>        &lt;h1&gt; WELCOME &lt;</a:t>
+            </a:r>
+            <a:r>
+              <a:rPr lang="en-IN" dirty="0" err="1"/>
+              <a:t>h:outputText</a:t>
+            </a:r>
+            <a:r>
+              <a:rPr lang="en-IN" dirty="0"/>
+              <a:t> value="#{student.name}"&gt; &lt;/</a:t>
+            </a:r>
+            <a:r>
+              <a:rPr lang="en-IN" dirty="0" err="1"/>
+              <a:t>h:outputText</a:t>
+            </a:r>
+            <a:r>
+              <a:rPr lang="en-IN" dirty="0"/>
+              <a:t>&gt;&lt;/h1&gt;</a:t>
+            </a:r>
+          </a:p>
+          <a:p>
+            <a:pPr marL="0" indent="0">
+              <a:buNone/>
+            </a:pPr>
+            <a:r>
+              <a:rPr lang="en-IN" dirty="0"/>
+              <a:t>        </a:t>
+            </a:r>
+          </a:p>
+          <a:p>
+            <a:pPr marL="0" indent="0">
+              <a:buNone/>
+            </a:pPr>
+            <a:r>
+              <a:rPr lang="en-IN" dirty="0"/>
+              <a:t>        your id &lt;</a:t>
+            </a:r>
+            <a:r>
+              <a:rPr lang="en-IN" dirty="0" err="1"/>
+              <a:t>h:outputText</a:t>
+            </a:r>
+            <a:r>
+              <a:rPr lang="en-IN" dirty="0"/>
+              <a:t> value="#{student.id}"&gt; &lt;/</a:t>
+            </a:r>
+            <a:r>
+              <a:rPr lang="en-IN" dirty="0" err="1"/>
+              <a:t>h:outputText</a:t>
+            </a:r>
+            <a:r>
+              <a:rPr lang="en-IN" dirty="0"/>
+              <a:t>&gt; is created..!!</a:t>
+            </a:r>
+          </a:p>
+          <a:p>
+            <a:pPr marL="0" indent="0">
+              <a:buNone/>
+            </a:pPr>
+            <a:r>
+              <a:rPr lang="en-IN" dirty="0"/>
+              <a:t>    &lt;/</a:t>
+            </a:r>
+            <a:r>
+              <a:rPr lang="en-IN" dirty="0" err="1"/>
+              <a:t>h:body</a:t>
+            </a:r>
+            <a:r>
+              <a:rPr lang="en-IN" dirty="0"/>
+              <a:t>&gt;</a:t>
+            </a:r>
+          </a:p>
+          <a:p>
+            <a:pPr marL="0" indent="0">
+              <a:buNone/>
+            </a:pPr>
+            <a:r>
+              <a:rPr lang="en-IN" dirty="0"/>
+              <a:t>&lt;/html&gt;</a:t>
+            </a:r>
+          </a:p>
+        </p:txBody>
+      </p:sp>
+      <p:sp>
+        <p:nvSpPr>
+          <p:cNvPr id="5" name="Rectangle 4">
+            <a:extLst>
+              <a:ext uri="{FF2B5EF4-FFF2-40B4-BE49-F238E27FC236}">
+                <a16:creationId xmlns:a16="http://schemas.microsoft.com/office/drawing/2014/main" id="{33C2D707-7584-43D7-962E-2DE074C4E936}"/>
+              </a:ext>
+            </a:extLst>
+          </p:cNvPr>
+          <p:cNvSpPr/>
+          <p:nvPr/>
+        </p:nvSpPr>
+        <p:spPr>
+          <a:xfrm>
+            <a:off x="1046480" y="4037498"/>
+            <a:ext cx="8199120" cy="1595120"/>
+          </a:xfrm>
+          <a:prstGeom prst="rect">
+            <a:avLst/>
+          </a:prstGeom>
+          <a:noFill/>
+        </p:spPr>
+        <p:style>
+          <a:lnRef idx="2">
+            <a:schemeClr val="accent1">
+              <a:shade val="50000"/>
+            </a:schemeClr>
+          </a:lnRef>
+          <a:fillRef idx="1">
+            <a:schemeClr val="accent1"/>
+          </a:fillRef>
+          <a:effectRef idx="0">
+            <a:schemeClr val="accent1"/>
+          </a:effectRef>
+          <a:fontRef idx="minor">
+            <a:schemeClr val="lt1"/>
+          </a:fontRef>
+        </p:style>
+        <p:txBody>
+          <a:bodyPr rtlCol="0" anchor="ctr"/>
+          <a:lstStyle/>
+          <a:p>
+            <a:pPr algn="ctr"/>
+            <a:endParaRPr lang="en-IN"/>
+          </a:p>
+        </p:txBody>
+      </p:sp>
+    </p:spTree>
+    <p:custDataLst>
+      <p:tags r:id="rId1"/>
+    </p:custDataLst>
+    <p:extLst>
+      <p:ext uri="{BB962C8B-B14F-4D97-AF65-F5344CB8AC3E}">
+        <p14:creationId xmlns:p14="http://schemas.microsoft.com/office/powerpoint/2010/main" val="1182276415"/>
+      </p:ext>
+    </p:extLst>
+  </p:cSld>
+  <p:clrMapOvr>
+    <a:masterClrMapping/>
+  </p:clrMapOvr>
+  <p:timing>
+    <p:tnLst>
+      <p:par>
+        <p:cTn id="1" dur="indefinite" restart="never" nodeType="tmRoot"/>
+      </p:par>
+    </p:tnLst>
+  </p:timing>
+</p:sld>
+</file>
+
+<file path=ppt/slides/slide23.xml><?xml version="1.0" encoding="utf-8"?>
+<p:sld xmlns:a="http://schemas.openxmlformats.org/drawingml/2006/main" xmlns:r="http://schemas.openxmlformats.org/officeDocument/2006/relationships" xmlns:p="http://schemas.openxmlformats.org/presentationml/2006/main">
+  <p:cSld>
+    <p:spTree>
+      <p:nvGrpSpPr>
+        <p:cNvPr id="1" name=""/>
+        <p:cNvGrpSpPr/>
+        <p:nvPr/>
+      </p:nvGrpSpPr>
+      <p:grpSpPr>
+        <a:xfrm>
+          <a:off x="0" y="0"/>
+          <a:ext cx="0" cy="0"/>
+          <a:chOff x="0" y="0"/>
+          <a:chExt cx="0" cy="0"/>
+        </a:xfrm>
+      </p:grpSpPr>
+      <p:sp>
+        <p:nvSpPr>
+          <p:cNvPr id="2" name="Title 1">
+            <a:extLst>
+              <a:ext uri="{FF2B5EF4-FFF2-40B4-BE49-F238E27FC236}">
                 <a16:creationId xmlns:a16="http://schemas.microsoft.com/office/drawing/2014/main" id="{D8CCC6B9-2FA5-48DB-A40C-2836A082E84C}"/>
               </a:ext>
             </a:extLst>
@@ -12601,11 +12850,7 @@
           <a:p>
             <a:r>
               <a:rPr lang="en-IN" dirty="0"/>
-              <a:t>PROG </a:t>
-            </a:r>
-            <a:r>
-              <a:rPr lang="en-IN" dirty="0"/>
-              <a:t>1</a:t>
+              <a:t>PROG 1</a:t>
             </a:r>
             <a:r>
               <a:rPr lang="en-IN" dirty="0" smtClean="0"/>
@@ -12671,8 +12916,8 @@
 </p:sld>
 </file>
 
-<file path=ppt/slides/slide23.xml><?xml version="1.0" encoding="utf-8"?>
-<p:sld xmlns:a="http://schemas.openxmlformats.org/drawingml/2006/main" xmlns:r="http://schemas.openxmlformats.org/officeDocument/2006/relationships" xmlns:p="http://schemas.openxmlformats.org/presentationml/2006/main">
+<file path=ppt/slides/slide24.xml><?xml version="1.0" encoding="utf-8"?>
+<p:sld xmlns:a="http://schemas.openxmlformats.org/drawingml/2006/main" xmlns:r="http://schemas.openxmlformats.org/officeDocument/2006/relationships" xmlns:p="http://schemas.openxmlformats.org/presentationml/2006/main" show="0">
   <p:cSld>
     <p:spTree>
       <p:nvGrpSpPr>
@@ -12761,6 +13006,14 @@
   <p:clrMapOvr>
     <a:masterClrMapping/>
   </p:clrMapOvr>
+  <mc:AlternateContent xmlns:mc="http://schemas.openxmlformats.org/markup-compatibility/2006" xmlns:p14="http://schemas.microsoft.com/office/powerpoint/2010/main">
+    <mc:Choice Requires="p14">
+      <p:transition spd="slow" p14:dur="2000"/>
+    </mc:Choice>
+    <mc:Fallback xmlns="">
+      <p:transition spd="slow"/>
+    </mc:Fallback>
+  </mc:AlternateContent>
   <p:timing>
     <p:tnLst>
       <p:par>
@@ -12771,8 +13024,8 @@
 </p:sld>
 </file>
 
-<file path=ppt/slides/slide24.xml><?xml version="1.0" encoding="utf-8"?>
-<p:sld xmlns:a="http://schemas.openxmlformats.org/drawingml/2006/main" xmlns:r="http://schemas.openxmlformats.org/officeDocument/2006/relationships" xmlns:p="http://schemas.openxmlformats.org/presentationml/2006/main">
+<file path=ppt/slides/slide25.xml><?xml version="1.0" encoding="utf-8"?>
+<p:sld xmlns:a="http://schemas.openxmlformats.org/drawingml/2006/main" xmlns:r="http://schemas.openxmlformats.org/officeDocument/2006/relationships" xmlns:p="http://schemas.openxmlformats.org/presentationml/2006/main" show="0">
   <p:cSld>
     <p:spTree>
       <p:nvGrpSpPr>
@@ -14593,208 +14846,14 @@
   <p:clrMapOvr>
     <a:masterClrMapping/>
   </p:clrMapOvr>
-  <p:timing>
-    <p:tnLst>
-      <p:par>
-        <p:cTn id="1" dur="indefinite" restart="never" nodeType="tmRoot"/>
-      </p:par>
-    </p:tnLst>
-  </p:timing>
-</p:sld>
-</file>
-
-<file path=ppt/slides/slide25.xml><?xml version="1.0" encoding="utf-8"?>
-<p:sld xmlns:a="http://schemas.openxmlformats.org/drawingml/2006/main" xmlns:r="http://schemas.openxmlformats.org/officeDocument/2006/relationships" xmlns:p="http://schemas.openxmlformats.org/presentationml/2006/main">
-  <p:cSld>
-    <p:spTree>
-      <p:nvGrpSpPr>
-        <p:cNvPr id="1" name=""/>
-        <p:cNvGrpSpPr/>
-        <p:nvPr/>
-      </p:nvGrpSpPr>
-      <p:grpSpPr>
-        <a:xfrm>
-          <a:off x="0" y="0"/>
-          <a:ext cx="0" cy="0"/>
-          <a:chOff x="0" y="0"/>
-          <a:chExt cx="0" cy="0"/>
-        </a:xfrm>
-      </p:grpSpPr>
-      <p:sp>
-        <p:nvSpPr>
-          <p:cNvPr id="2" name="Title 1">
-            <a:extLst>
-              <a:ext uri="{FF2B5EF4-FFF2-40B4-BE49-F238E27FC236}">
-                <a16:creationId xmlns:a16="http://schemas.microsoft.com/office/drawing/2014/main" id="{82D84AAB-D10A-4518-97B6-1FFC66862C45}"/>
-              </a:ext>
-            </a:extLst>
-          </p:cNvPr>
-          <p:cNvSpPr>
-            <a:spLocks noGrp="1"/>
-          </p:cNvSpPr>
-          <p:nvPr>
-            <p:ph type="title"/>
-          </p:nvPr>
-        </p:nvSpPr>
-        <p:spPr/>
-        <p:txBody>
-          <a:bodyPr/>
-          <a:lstStyle/>
-          <a:p>
-            <a:r>
-              <a:rPr lang="en-IN" dirty="0"/>
-              <a:t>JSF EXPRESSION LANGUAGE:</a:t>
-            </a:r>
-          </a:p>
-        </p:txBody>
-      </p:sp>
-      <p:sp>
-        <p:nvSpPr>
-          <p:cNvPr id="3" name="Content Placeholder 2">
-            <a:extLst>
-              <a:ext uri="{FF2B5EF4-FFF2-40B4-BE49-F238E27FC236}">
-                <a16:creationId xmlns:a16="http://schemas.microsoft.com/office/drawing/2014/main" id="{C94C45E5-AA06-4FE4-BADB-07222694F2ED}"/>
-              </a:ext>
-            </a:extLst>
-          </p:cNvPr>
-          <p:cNvSpPr>
-            <a:spLocks noGrp="1"/>
-          </p:cNvSpPr>
-          <p:nvPr>
-            <p:ph idx="1"/>
-          </p:nvPr>
-        </p:nvSpPr>
-        <p:spPr/>
-        <p:txBody>
-          <a:bodyPr>
-            <a:normAutofit fontScale="92500"/>
-          </a:bodyPr>
-          <a:lstStyle/>
-          <a:p>
-            <a:r>
-              <a:rPr lang="en-IN" dirty="0"/>
-              <a:t>JSF expression language </a:t>
-            </a:r>
-            <a:r>
-              <a:rPr lang="en-IN" b="1" u="sng" dirty="0"/>
-              <a:t>allows the user to access the data dynamically</a:t>
-            </a:r>
-            <a:r>
-              <a:rPr lang="en-IN" dirty="0"/>
-              <a:t> </a:t>
-            </a:r>
-            <a:r>
-              <a:rPr lang="en-IN" b="1" u="sng" dirty="0"/>
-              <a:t>form the java Bean component</a:t>
-            </a:r>
-            <a:r>
-              <a:rPr lang="en-IN" dirty="0"/>
-              <a:t>.</a:t>
-            </a:r>
-          </a:p>
-          <a:p>
-            <a:r>
-              <a:rPr lang="en-IN" dirty="0"/>
-              <a:t>JSF provides rich expression language.</a:t>
-            </a:r>
-          </a:p>
-          <a:p>
-            <a:r>
-              <a:rPr lang="en-IN" dirty="0"/>
-              <a:t>We can provide normal operation using #{operation-expression} notation</a:t>
-            </a:r>
-          </a:p>
-          <a:p>
-            <a:r>
-              <a:rPr lang="en-IN" dirty="0"/>
-              <a:t>These expression can be of two types</a:t>
-            </a:r>
-          </a:p>
-          <a:p>
-            <a:r>
-              <a:rPr lang="en-IN" dirty="0"/>
-              <a:t>Property expression:</a:t>
-            </a:r>
-          </a:p>
-          <a:p>
-            <a:pPr marL="0" indent="0" algn="ctr">
-              <a:buNone/>
-            </a:pPr>
-            <a:r>
-              <a:rPr lang="en-IN" b="1" dirty="0">
-                <a:solidFill>
-                  <a:srgbClr val="FF0000"/>
-                </a:solidFill>
-              </a:rPr>
-              <a:t>#{&lt;</a:t>
-            </a:r>
-            <a:r>
-              <a:rPr lang="en-IN" b="1" dirty="0" err="1">
-                <a:solidFill>
-                  <a:srgbClr val="FF0000"/>
-                </a:solidFill>
-              </a:rPr>
-              <a:t>beanName</a:t>
-            </a:r>
-            <a:r>
-              <a:rPr lang="en-IN" b="1" dirty="0">
-                <a:solidFill>
-                  <a:srgbClr val="FF0000"/>
-                </a:solidFill>
-              </a:rPr>
-              <a:t>&gt;.&lt;property&gt;}</a:t>
-            </a:r>
-          </a:p>
-          <a:p>
-            <a:r>
-              <a:rPr lang="en-IN" dirty="0"/>
-              <a:t>Method expression: </a:t>
-            </a:r>
-          </a:p>
-          <a:p>
-            <a:pPr marL="0" indent="0" algn="ctr">
-              <a:buNone/>
-            </a:pPr>
-            <a:r>
-              <a:rPr lang="en-IN" dirty="0">
-                <a:solidFill>
-                  <a:srgbClr val="FF0000"/>
-                </a:solidFill>
-              </a:rPr>
-              <a:t>#{&lt;</a:t>
-            </a:r>
-            <a:r>
-              <a:rPr lang="en-IN" dirty="0" err="1">
-                <a:solidFill>
-                  <a:srgbClr val="FF0000"/>
-                </a:solidFill>
-              </a:rPr>
-              <a:t>beanName</a:t>
-            </a:r>
-            <a:r>
-              <a:rPr lang="en-IN" dirty="0">
-                <a:solidFill>
-                  <a:srgbClr val="FF0000"/>
-                </a:solidFill>
-              </a:rPr>
-              <a:t>&gt;.&lt;method&gt;}</a:t>
-            </a:r>
-          </a:p>
-        </p:txBody>
-      </p:sp>
-    </p:spTree>
-    <p:custDataLst>
-      <p:tags r:id="rId1"/>
-    </p:custDataLst>
-    <p:extLst>
-      <p:ext uri="{BB962C8B-B14F-4D97-AF65-F5344CB8AC3E}">
-        <p14:creationId xmlns:p14="http://schemas.microsoft.com/office/powerpoint/2010/main" val="308097562"/>
-      </p:ext>
-    </p:extLst>
-  </p:cSld>
-  <p:clrMapOvr>
-    <a:masterClrMapping/>
-  </p:clrMapOvr>
+  <mc:AlternateContent xmlns:mc="http://schemas.openxmlformats.org/markup-compatibility/2006" xmlns:p14="http://schemas.microsoft.com/office/powerpoint/2010/main">
+    <mc:Choice Requires="p14">
+      <p:transition spd="slow" p14:dur="2000"/>
+    </mc:Choice>
+    <mc:Fallback xmlns="">
+      <p:transition spd="slow"/>
+    </mc:Fallback>
+  </mc:AlternateContent>
   <p:timing>
     <p:tnLst>
       <p:par>
@@ -14827,6 +14886,208 @@
           <p:cNvPr id="2" name="Title 1">
             <a:extLst>
               <a:ext uri="{FF2B5EF4-FFF2-40B4-BE49-F238E27FC236}">
+                <a16:creationId xmlns:a16="http://schemas.microsoft.com/office/drawing/2014/main" id="{82D84AAB-D10A-4518-97B6-1FFC66862C45}"/>
+              </a:ext>
+            </a:extLst>
+          </p:cNvPr>
+          <p:cNvSpPr>
+            <a:spLocks noGrp="1"/>
+          </p:cNvSpPr>
+          <p:nvPr>
+            <p:ph type="title"/>
+          </p:nvPr>
+        </p:nvSpPr>
+        <p:spPr/>
+        <p:txBody>
+          <a:bodyPr/>
+          <a:lstStyle/>
+          <a:p>
+            <a:r>
+              <a:rPr lang="en-IN" dirty="0"/>
+              <a:t>JSF EXPRESSION LANGUAGE:</a:t>
+            </a:r>
+          </a:p>
+        </p:txBody>
+      </p:sp>
+      <p:sp>
+        <p:nvSpPr>
+          <p:cNvPr id="3" name="Content Placeholder 2">
+            <a:extLst>
+              <a:ext uri="{FF2B5EF4-FFF2-40B4-BE49-F238E27FC236}">
+                <a16:creationId xmlns:a16="http://schemas.microsoft.com/office/drawing/2014/main" id="{C94C45E5-AA06-4FE4-BADB-07222694F2ED}"/>
+              </a:ext>
+            </a:extLst>
+          </p:cNvPr>
+          <p:cNvSpPr>
+            <a:spLocks noGrp="1"/>
+          </p:cNvSpPr>
+          <p:nvPr>
+            <p:ph idx="1"/>
+          </p:nvPr>
+        </p:nvSpPr>
+        <p:spPr/>
+        <p:txBody>
+          <a:bodyPr>
+            <a:normAutofit fontScale="92500"/>
+          </a:bodyPr>
+          <a:lstStyle/>
+          <a:p>
+            <a:r>
+              <a:rPr lang="en-IN" dirty="0"/>
+              <a:t>JSF expression language </a:t>
+            </a:r>
+            <a:r>
+              <a:rPr lang="en-IN" b="1" u="sng" dirty="0"/>
+              <a:t>allows the user to access the data dynamically</a:t>
+            </a:r>
+            <a:r>
+              <a:rPr lang="en-IN" dirty="0"/>
+              <a:t> </a:t>
+            </a:r>
+            <a:r>
+              <a:rPr lang="en-IN" b="1" u="sng" dirty="0"/>
+              <a:t>form the java Bean component</a:t>
+            </a:r>
+            <a:r>
+              <a:rPr lang="en-IN" dirty="0"/>
+              <a:t>.</a:t>
+            </a:r>
+          </a:p>
+          <a:p>
+            <a:r>
+              <a:rPr lang="en-IN" dirty="0"/>
+              <a:t>JSF provides rich expression language.</a:t>
+            </a:r>
+          </a:p>
+          <a:p>
+            <a:r>
+              <a:rPr lang="en-IN" dirty="0"/>
+              <a:t>We can provide normal operation using #{operation-expression} notation</a:t>
+            </a:r>
+          </a:p>
+          <a:p>
+            <a:r>
+              <a:rPr lang="en-IN" dirty="0"/>
+              <a:t>These expression can be of two types</a:t>
+            </a:r>
+          </a:p>
+          <a:p>
+            <a:r>
+              <a:rPr lang="en-IN" dirty="0"/>
+              <a:t>Property expression:</a:t>
+            </a:r>
+          </a:p>
+          <a:p>
+            <a:pPr marL="0" indent="0" algn="ctr">
+              <a:buNone/>
+            </a:pPr>
+            <a:r>
+              <a:rPr lang="en-IN" b="1" dirty="0">
+                <a:solidFill>
+                  <a:srgbClr val="FF0000"/>
+                </a:solidFill>
+              </a:rPr>
+              <a:t>#{&lt;</a:t>
+            </a:r>
+            <a:r>
+              <a:rPr lang="en-IN" b="1" dirty="0" err="1">
+                <a:solidFill>
+                  <a:srgbClr val="FF0000"/>
+                </a:solidFill>
+              </a:rPr>
+              <a:t>beanName</a:t>
+            </a:r>
+            <a:r>
+              <a:rPr lang="en-IN" b="1" dirty="0">
+                <a:solidFill>
+                  <a:srgbClr val="FF0000"/>
+                </a:solidFill>
+              </a:rPr>
+              <a:t>&gt;.&lt;property&gt;}</a:t>
+            </a:r>
+          </a:p>
+          <a:p>
+            <a:r>
+              <a:rPr lang="en-IN" dirty="0"/>
+              <a:t>Method expression: </a:t>
+            </a:r>
+          </a:p>
+          <a:p>
+            <a:pPr marL="0" indent="0" algn="ctr">
+              <a:buNone/>
+            </a:pPr>
+            <a:r>
+              <a:rPr lang="en-IN" dirty="0">
+                <a:solidFill>
+                  <a:srgbClr val="FF0000"/>
+                </a:solidFill>
+              </a:rPr>
+              <a:t>#{&lt;</a:t>
+            </a:r>
+            <a:r>
+              <a:rPr lang="en-IN" dirty="0" err="1">
+                <a:solidFill>
+                  <a:srgbClr val="FF0000"/>
+                </a:solidFill>
+              </a:rPr>
+              <a:t>beanName</a:t>
+            </a:r>
+            <a:r>
+              <a:rPr lang="en-IN" dirty="0">
+                <a:solidFill>
+                  <a:srgbClr val="FF0000"/>
+                </a:solidFill>
+              </a:rPr>
+              <a:t>&gt;.&lt;method&gt;}</a:t>
+            </a:r>
+          </a:p>
+        </p:txBody>
+      </p:sp>
+    </p:spTree>
+    <p:custDataLst>
+      <p:tags r:id="rId1"/>
+    </p:custDataLst>
+    <p:extLst>
+      <p:ext uri="{BB962C8B-B14F-4D97-AF65-F5344CB8AC3E}">
+        <p14:creationId xmlns:p14="http://schemas.microsoft.com/office/powerpoint/2010/main" val="308097562"/>
+      </p:ext>
+    </p:extLst>
+  </p:cSld>
+  <p:clrMapOvr>
+    <a:masterClrMapping/>
+  </p:clrMapOvr>
+  <p:timing>
+    <p:tnLst>
+      <p:par>
+        <p:cTn id="1" dur="indefinite" restart="never" nodeType="tmRoot"/>
+      </p:par>
+    </p:tnLst>
+  </p:timing>
+</p:sld>
+</file>
+
+<file path=ppt/slides/slide27.xml><?xml version="1.0" encoding="utf-8"?>
+<p:sld xmlns:a="http://schemas.openxmlformats.org/drawingml/2006/main" xmlns:r="http://schemas.openxmlformats.org/officeDocument/2006/relationships" xmlns:p="http://schemas.openxmlformats.org/presentationml/2006/main">
+  <p:cSld>
+    <p:spTree>
+      <p:nvGrpSpPr>
+        <p:cNvPr id="1" name=""/>
+        <p:cNvGrpSpPr/>
+        <p:nvPr/>
+      </p:nvGrpSpPr>
+      <p:grpSpPr>
+        <a:xfrm>
+          <a:off x="0" y="0"/>
+          <a:ext cx="0" cy="0"/>
+          <a:chOff x="0" y="0"/>
+          <a:chExt cx="0" cy="0"/>
+        </a:xfrm>
+      </p:grpSpPr>
+      <p:sp>
+        <p:nvSpPr>
+          <p:cNvPr id="2" name="Title 1">
+            <a:extLst>
+              <a:ext uri="{FF2B5EF4-FFF2-40B4-BE49-F238E27FC236}">
                 <a16:creationId xmlns:a16="http://schemas.microsoft.com/office/drawing/2014/main" id="{AE735888-1058-47DA-92F7-0E83551A6B29}"/>
               </a:ext>
             </a:extLst>
@@ -14847,11 +15108,7 @@
           <a:p>
             <a:r>
               <a:rPr lang="en-IN" sz="3600" dirty="0"/>
-              <a:t>PROG </a:t>
-            </a:r>
-            <a:r>
-              <a:rPr lang="en-IN" sz="3600" dirty="0"/>
-              <a:t>5</a:t>
+              <a:t>PROG 5</a:t>
             </a:r>
             <a:r>
               <a:rPr lang="en-IN" sz="3600" dirty="0" smtClean="0"/>
@@ -14917,7 +15174,7 @@
 </p:sld>
 </file>
 
-<file path=ppt/slides/slide27.xml><?xml version="1.0" encoding="utf-8"?>
+<file path=ppt/slides/slide28.xml><?xml version="1.0" encoding="utf-8"?>
 <p:sld xmlns:a="http://schemas.openxmlformats.org/drawingml/2006/main" xmlns:r="http://schemas.openxmlformats.org/officeDocument/2006/relationships" xmlns:p="http://schemas.openxmlformats.org/presentationml/2006/main">
   <p:cSld>
     <p:spTree>
@@ -15321,833 +15578,6 @@
     <p:extLst>
       <p:ext uri="{BB962C8B-B14F-4D97-AF65-F5344CB8AC3E}">
         <p14:creationId xmlns:p14="http://schemas.microsoft.com/office/powerpoint/2010/main" val="2315101513"/>
-      </p:ext>
-    </p:extLst>
-  </p:cSld>
-  <p:clrMapOvr>
-    <a:masterClrMapping/>
-  </p:clrMapOvr>
-  <p:timing>
-    <p:tnLst>
-      <p:par>
-        <p:cTn id="1" dur="indefinite" restart="never" nodeType="tmRoot"/>
-      </p:par>
-    </p:tnLst>
-  </p:timing>
-</p:sld>
-</file>
-
-<file path=ppt/slides/slide28.xml><?xml version="1.0" encoding="utf-8"?>
-<p:sld xmlns:a="http://schemas.openxmlformats.org/drawingml/2006/main" xmlns:r="http://schemas.openxmlformats.org/officeDocument/2006/relationships" xmlns:p="http://schemas.openxmlformats.org/presentationml/2006/main">
-  <p:cSld>
-    <p:spTree>
-      <p:nvGrpSpPr>
-        <p:cNvPr id="1" name=""/>
-        <p:cNvGrpSpPr/>
-        <p:nvPr/>
-      </p:nvGrpSpPr>
-      <p:grpSpPr>
-        <a:xfrm>
-          <a:off x="0" y="0"/>
-          <a:ext cx="0" cy="0"/>
-          <a:chOff x="0" y="0"/>
-          <a:chExt cx="0" cy="0"/>
-        </a:xfrm>
-      </p:grpSpPr>
-      <p:sp>
-        <p:nvSpPr>
-          <p:cNvPr id="2" name="Title 1">
-            <a:extLst>
-              <a:ext uri="{FF2B5EF4-FFF2-40B4-BE49-F238E27FC236}">
-                <a16:creationId xmlns:a16="http://schemas.microsoft.com/office/drawing/2014/main" id="{26A3F7A1-25B4-4CEB-A139-8E9F4210419D}"/>
-              </a:ext>
-            </a:extLst>
-          </p:cNvPr>
-          <p:cNvSpPr>
-            <a:spLocks noGrp="1"/>
-          </p:cNvSpPr>
-          <p:nvPr>
-            <p:ph type="title"/>
-          </p:nvPr>
-        </p:nvSpPr>
-        <p:spPr/>
-        <p:txBody>
-          <a:bodyPr/>
-          <a:lstStyle/>
-          <a:p>
-            <a:r>
-              <a:rPr lang="en-IN" dirty="0"/>
-              <a:t>calBean.java</a:t>
-            </a:r>
-          </a:p>
-        </p:txBody>
-      </p:sp>
-      <p:sp>
-        <p:nvSpPr>
-          <p:cNvPr id="3" name="Content Placeholder 2">
-            <a:extLst>
-              <a:ext uri="{FF2B5EF4-FFF2-40B4-BE49-F238E27FC236}">
-                <a16:creationId xmlns:a16="http://schemas.microsoft.com/office/drawing/2014/main" id="{40D888D3-A6E0-43BA-9008-B1C99805EA68}"/>
-              </a:ext>
-            </a:extLst>
-          </p:cNvPr>
-          <p:cNvSpPr>
-            <a:spLocks noGrp="1"/>
-          </p:cNvSpPr>
-          <p:nvPr>
-            <p:ph idx="1"/>
-          </p:nvPr>
-        </p:nvSpPr>
-        <p:spPr>
-          <a:xfrm>
-            <a:off x="838200" y="1441342"/>
-            <a:ext cx="10847522" cy="4735621"/>
-          </a:xfrm>
-        </p:spPr>
-        <p:txBody>
-          <a:bodyPr numCol="2">
-            <a:noAutofit/>
-          </a:bodyPr>
-          <a:lstStyle/>
-          <a:p>
-            <a:pPr marL="0" indent="0">
-              <a:lnSpc>
-                <a:spcPct val="120000"/>
-              </a:lnSpc>
-              <a:spcBef>
-                <a:spcPts val="0"/>
-              </a:spcBef>
-              <a:buNone/>
-            </a:pPr>
-            <a:r>
-              <a:rPr lang="en-IN" sz="1600" dirty="0"/>
-              <a:t>import </a:t>
-            </a:r>
-            <a:r>
-              <a:rPr lang="en-IN" sz="1600" dirty="0" err="1"/>
-              <a:t>javax.annotation.ManagedBean</a:t>
-            </a:r>
-            <a:r>
-              <a:rPr lang="en-IN" sz="1600" dirty="0"/>
-              <a:t>;</a:t>
-            </a:r>
-          </a:p>
-          <a:p>
-            <a:pPr marL="0" indent="0">
-              <a:lnSpc>
-                <a:spcPct val="120000"/>
-              </a:lnSpc>
-              <a:spcBef>
-                <a:spcPts val="0"/>
-              </a:spcBef>
-              <a:buNone/>
-            </a:pPr>
-            <a:r>
-              <a:rPr lang="en-IN" sz="1600" dirty="0"/>
-              <a:t>import </a:t>
-            </a:r>
-            <a:r>
-              <a:rPr lang="en-IN" sz="1600" dirty="0" err="1"/>
-              <a:t>javax.enterprise.context.ApplicationScoped</a:t>
-            </a:r>
-            <a:r>
-              <a:rPr lang="en-IN" sz="1600" dirty="0"/>
-              <a:t>;</a:t>
-            </a:r>
-          </a:p>
-          <a:p>
-            <a:pPr marL="0" indent="0">
-              <a:lnSpc>
-                <a:spcPct val="120000"/>
-              </a:lnSpc>
-              <a:spcBef>
-                <a:spcPts val="0"/>
-              </a:spcBef>
-              <a:buNone/>
-            </a:pPr>
-            <a:r>
-              <a:rPr lang="en-IN" sz="1600" dirty="0"/>
-              <a:t>import </a:t>
-            </a:r>
-            <a:r>
-              <a:rPr lang="en-IN" sz="1600" dirty="0" err="1"/>
-              <a:t>javax.inject.Named</a:t>
-            </a:r>
-            <a:r>
-              <a:rPr lang="en-IN" sz="1600" dirty="0"/>
-              <a:t>;</a:t>
-            </a:r>
-          </a:p>
-          <a:p>
-            <a:pPr marL="0" indent="0">
-              <a:lnSpc>
-                <a:spcPct val="120000"/>
-              </a:lnSpc>
-              <a:spcBef>
-                <a:spcPts val="0"/>
-              </a:spcBef>
-              <a:buNone/>
-            </a:pPr>
-            <a:endParaRPr lang="en-IN" sz="1600" dirty="0"/>
-          </a:p>
-          <a:p>
-            <a:pPr marL="0" indent="0">
-              <a:lnSpc>
-                <a:spcPct val="120000"/>
-              </a:lnSpc>
-              <a:spcBef>
-                <a:spcPts val="0"/>
-              </a:spcBef>
-              <a:buNone/>
-            </a:pPr>
-            <a:r>
-              <a:rPr lang="en-IN" sz="1600" dirty="0"/>
-              <a:t>@Named(value = "</a:t>
-            </a:r>
-            <a:r>
-              <a:rPr lang="en-IN" sz="1600" dirty="0" err="1"/>
-              <a:t>calBean</a:t>
-            </a:r>
-            <a:r>
-              <a:rPr lang="en-IN" sz="1600" dirty="0"/>
-              <a:t>")</a:t>
-            </a:r>
-          </a:p>
-          <a:p>
-            <a:pPr marL="0" indent="0">
-              <a:lnSpc>
-                <a:spcPct val="120000"/>
-              </a:lnSpc>
-              <a:spcBef>
-                <a:spcPts val="0"/>
-              </a:spcBef>
-              <a:buNone/>
-            </a:pPr>
-            <a:r>
-              <a:rPr lang="en-IN" sz="1600" dirty="0"/>
-              <a:t>@</a:t>
-            </a:r>
-            <a:r>
-              <a:rPr lang="en-IN" sz="1600" dirty="0" err="1"/>
-              <a:t>ManagedBean</a:t>
-            </a:r>
-            <a:endParaRPr lang="en-IN" sz="1600" dirty="0"/>
-          </a:p>
-          <a:p>
-            <a:pPr marL="0" indent="0">
-              <a:lnSpc>
-                <a:spcPct val="120000"/>
-              </a:lnSpc>
-              <a:spcBef>
-                <a:spcPts val="0"/>
-              </a:spcBef>
-              <a:buNone/>
-            </a:pPr>
-            <a:r>
-              <a:rPr lang="en-IN" sz="1600" dirty="0"/>
-              <a:t>@</a:t>
-            </a:r>
-            <a:r>
-              <a:rPr lang="en-IN" sz="1600" dirty="0" err="1"/>
-              <a:t>ApplicationScoped</a:t>
-            </a:r>
-            <a:endParaRPr lang="en-IN" sz="1600" dirty="0"/>
-          </a:p>
-          <a:p>
-            <a:pPr marL="0" indent="0">
-              <a:lnSpc>
-                <a:spcPct val="120000"/>
-              </a:lnSpc>
-              <a:spcBef>
-                <a:spcPts val="0"/>
-              </a:spcBef>
-              <a:buNone/>
-            </a:pPr>
-            <a:endParaRPr lang="en-IN" sz="1600" dirty="0"/>
-          </a:p>
-          <a:p>
-            <a:pPr marL="0" indent="0">
-              <a:lnSpc>
-                <a:spcPct val="120000"/>
-              </a:lnSpc>
-              <a:spcBef>
-                <a:spcPts val="0"/>
-              </a:spcBef>
-              <a:buNone/>
-            </a:pPr>
-            <a:r>
-              <a:rPr lang="en-IN" sz="1600" dirty="0"/>
-              <a:t>public class </a:t>
-            </a:r>
-            <a:r>
-              <a:rPr lang="en-IN" sz="1600" dirty="0" err="1"/>
-              <a:t>calBean</a:t>
-            </a:r>
-            <a:r>
-              <a:rPr lang="en-IN" sz="1600" dirty="0"/>
-              <a:t> {</a:t>
-            </a:r>
-          </a:p>
-          <a:p>
-            <a:pPr marL="0" indent="0">
-              <a:lnSpc>
-                <a:spcPct val="120000"/>
-              </a:lnSpc>
-              <a:spcBef>
-                <a:spcPts val="0"/>
-              </a:spcBef>
-              <a:buNone/>
-            </a:pPr>
-            <a:endParaRPr lang="en-IN" sz="1600" dirty="0"/>
-          </a:p>
-          <a:p>
-            <a:pPr marL="0" indent="0">
-              <a:lnSpc>
-                <a:spcPct val="120000"/>
-              </a:lnSpc>
-              <a:spcBef>
-                <a:spcPts val="0"/>
-              </a:spcBef>
-              <a:buNone/>
-            </a:pPr>
-            <a:r>
-              <a:rPr lang="en-IN" sz="1600" dirty="0"/>
-              <a:t>    </a:t>
-            </a:r>
-            <a:r>
-              <a:rPr lang="en-IN" sz="1600" dirty="0" err="1"/>
-              <a:t>int</a:t>
-            </a:r>
-            <a:r>
-              <a:rPr lang="en-IN" sz="1600" dirty="0"/>
-              <a:t> </a:t>
-            </a:r>
-            <a:r>
-              <a:rPr lang="en-IN" sz="1600" dirty="0" err="1"/>
-              <a:t>len,br</a:t>
-            </a:r>
-            <a:r>
-              <a:rPr lang="en-IN" sz="1600" dirty="0"/>
-              <a:t>;</a:t>
-            </a:r>
-          </a:p>
-          <a:p>
-            <a:pPr marL="0" indent="0">
-              <a:lnSpc>
-                <a:spcPct val="120000"/>
-              </a:lnSpc>
-              <a:spcBef>
-                <a:spcPts val="0"/>
-              </a:spcBef>
-              <a:buNone/>
-            </a:pPr>
-            <a:r>
-              <a:rPr lang="en-IN" sz="1600" dirty="0"/>
-              <a:t>    public </a:t>
-            </a:r>
-            <a:r>
-              <a:rPr lang="en-IN" sz="1600" dirty="0" err="1"/>
-              <a:t>calBean</a:t>
-            </a:r>
-            <a:r>
-              <a:rPr lang="en-IN" sz="1600" dirty="0"/>
-              <a:t>() {</a:t>
-            </a:r>
-          </a:p>
-          <a:p>
-            <a:pPr marL="0" indent="0">
-              <a:lnSpc>
-                <a:spcPct val="120000"/>
-              </a:lnSpc>
-              <a:spcBef>
-                <a:spcPts val="0"/>
-              </a:spcBef>
-              <a:buNone/>
-            </a:pPr>
-            <a:r>
-              <a:rPr lang="en-IN" sz="1600" dirty="0"/>
-              <a:t>    }</a:t>
-            </a:r>
-          </a:p>
-          <a:p>
-            <a:pPr marL="0" indent="0">
-              <a:lnSpc>
-                <a:spcPct val="120000"/>
-              </a:lnSpc>
-              <a:spcBef>
-                <a:spcPts val="0"/>
-              </a:spcBef>
-              <a:buNone/>
-            </a:pPr>
-            <a:endParaRPr lang="en-IN" sz="1600" dirty="0"/>
-          </a:p>
-          <a:p>
-            <a:pPr marL="0" indent="0">
-              <a:lnSpc>
-                <a:spcPct val="120000"/>
-              </a:lnSpc>
-              <a:spcBef>
-                <a:spcPts val="0"/>
-              </a:spcBef>
-              <a:buNone/>
-            </a:pPr>
-            <a:r>
-              <a:rPr lang="en-IN" sz="1600" dirty="0"/>
-              <a:t>    public </a:t>
-            </a:r>
-            <a:r>
-              <a:rPr lang="en-IN" sz="1600" dirty="0" err="1"/>
-              <a:t>int</a:t>
-            </a:r>
-            <a:r>
-              <a:rPr lang="en-IN" sz="1600" dirty="0"/>
-              <a:t> </a:t>
-            </a:r>
-            <a:r>
-              <a:rPr lang="en-IN" sz="1600" dirty="0" err="1"/>
-              <a:t>getLen</a:t>
-            </a:r>
-            <a:r>
-              <a:rPr lang="en-IN" sz="1600" dirty="0"/>
-              <a:t>() {</a:t>
-            </a:r>
-          </a:p>
-          <a:p>
-            <a:pPr marL="0" indent="0">
-              <a:lnSpc>
-                <a:spcPct val="120000"/>
-              </a:lnSpc>
-              <a:spcBef>
-                <a:spcPts val="0"/>
-              </a:spcBef>
-              <a:buNone/>
-            </a:pPr>
-            <a:r>
-              <a:rPr lang="en-IN" sz="1600" dirty="0"/>
-              <a:t>        return </a:t>
-            </a:r>
-            <a:r>
-              <a:rPr lang="en-IN" sz="1600" dirty="0" err="1"/>
-              <a:t>len</a:t>
-            </a:r>
-            <a:r>
-              <a:rPr lang="en-IN" sz="1600" dirty="0"/>
-              <a:t>;</a:t>
-            </a:r>
-          </a:p>
-          <a:p>
-            <a:pPr marL="0" indent="0">
-              <a:lnSpc>
-                <a:spcPct val="120000"/>
-              </a:lnSpc>
-              <a:spcBef>
-                <a:spcPts val="0"/>
-              </a:spcBef>
-              <a:buNone/>
-            </a:pPr>
-            <a:r>
-              <a:rPr lang="en-IN" sz="1600" dirty="0"/>
-              <a:t>    }</a:t>
-            </a:r>
-          </a:p>
-          <a:p>
-            <a:pPr marL="0" indent="0">
-              <a:lnSpc>
-                <a:spcPct val="120000"/>
-              </a:lnSpc>
-              <a:spcBef>
-                <a:spcPts val="0"/>
-              </a:spcBef>
-              <a:buNone/>
-            </a:pPr>
-            <a:endParaRPr lang="en-IN" sz="1600" dirty="0"/>
-          </a:p>
-          <a:p>
-            <a:pPr marL="0" indent="0">
-              <a:lnSpc>
-                <a:spcPct val="120000"/>
-              </a:lnSpc>
-              <a:spcBef>
-                <a:spcPts val="0"/>
-              </a:spcBef>
-              <a:buNone/>
-            </a:pPr>
-            <a:r>
-              <a:rPr lang="en-IN" sz="1600" dirty="0"/>
-              <a:t>    public void </a:t>
-            </a:r>
-            <a:r>
-              <a:rPr lang="en-IN" sz="1600" dirty="0" err="1"/>
-              <a:t>setLen</a:t>
-            </a:r>
-            <a:r>
-              <a:rPr lang="en-IN" sz="1600" dirty="0"/>
-              <a:t>(</a:t>
-            </a:r>
-            <a:r>
-              <a:rPr lang="en-IN" sz="1600" dirty="0" err="1"/>
-              <a:t>int</a:t>
-            </a:r>
-            <a:r>
-              <a:rPr lang="en-IN" sz="1600" dirty="0"/>
-              <a:t> </a:t>
-            </a:r>
-            <a:r>
-              <a:rPr lang="en-IN" sz="1600" dirty="0" err="1"/>
-              <a:t>len</a:t>
-            </a:r>
-            <a:r>
-              <a:rPr lang="en-IN" sz="1600" dirty="0"/>
-              <a:t>) {</a:t>
-            </a:r>
-          </a:p>
-          <a:p>
-            <a:pPr marL="0" indent="0">
-              <a:lnSpc>
-                <a:spcPct val="120000"/>
-              </a:lnSpc>
-              <a:spcBef>
-                <a:spcPts val="0"/>
-              </a:spcBef>
-              <a:buNone/>
-            </a:pPr>
-            <a:r>
-              <a:rPr lang="en-IN" sz="1600" dirty="0"/>
-              <a:t>        </a:t>
-            </a:r>
-            <a:r>
-              <a:rPr lang="en-IN" sz="1600" dirty="0" err="1"/>
-              <a:t>this.len</a:t>
-            </a:r>
-            <a:r>
-              <a:rPr lang="en-IN" sz="1600" dirty="0"/>
-              <a:t> = </a:t>
-            </a:r>
-            <a:r>
-              <a:rPr lang="en-IN" sz="1600" dirty="0" err="1"/>
-              <a:t>len</a:t>
-            </a:r>
-            <a:r>
-              <a:rPr lang="en-IN" sz="1600" dirty="0"/>
-              <a:t>;</a:t>
-            </a:r>
-          </a:p>
-          <a:p>
-            <a:pPr marL="0" indent="0">
-              <a:lnSpc>
-                <a:spcPct val="120000"/>
-              </a:lnSpc>
-              <a:spcBef>
-                <a:spcPts val="0"/>
-              </a:spcBef>
-              <a:buNone/>
-            </a:pPr>
-            <a:r>
-              <a:rPr lang="en-IN" sz="1600" dirty="0"/>
-              <a:t>    }</a:t>
-            </a:r>
-          </a:p>
-          <a:p>
-            <a:pPr marL="0" indent="0">
-              <a:lnSpc>
-                <a:spcPct val="120000"/>
-              </a:lnSpc>
-              <a:spcBef>
-                <a:spcPts val="0"/>
-              </a:spcBef>
-              <a:buNone/>
-            </a:pPr>
-            <a:endParaRPr lang="en-IN" sz="1600" dirty="0"/>
-          </a:p>
-          <a:p>
-            <a:pPr marL="0" indent="0">
-              <a:lnSpc>
-                <a:spcPct val="120000"/>
-              </a:lnSpc>
-              <a:spcBef>
-                <a:spcPts val="0"/>
-              </a:spcBef>
-              <a:buNone/>
-            </a:pPr>
-            <a:r>
-              <a:rPr lang="en-IN" sz="1600" dirty="0"/>
-              <a:t>    public </a:t>
-            </a:r>
-            <a:r>
-              <a:rPr lang="en-IN" sz="1600" dirty="0" err="1"/>
-              <a:t>int</a:t>
-            </a:r>
-            <a:r>
-              <a:rPr lang="en-IN" sz="1600" dirty="0"/>
-              <a:t> </a:t>
-            </a:r>
-            <a:r>
-              <a:rPr lang="en-IN" sz="1600" dirty="0" err="1"/>
-              <a:t>getBr</a:t>
-            </a:r>
-            <a:r>
-              <a:rPr lang="en-IN" sz="1600" dirty="0"/>
-              <a:t>() {</a:t>
-            </a:r>
-          </a:p>
-          <a:p>
-            <a:pPr marL="0" indent="0">
-              <a:lnSpc>
-                <a:spcPct val="120000"/>
-              </a:lnSpc>
-              <a:spcBef>
-                <a:spcPts val="0"/>
-              </a:spcBef>
-              <a:buNone/>
-            </a:pPr>
-            <a:r>
-              <a:rPr lang="en-IN" sz="1600" dirty="0"/>
-              <a:t>        return </a:t>
-            </a:r>
-            <a:r>
-              <a:rPr lang="en-IN" sz="1600" dirty="0" err="1"/>
-              <a:t>br</a:t>
-            </a:r>
-            <a:r>
-              <a:rPr lang="en-IN" sz="1600" dirty="0"/>
-              <a:t>;</a:t>
-            </a:r>
-          </a:p>
-          <a:p>
-            <a:pPr marL="0" indent="0">
-              <a:lnSpc>
-                <a:spcPct val="120000"/>
-              </a:lnSpc>
-              <a:spcBef>
-                <a:spcPts val="0"/>
-              </a:spcBef>
-              <a:buNone/>
-            </a:pPr>
-            <a:r>
-              <a:rPr lang="en-IN" sz="1600" dirty="0"/>
-              <a:t>    }</a:t>
-            </a:r>
-          </a:p>
-          <a:p>
-            <a:pPr marL="0" indent="0">
-              <a:lnSpc>
-                <a:spcPct val="120000"/>
-              </a:lnSpc>
-              <a:spcBef>
-                <a:spcPts val="0"/>
-              </a:spcBef>
-              <a:buNone/>
-            </a:pPr>
-            <a:endParaRPr lang="en-IN" sz="1600" dirty="0"/>
-          </a:p>
-          <a:p>
-            <a:pPr marL="0" indent="0">
-              <a:lnSpc>
-                <a:spcPct val="120000"/>
-              </a:lnSpc>
-              <a:spcBef>
-                <a:spcPts val="0"/>
-              </a:spcBef>
-              <a:buNone/>
-            </a:pPr>
-            <a:r>
-              <a:rPr lang="en-IN" sz="1600" dirty="0"/>
-              <a:t>    public void </a:t>
-            </a:r>
-            <a:r>
-              <a:rPr lang="en-IN" sz="1600" dirty="0" err="1"/>
-              <a:t>setBr</a:t>
-            </a:r>
-            <a:r>
-              <a:rPr lang="en-IN" sz="1600" dirty="0"/>
-              <a:t>(</a:t>
-            </a:r>
-            <a:r>
-              <a:rPr lang="en-IN" sz="1600" dirty="0" err="1"/>
-              <a:t>int</a:t>
-            </a:r>
-            <a:r>
-              <a:rPr lang="en-IN" sz="1600" dirty="0"/>
-              <a:t> </a:t>
-            </a:r>
-            <a:r>
-              <a:rPr lang="en-IN" sz="1600" dirty="0" err="1"/>
-              <a:t>br</a:t>
-            </a:r>
-            <a:r>
-              <a:rPr lang="en-IN" sz="1600" dirty="0"/>
-              <a:t>) {</a:t>
-            </a:r>
-          </a:p>
-          <a:p>
-            <a:pPr marL="0" indent="0">
-              <a:lnSpc>
-                <a:spcPct val="120000"/>
-              </a:lnSpc>
-              <a:spcBef>
-                <a:spcPts val="0"/>
-              </a:spcBef>
-              <a:buNone/>
-            </a:pPr>
-            <a:r>
-              <a:rPr lang="en-IN" sz="1600" dirty="0"/>
-              <a:t>        this.br = </a:t>
-            </a:r>
-            <a:r>
-              <a:rPr lang="en-IN" sz="1600" dirty="0" err="1"/>
-              <a:t>br</a:t>
-            </a:r>
-            <a:r>
-              <a:rPr lang="en-IN" sz="1600" dirty="0"/>
-              <a:t>;</a:t>
-            </a:r>
-          </a:p>
-          <a:p>
-            <a:pPr marL="0" indent="0">
-              <a:lnSpc>
-                <a:spcPct val="120000"/>
-              </a:lnSpc>
-              <a:spcBef>
-                <a:spcPts val="0"/>
-              </a:spcBef>
-              <a:buNone/>
-            </a:pPr>
-            <a:r>
-              <a:rPr lang="en-IN" sz="1600" dirty="0"/>
-              <a:t>    }</a:t>
-            </a:r>
-          </a:p>
-          <a:p>
-            <a:pPr marL="0" indent="0">
-              <a:lnSpc>
-                <a:spcPct val="120000"/>
-              </a:lnSpc>
-              <a:spcBef>
-                <a:spcPts val="0"/>
-              </a:spcBef>
-              <a:buNone/>
-            </a:pPr>
-            <a:r>
-              <a:rPr lang="en-IN" sz="1600" dirty="0"/>
-              <a:t>    </a:t>
-            </a:r>
-          </a:p>
-          <a:p>
-            <a:pPr marL="0" indent="0">
-              <a:lnSpc>
-                <a:spcPct val="120000"/>
-              </a:lnSpc>
-              <a:spcBef>
-                <a:spcPts val="0"/>
-              </a:spcBef>
-              <a:buNone/>
-            </a:pPr>
-            <a:r>
-              <a:rPr lang="en-IN" sz="1600" dirty="0"/>
-              <a:t>    public </a:t>
-            </a:r>
-            <a:r>
-              <a:rPr lang="en-IN" sz="1600" dirty="0" err="1"/>
-              <a:t>int</a:t>
-            </a:r>
-            <a:r>
-              <a:rPr lang="en-IN" sz="1600" dirty="0"/>
-              <a:t> area(){</a:t>
-            </a:r>
-          </a:p>
-          <a:p>
-            <a:pPr marL="0" indent="0">
-              <a:lnSpc>
-                <a:spcPct val="120000"/>
-              </a:lnSpc>
-              <a:spcBef>
-                <a:spcPts val="0"/>
-              </a:spcBef>
-              <a:buNone/>
-            </a:pPr>
-            <a:r>
-              <a:rPr lang="en-IN" sz="1600" dirty="0"/>
-              <a:t>        </a:t>
-            </a:r>
-            <a:r>
-              <a:rPr lang="en-IN" sz="1600" dirty="0" err="1"/>
-              <a:t>int</a:t>
-            </a:r>
-            <a:r>
-              <a:rPr lang="en-IN" sz="1600" dirty="0"/>
-              <a:t> area = </a:t>
-            </a:r>
-            <a:r>
-              <a:rPr lang="en-IN" sz="1600" dirty="0" err="1"/>
-              <a:t>len</a:t>
-            </a:r>
-            <a:r>
-              <a:rPr lang="en-IN" sz="1600" dirty="0"/>
-              <a:t>*</a:t>
-            </a:r>
-            <a:r>
-              <a:rPr lang="en-IN" sz="1600" dirty="0" err="1"/>
-              <a:t>br</a:t>
-            </a:r>
-            <a:r>
-              <a:rPr lang="en-IN" sz="1600" dirty="0"/>
-              <a:t>;</a:t>
-            </a:r>
-          </a:p>
-          <a:p>
-            <a:pPr marL="0" indent="0">
-              <a:lnSpc>
-                <a:spcPct val="120000"/>
-              </a:lnSpc>
-              <a:spcBef>
-                <a:spcPts val="0"/>
-              </a:spcBef>
-              <a:buNone/>
-            </a:pPr>
-            <a:r>
-              <a:rPr lang="en-IN" sz="1600" dirty="0"/>
-              <a:t>        return area;</a:t>
-            </a:r>
-          </a:p>
-          <a:p>
-            <a:pPr marL="0" indent="0">
-              <a:lnSpc>
-                <a:spcPct val="120000"/>
-              </a:lnSpc>
-              <a:spcBef>
-                <a:spcPts val="0"/>
-              </a:spcBef>
-              <a:buNone/>
-            </a:pPr>
-            <a:r>
-              <a:rPr lang="en-IN" sz="1600" dirty="0"/>
-              <a:t>    }</a:t>
-            </a:r>
-          </a:p>
-          <a:p>
-            <a:pPr marL="0" indent="0">
-              <a:lnSpc>
-                <a:spcPct val="120000"/>
-              </a:lnSpc>
-              <a:spcBef>
-                <a:spcPts val="0"/>
-              </a:spcBef>
-              <a:buNone/>
-            </a:pPr>
-            <a:r>
-              <a:rPr lang="en-IN" sz="1600" dirty="0"/>
-              <a:t>}</a:t>
-            </a:r>
-          </a:p>
-        </p:txBody>
-      </p:sp>
-    </p:spTree>
-    <p:custDataLst>
-      <p:tags r:id="rId1"/>
-    </p:custDataLst>
-    <p:extLst>
-      <p:ext uri="{BB962C8B-B14F-4D97-AF65-F5344CB8AC3E}">
-        <p14:creationId xmlns:p14="http://schemas.microsoft.com/office/powerpoint/2010/main" val="1348753677"/>
       </p:ext>
     </p:extLst>
   </p:cSld>
@@ -16186,7 +15616,7 @@
           <p:cNvPr id="2" name="Title 1">
             <a:extLst>
               <a:ext uri="{FF2B5EF4-FFF2-40B4-BE49-F238E27FC236}">
-                <a16:creationId xmlns:a16="http://schemas.microsoft.com/office/drawing/2014/main" id="{5DB18057-D1C8-4E99-9700-267B426DC5A2}"/>
+                <a16:creationId xmlns:a16="http://schemas.microsoft.com/office/drawing/2014/main" id="{26A3F7A1-25B4-4CEB-A139-8E9F4210419D}"/>
               </a:ext>
             </a:extLst>
           </p:cNvPr>
@@ -16203,10 +15633,9 @@
           <a:lstStyle/>
           <a:p>
             <a:r>
-              <a:rPr lang="en-IN" dirty="0" err="1"/>
-              <a:t>Result.xhtml</a:t>
-            </a:r>
-            <a:endParaRPr lang="en-IN" dirty="0"/>
+              <a:rPr lang="en-IN" dirty="0"/>
+              <a:t>calBean.java</a:t>
+            </a:r>
           </a:p>
         </p:txBody>
       </p:sp>
@@ -16215,7 +15644,7 @@
           <p:cNvPr id="3" name="Content Placeholder 2">
             <a:extLst>
               <a:ext uri="{FF2B5EF4-FFF2-40B4-BE49-F238E27FC236}">
-                <a16:creationId xmlns:a16="http://schemas.microsoft.com/office/drawing/2014/main" id="{66E1D0A0-A0B9-40CF-9029-C8EF8262FE49}"/>
+                <a16:creationId xmlns:a16="http://schemas.microsoft.com/office/drawing/2014/main" id="{40D888D3-A6E0-43BA-9008-B1C99805EA68}"/>
               </a:ext>
             </a:extLst>
           </p:cNvPr>
@@ -16226,267 +15655,746 @@
             <p:ph idx="1"/>
           </p:nvPr>
         </p:nvSpPr>
-        <p:spPr/>
-        <p:txBody>
-          <a:bodyPr>
-            <a:normAutofit fontScale="62500" lnSpcReduction="20000"/>
+        <p:spPr>
+          <a:xfrm>
+            <a:off x="838200" y="1441342"/>
+            <a:ext cx="10847522" cy="4735621"/>
+          </a:xfrm>
+        </p:spPr>
+        <p:txBody>
+          <a:bodyPr numCol="2">
+            <a:noAutofit/>
           </a:bodyPr>
           <a:lstStyle/>
           <a:p>
             <a:pPr marL="0" indent="0">
-              <a:buNone/>
-            </a:pPr>
-            <a:r>
-              <a:rPr lang="en-IN" dirty="0"/>
-              <a:t>&lt;?xml version='1.0' encoding='UTF-8' ?&gt;</a:t>
-            </a:r>
-          </a:p>
-          <a:p>
-            <a:pPr marL="0" indent="0">
-              <a:buNone/>
-            </a:pPr>
-            <a:r>
-              <a:rPr lang="en-IN" dirty="0"/>
-              <a:t>&lt;!DOCTYPE html&gt;</a:t>
-            </a:r>
-          </a:p>
-          <a:p>
-            <a:pPr marL="0" indent="0">
-              <a:buNone/>
-            </a:pPr>
-            <a:r>
-              <a:rPr lang="en-IN" dirty="0"/>
-              <a:t>&lt;html </a:t>
-            </a:r>
-            <a:r>
-              <a:rPr lang="en-IN" dirty="0" err="1"/>
-              <a:t>xmlns</a:t>
-            </a:r>
-            <a:r>
-              <a:rPr lang="en-IN" dirty="0"/>
-              <a:t>="http://www.w3.org/1999/xhtml"</a:t>
-            </a:r>
-          </a:p>
-          <a:p>
-            <a:pPr marL="0" indent="0">
-              <a:buNone/>
-            </a:pPr>
-            <a:r>
-              <a:rPr lang="en-IN" dirty="0"/>
-              <a:t>      </a:t>
-            </a:r>
-            <a:r>
-              <a:rPr lang="en-IN" dirty="0" err="1"/>
-              <a:t>xmlns:h</a:t>
-            </a:r>
-            <a:r>
-              <a:rPr lang="en-IN" dirty="0"/>
-              <a:t>="http://xmlns.jcp.org/</a:t>
-            </a:r>
-            <a:r>
-              <a:rPr lang="en-IN" dirty="0" err="1"/>
-              <a:t>jsf</a:t>
-            </a:r>
-            <a:r>
-              <a:rPr lang="en-IN" dirty="0"/>
-              <a:t>/html"&gt;</a:t>
-            </a:r>
-          </a:p>
-          <a:p>
-            <a:pPr marL="0" indent="0">
-              <a:buNone/>
-            </a:pPr>
-            <a:r>
-              <a:rPr lang="en-IN" dirty="0"/>
-              <a:t>    &lt;</a:t>
-            </a:r>
-            <a:r>
-              <a:rPr lang="en-IN" dirty="0" err="1"/>
-              <a:t>h:head</a:t>
-            </a:r>
-            <a:r>
-              <a:rPr lang="en-IN" dirty="0"/>
-              <a:t>&gt;</a:t>
-            </a:r>
-          </a:p>
-          <a:p>
-            <a:pPr marL="0" indent="0">
-              <a:buNone/>
-            </a:pPr>
-            <a:r>
-              <a:rPr lang="en-IN" dirty="0"/>
-              <a:t>        &lt;title&gt;</a:t>
-            </a:r>
-            <a:r>
-              <a:rPr lang="en-IN" dirty="0" err="1"/>
-              <a:t>Facelet</a:t>
-            </a:r>
-            <a:r>
-              <a:rPr lang="en-IN" dirty="0"/>
-              <a:t> Title&lt;/title&gt;</a:t>
-            </a:r>
-          </a:p>
-          <a:p>
-            <a:pPr marL="0" indent="0">
-              <a:buNone/>
-            </a:pPr>
-            <a:r>
-              <a:rPr lang="en-IN" dirty="0"/>
-              <a:t>    &lt;/</a:t>
-            </a:r>
-            <a:r>
-              <a:rPr lang="en-IN" dirty="0" err="1"/>
-              <a:t>h:head</a:t>
-            </a:r>
-            <a:r>
-              <a:rPr lang="en-IN" dirty="0"/>
-              <a:t>&gt;</a:t>
-            </a:r>
-          </a:p>
-          <a:p>
-            <a:pPr marL="0" indent="0">
-              <a:buNone/>
-            </a:pPr>
-            <a:r>
-              <a:rPr lang="en-IN" dirty="0"/>
-              <a:t>    &lt;</a:t>
-            </a:r>
-            <a:r>
-              <a:rPr lang="en-IN" dirty="0" err="1"/>
-              <a:t>h:body</a:t>
-            </a:r>
-            <a:r>
-              <a:rPr lang="en-IN" dirty="0"/>
-              <a:t>&gt;</a:t>
-            </a:r>
-          </a:p>
-          <a:p>
-            <a:pPr marL="0" indent="0">
-              <a:buNone/>
-            </a:pPr>
-            <a:r>
-              <a:rPr lang="en-IN" dirty="0"/>
-              <a:t>        Length : #{</a:t>
-            </a:r>
-            <a:r>
-              <a:rPr lang="en-IN" dirty="0" err="1"/>
-              <a:t>calBean.len</a:t>
-            </a:r>
-            <a:r>
-              <a:rPr lang="en-IN" dirty="0"/>
+              <a:lnSpc>
+                <a:spcPct val="120000"/>
+              </a:lnSpc>
+              <a:spcBef>
+                <a:spcPts val="0"/>
+              </a:spcBef>
+              <a:buNone/>
+            </a:pPr>
+            <a:r>
+              <a:rPr lang="en-IN" sz="1600" dirty="0"/>
+              <a:t>import </a:t>
+            </a:r>
+            <a:r>
+              <a:rPr lang="en-IN" sz="1600" dirty="0" err="1"/>
+              <a:t>javax.annotation.ManagedBean</a:t>
+            </a:r>
+            <a:r>
+              <a:rPr lang="en-IN" sz="1600" dirty="0"/>
+              <a:t>;</a:t>
+            </a:r>
+          </a:p>
+          <a:p>
+            <a:pPr marL="0" indent="0">
+              <a:lnSpc>
+                <a:spcPct val="120000"/>
+              </a:lnSpc>
+              <a:spcBef>
+                <a:spcPts val="0"/>
+              </a:spcBef>
+              <a:buNone/>
+            </a:pPr>
+            <a:r>
+              <a:rPr lang="en-IN" sz="1600" dirty="0"/>
+              <a:t>import </a:t>
+            </a:r>
+            <a:r>
+              <a:rPr lang="en-IN" sz="1600" dirty="0" err="1"/>
+              <a:t>javax.enterprise.context.ApplicationScoped</a:t>
+            </a:r>
+            <a:r>
+              <a:rPr lang="en-IN" sz="1600" dirty="0"/>
+              <a:t>;</a:t>
+            </a:r>
+          </a:p>
+          <a:p>
+            <a:pPr marL="0" indent="0">
+              <a:lnSpc>
+                <a:spcPct val="120000"/>
+              </a:lnSpc>
+              <a:spcBef>
+                <a:spcPts val="0"/>
+              </a:spcBef>
+              <a:buNone/>
+            </a:pPr>
+            <a:r>
+              <a:rPr lang="en-IN" sz="1600" dirty="0"/>
+              <a:t>import </a:t>
+            </a:r>
+            <a:r>
+              <a:rPr lang="en-IN" sz="1600" dirty="0" err="1"/>
+              <a:t>javax.inject.Named</a:t>
+            </a:r>
+            <a:r>
+              <a:rPr lang="en-IN" sz="1600" dirty="0"/>
+              <a:t>;</a:t>
+            </a:r>
+          </a:p>
+          <a:p>
+            <a:pPr marL="0" indent="0">
+              <a:lnSpc>
+                <a:spcPct val="120000"/>
+              </a:lnSpc>
+              <a:spcBef>
+                <a:spcPts val="0"/>
+              </a:spcBef>
+              <a:buNone/>
+            </a:pPr>
+            <a:endParaRPr lang="en-IN" sz="1600" dirty="0"/>
+          </a:p>
+          <a:p>
+            <a:pPr marL="0" indent="0">
+              <a:lnSpc>
+                <a:spcPct val="120000"/>
+              </a:lnSpc>
+              <a:spcBef>
+                <a:spcPts val="0"/>
+              </a:spcBef>
+              <a:buNone/>
+            </a:pPr>
+            <a:r>
+              <a:rPr lang="en-IN" sz="1600" dirty="0"/>
+              <a:t>@Named(value = "</a:t>
+            </a:r>
+            <a:r>
+              <a:rPr lang="en-IN" sz="1600" dirty="0" err="1"/>
+              <a:t>calBean</a:t>
+            </a:r>
+            <a:r>
+              <a:rPr lang="en-IN" sz="1600" dirty="0"/>
+              <a:t>")</a:t>
+            </a:r>
+          </a:p>
+          <a:p>
+            <a:pPr marL="0" indent="0">
+              <a:lnSpc>
+                <a:spcPct val="120000"/>
+              </a:lnSpc>
+              <a:spcBef>
+                <a:spcPts val="0"/>
+              </a:spcBef>
+              <a:buNone/>
+            </a:pPr>
+            <a:r>
+              <a:rPr lang="en-IN" sz="1600" dirty="0"/>
+              <a:t>@</a:t>
+            </a:r>
+            <a:r>
+              <a:rPr lang="en-IN" sz="1600" dirty="0" err="1"/>
+              <a:t>ManagedBean</a:t>
+            </a:r>
+            <a:endParaRPr lang="en-IN" sz="1600" dirty="0"/>
+          </a:p>
+          <a:p>
+            <a:pPr marL="0" indent="0">
+              <a:lnSpc>
+                <a:spcPct val="120000"/>
+              </a:lnSpc>
+              <a:spcBef>
+                <a:spcPts val="0"/>
+              </a:spcBef>
+              <a:buNone/>
+            </a:pPr>
+            <a:r>
+              <a:rPr lang="en-IN" sz="1600" dirty="0"/>
+              <a:t>@</a:t>
+            </a:r>
+            <a:r>
+              <a:rPr lang="en-IN" sz="1600" dirty="0" err="1"/>
+              <a:t>ApplicationScoped</a:t>
+            </a:r>
+            <a:endParaRPr lang="en-IN" sz="1600" dirty="0"/>
+          </a:p>
+          <a:p>
+            <a:pPr marL="0" indent="0">
+              <a:lnSpc>
+                <a:spcPct val="120000"/>
+              </a:lnSpc>
+              <a:spcBef>
+                <a:spcPts val="0"/>
+              </a:spcBef>
+              <a:buNone/>
+            </a:pPr>
+            <a:endParaRPr lang="en-IN" sz="1600" dirty="0"/>
+          </a:p>
+          <a:p>
+            <a:pPr marL="0" indent="0">
+              <a:lnSpc>
+                <a:spcPct val="120000"/>
+              </a:lnSpc>
+              <a:spcBef>
+                <a:spcPts val="0"/>
+              </a:spcBef>
+              <a:buNone/>
+            </a:pPr>
+            <a:r>
+              <a:rPr lang="en-IN" sz="1600" dirty="0"/>
+              <a:t>public class </a:t>
+            </a:r>
+            <a:r>
+              <a:rPr lang="en-IN" sz="1600" dirty="0" err="1"/>
+              <a:t>calBean</a:t>
+            </a:r>
+            <a:r>
+              <a:rPr lang="en-IN" sz="1600" dirty="0"/>
+              <a:t> {</a:t>
+            </a:r>
+          </a:p>
+          <a:p>
+            <a:pPr marL="0" indent="0">
+              <a:lnSpc>
+                <a:spcPct val="120000"/>
+              </a:lnSpc>
+              <a:spcBef>
+                <a:spcPts val="0"/>
+              </a:spcBef>
+              <a:buNone/>
+            </a:pPr>
+            <a:endParaRPr lang="en-IN" sz="1600" dirty="0"/>
+          </a:p>
+          <a:p>
+            <a:pPr marL="0" indent="0">
+              <a:lnSpc>
+                <a:spcPct val="120000"/>
+              </a:lnSpc>
+              <a:spcBef>
+                <a:spcPts val="0"/>
+              </a:spcBef>
+              <a:buNone/>
+            </a:pPr>
+            <a:r>
+              <a:rPr lang="en-IN" sz="1600" dirty="0"/>
+              <a:t>    </a:t>
+            </a:r>
+            <a:r>
+              <a:rPr lang="en-IN" sz="1600" dirty="0" err="1"/>
+              <a:t>int</a:t>
+            </a:r>
+            <a:r>
+              <a:rPr lang="en-IN" sz="1600" dirty="0"/>
+              <a:t> </a:t>
+            </a:r>
+            <a:r>
+              <a:rPr lang="en-IN" sz="1600" dirty="0" err="1"/>
+              <a:t>len,br</a:t>
+            </a:r>
+            <a:r>
+              <a:rPr lang="en-IN" sz="1600" dirty="0"/>
+              <a:t>;</a:t>
+            </a:r>
+          </a:p>
+          <a:p>
+            <a:pPr marL="0" indent="0">
+              <a:lnSpc>
+                <a:spcPct val="120000"/>
+              </a:lnSpc>
+              <a:spcBef>
+                <a:spcPts val="0"/>
+              </a:spcBef>
+              <a:buNone/>
+            </a:pPr>
+            <a:r>
+              <a:rPr lang="en-IN" sz="1600" dirty="0"/>
+              <a:t>    public </a:t>
+            </a:r>
+            <a:r>
+              <a:rPr lang="en-IN" sz="1600" dirty="0" err="1"/>
+              <a:t>calBean</a:t>
+            </a:r>
+            <a:r>
+              <a:rPr lang="en-IN" sz="1600" dirty="0"/>
+              <a:t>() {</a:t>
+            </a:r>
+          </a:p>
+          <a:p>
+            <a:pPr marL="0" indent="0">
+              <a:lnSpc>
+                <a:spcPct val="120000"/>
+              </a:lnSpc>
+              <a:spcBef>
+                <a:spcPts val="0"/>
+              </a:spcBef>
+              <a:buNone/>
+            </a:pPr>
+            <a:r>
+              <a:rPr lang="en-IN" sz="1600" dirty="0"/>
+              <a:t>    }</a:t>
+            </a:r>
+          </a:p>
+          <a:p>
+            <a:pPr marL="0" indent="0">
+              <a:lnSpc>
+                <a:spcPct val="120000"/>
+              </a:lnSpc>
+              <a:spcBef>
+                <a:spcPts val="0"/>
+              </a:spcBef>
+              <a:buNone/>
+            </a:pPr>
+            <a:endParaRPr lang="en-IN" sz="1600" dirty="0"/>
+          </a:p>
+          <a:p>
+            <a:pPr marL="0" indent="0">
+              <a:lnSpc>
+                <a:spcPct val="120000"/>
+              </a:lnSpc>
+              <a:spcBef>
+                <a:spcPts val="0"/>
+              </a:spcBef>
+              <a:buNone/>
+            </a:pPr>
+            <a:r>
+              <a:rPr lang="en-IN" sz="1600" dirty="0"/>
+              <a:t>    public </a:t>
+            </a:r>
+            <a:r>
+              <a:rPr lang="en-IN" sz="1600" dirty="0" err="1"/>
+              <a:t>int</a:t>
+            </a:r>
+            <a:r>
+              <a:rPr lang="en-IN" sz="1600" dirty="0"/>
+              <a:t> </a:t>
+            </a:r>
+            <a:r>
+              <a:rPr lang="en-IN" sz="1600" dirty="0" err="1"/>
+              <a:t>getLen</a:t>
+            </a:r>
+            <a:r>
+              <a:rPr lang="en-IN" sz="1600" dirty="0"/>
+              <a:t>() {</a:t>
+            </a:r>
+          </a:p>
+          <a:p>
+            <a:pPr marL="0" indent="0">
+              <a:lnSpc>
+                <a:spcPct val="120000"/>
+              </a:lnSpc>
+              <a:spcBef>
+                <a:spcPts val="0"/>
+              </a:spcBef>
+              <a:buNone/>
+            </a:pPr>
+            <a:r>
+              <a:rPr lang="en-IN" sz="1600" dirty="0"/>
+              <a:t>        return </a:t>
+            </a:r>
+            <a:r>
+              <a:rPr lang="en-IN" sz="1600" dirty="0" err="1"/>
+              <a:t>len</a:t>
+            </a:r>
+            <a:r>
+              <a:rPr lang="en-IN" sz="1600" dirty="0"/>
+              <a:t>;</a:t>
+            </a:r>
+          </a:p>
+          <a:p>
+            <a:pPr marL="0" indent="0">
+              <a:lnSpc>
+                <a:spcPct val="120000"/>
+              </a:lnSpc>
+              <a:spcBef>
+                <a:spcPts val="0"/>
+              </a:spcBef>
+              <a:buNone/>
+            </a:pPr>
+            <a:r>
+              <a:rPr lang="en-IN" sz="1600" dirty="0"/>
+              <a:t>    }</a:t>
+            </a:r>
+          </a:p>
+          <a:p>
+            <a:pPr marL="0" indent="0">
+              <a:lnSpc>
+                <a:spcPct val="120000"/>
+              </a:lnSpc>
+              <a:spcBef>
+                <a:spcPts val="0"/>
+              </a:spcBef>
+              <a:buNone/>
+            </a:pPr>
+            <a:endParaRPr lang="en-IN" sz="1600" dirty="0"/>
+          </a:p>
+          <a:p>
+            <a:pPr marL="0" indent="0">
+              <a:lnSpc>
+                <a:spcPct val="120000"/>
+              </a:lnSpc>
+              <a:spcBef>
+                <a:spcPts val="0"/>
+              </a:spcBef>
+              <a:buNone/>
+            </a:pPr>
+            <a:r>
+              <a:rPr lang="en-IN" sz="1600" dirty="0"/>
+              <a:t>    public void </a:t>
+            </a:r>
+            <a:r>
+              <a:rPr lang="en-IN" sz="1600" dirty="0" err="1"/>
+              <a:t>setLen</a:t>
+            </a:r>
+            <a:r>
+              <a:rPr lang="en-IN" sz="1600" dirty="0"/>
+              <a:t>(</a:t>
+            </a:r>
+            <a:r>
+              <a:rPr lang="en-IN" sz="1600" dirty="0" err="1"/>
+              <a:t>int</a:t>
+            </a:r>
+            <a:r>
+              <a:rPr lang="en-IN" sz="1600" dirty="0"/>
+              <a:t> </a:t>
+            </a:r>
+            <a:r>
+              <a:rPr lang="en-IN" sz="1600" dirty="0" err="1"/>
+              <a:t>len</a:t>
+            </a:r>
+            <a:r>
+              <a:rPr lang="en-IN" sz="1600" dirty="0"/>
+              <a:t>) {</a:t>
+            </a:r>
+          </a:p>
+          <a:p>
+            <a:pPr marL="0" indent="0">
+              <a:lnSpc>
+                <a:spcPct val="120000"/>
+              </a:lnSpc>
+              <a:spcBef>
+                <a:spcPts val="0"/>
+              </a:spcBef>
+              <a:buNone/>
+            </a:pPr>
+            <a:r>
+              <a:rPr lang="en-IN" sz="1600" dirty="0"/>
+              <a:t>        </a:t>
+            </a:r>
+            <a:r>
+              <a:rPr lang="en-IN" sz="1600" dirty="0" err="1"/>
+              <a:t>this.len</a:t>
+            </a:r>
+            <a:r>
+              <a:rPr lang="en-IN" sz="1600" dirty="0"/>
+              <a:t> = </a:t>
+            </a:r>
+            <a:r>
+              <a:rPr lang="en-IN" sz="1600" dirty="0" err="1"/>
+              <a:t>len</a:t>
+            </a:r>
+            <a:r>
+              <a:rPr lang="en-IN" sz="1600" dirty="0"/>
+              <a:t>;</a:t>
+            </a:r>
+          </a:p>
+          <a:p>
+            <a:pPr marL="0" indent="0">
+              <a:lnSpc>
+                <a:spcPct val="120000"/>
+              </a:lnSpc>
+              <a:spcBef>
+                <a:spcPts val="0"/>
+              </a:spcBef>
+              <a:buNone/>
+            </a:pPr>
+            <a:r>
+              <a:rPr lang="en-IN" sz="1600" dirty="0"/>
+              <a:t>    }</a:t>
+            </a:r>
+          </a:p>
+          <a:p>
+            <a:pPr marL="0" indent="0">
+              <a:lnSpc>
+                <a:spcPct val="120000"/>
+              </a:lnSpc>
+              <a:spcBef>
+                <a:spcPts val="0"/>
+              </a:spcBef>
+              <a:buNone/>
+            </a:pPr>
+            <a:endParaRPr lang="en-IN" sz="1600" dirty="0"/>
+          </a:p>
+          <a:p>
+            <a:pPr marL="0" indent="0">
+              <a:lnSpc>
+                <a:spcPct val="120000"/>
+              </a:lnSpc>
+              <a:spcBef>
+                <a:spcPts val="0"/>
+              </a:spcBef>
+              <a:buNone/>
+            </a:pPr>
+            <a:r>
+              <a:rPr lang="en-IN" sz="1600" dirty="0"/>
+              <a:t>    public </a:t>
+            </a:r>
+            <a:r>
+              <a:rPr lang="en-IN" sz="1600" dirty="0" err="1"/>
+              <a:t>int</a:t>
+            </a:r>
+            <a:r>
+              <a:rPr lang="en-IN" sz="1600" dirty="0"/>
+              <a:t> </a:t>
+            </a:r>
+            <a:r>
+              <a:rPr lang="en-IN" sz="1600" dirty="0" err="1"/>
+              <a:t>getBr</a:t>
+            </a:r>
+            <a:r>
+              <a:rPr lang="en-IN" sz="1600" dirty="0"/>
+              <a:t>() {</a:t>
+            </a:r>
+          </a:p>
+          <a:p>
+            <a:pPr marL="0" indent="0">
+              <a:lnSpc>
+                <a:spcPct val="120000"/>
+              </a:lnSpc>
+              <a:spcBef>
+                <a:spcPts val="0"/>
+              </a:spcBef>
+              <a:buNone/>
+            </a:pPr>
+            <a:r>
+              <a:rPr lang="en-IN" sz="1600" dirty="0"/>
+              <a:t>        return </a:t>
+            </a:r>
+            <a:r>
+              <a:rPr lang="en-IN" sz="1600" dirty="0" err="1"/>
+              <a:t>br</a:t>
+            </a:r>
+            <a:r>
+              <a:rPr lang="en-IN" sz="1600" dirty="0"/>
+              <a:t>;</a:t>
+            </a:r>
+          </a:p>
+          <a:p>
+            <a:pPr marL="0" indent="0">
+              <a:lnSpc>
+                <a:spcPct val="120000"/>
+              </a:lnSpc>
+              <a:spcBef>
+                <a:spcPts val="0"/>
+              </a:spcBef>
+              <a:buNone/>
+            </a:pPr>
+            <a:r>
+              <a:rPr lang="en-IN" sz="1600" dirty="0"/>
+              <a:t>    }</a:t>
+            </a:r>
+          </a:p>
+          <a:p>
+            <a:pPr marL="0" indent="0">
+              <a:lnSpc>
+                <a:spcPct val="120000"/>
+              </a:lnSpc>
+              <a:spcBef>
+                <a:spcPts val="0"/>
+              </a:spcBef>
+              <a:buNone/>
+            </a:pPr>
+            <a:endParaRPr lang="en-IN" sz="1600" dirty="0"/>
+          </a:p>
+          <a:p>
+            <a:pPr marL="0" indent="0">
+              <a:lnSpc>
+                <a:spcPct val="120000"/>
+              </a:lnSpc>
+              <a:spcBef>
+                <a:spcPts val="0"/>
+              </a:spcBef>
+              <a:buNone/>
+            </a:pPr>
+            <a:r>
+              <a:rPr lang="en-IN" sz="1600" dirty="0"/>
+              <a:t>    public void </a:t>
+            </a:r>
+            <a:r>
+              <a:rPr lang="en-IN" sz="1600" dirty="0" err="1"/>
+              <a:t>setBr</a:t>
+            </a:r>
+            <a:r>
+              <a:rPr lang="en-IN" sz="1600" dirty="0"/>
+              <a:t>(</a:t>
+            </a:r>
+            <a:r>
+              <a:rPr lang="en-IN" sz="1600" dirty="0" err="1"/>
+              <a:t>int</a:t>
+            </a:r>
+            <a:r>
+              <a:rPr lang="en-IN" sz="1600" dirty="0"/>
+              <a:t> </a:t>
+            </a:r>
+            <a:r>
+              <a:rPr lang="en-IN" sz="1600" dirty="0" err="1"/>
+              <a:t>br</a:t>
+            </a:r>
+            <a:r>
+              <a:rPr lang="en-IN" sz="1600" dirty="0"/>
+              <a:t>) {</a:t>
+            </a:r>
+          </a:p>
+          <a:p>
+            <a:pPr marL="0" indent="0">
+              <a:lnSpc>
+                <a:spcPct val="120000"/>
+              </a:lnSpc>
+              <a:spcBef>
+                <a:spcPts val="0"/>
+              </a:spcBef>
+              <a:buNone/>
+            </a:pPr>
+            <a:r>
+              <a:rPr lang="en-IN" sz="1600" dirty="0"/>
+              <a:t>        this.br = </a:t>
+            </a:r>
+            <a:r>
+              <a:rPr lang="en-IN" sz="1600" dirty="0" err="1"/>
+              <a:t>br</a:t>
+            </a:r>
+            <a:r>
+              <a:rPr lang="en-IN" sz="1600" dirty="0"/>
+              <a:t>;</a:t>
+            </a:r>
+          </a:p>
+          <a:p>
+            <a:pPr marL="0" indent="0">
+              <a:lnSpc>
+                <a:spcPct val="120000"/>
+              </a:lnSpc>
+              <a:spcBef>
+                <a:spcPts val="0"/>
+              </a:spcBef>
+              <a:buNone/>
+            </a:pPr>
+            <a:r>
+              <a:rPr lang="en-IN" sz="1600" dirty="0"/>
+              <a:t>    }</a:t>
+            </a:r>
+          </a:p>
+          <a:p>
+            <a:pPr marL="0" indent="0">
+              <a:lnSpc>
+                <a:spcPct val="120000"/>
+              </a:lnSpc>
+              <a:spcBef>
+                <a:spcPts val="0"/>
+              </a:spcBef>
+              <a:buNone/>
+            </a:pPr>
+            <a:r>
+              <a:rPr lang="en-IN" sz="1600" dirty="0"/>
+              <a:t>    </a:t>
+            </a:r>
+          </a:p>
+          <a:p>
+            <a:pPr marL="0" indent="0">
+              <a:lnSpc>
+                <a:spcPct val="120000"/>
+              </a:lnSpc>
+              <a:spcBef>
+                <a:spcPts val="0"/>
+              </a:spcBef>
+              <a:buNone/>
+            </a:pPr>
+            <a:r>
+              <a:rPr lang="en-IN" sz="1600" dirty="0"/>
+              <a:t>    public </a:t>
+            </a:r>
+            <a:r>
+              <a:rPr lang="en-IN" sz="1600" dirty="0" err="1"/>
+              <a:t>int</a:t>
+            </a:r>
+            <a:r>
+              <a:rPr lang="en-IN" sz="1600" dirty="0"/>
+              <a:t> area(){</a:t>
+            </a:r>
+          </a:p>
+          <a:p>
+            <a:pPr marL="0" indent="0">
+              <a:lnSpc>
+                <a:spcPct val="120000"/>
+              </a:lnSpc>
+              <a:spcBef>
+                <a:spcPts val="0"/>
+              </a:spcBef>
+              <a:buNone/>
+            </a:pPr>
+            <a:r>
+              <a:rPr lang="en-IN" sz="1600" dirty="0"/>
+              <a:t>        </a:t>
+            </a:r>
+            <a:r>
+              <a:rPr lang="en-IN" sz="1600" dirty="0" err="1"/>
+              <a:t>int</a:t>
+            </a:r>
+            <a:r>
+              <a:rPr lang="en-IN" sz="1600" dirty="0"/>
+              <a:t> area = </a:t>
+            </a:r>
+            <a:r>
+              <a:rPr lang="en-IN" sz="1600" dirty="0" err="1"/>
+              <a:t>len</a:t>
+            </a:r>
+            <a:r>
+              <a:rPr lang="en-IN" sz="1600" dirty="0"/>
+              <a:t>*</a:t>
+            </a:r>
+            <a:r>
+              <a:rPr lang="en-IN" sz="1600" dirty="0" err="1"/>
+              <a:t>br</a:t>
+            </a:r>
+            <a:r>
+              <a:rPr lang="en-IN" sz="1600" dirty="0"/>
+              <a:t>;</a:t>
+            </a:r>
+          </a:p>
+          <a:p>
+            <a:pPr marL="0" indent="0">
+              <a:lnSpc>
+                <a:spcPct val="120000"/>
+              </a:lnSpc>
+              <a:spcBef>
+                <a:spcPts val="0"/>
+              </a:spcBef>
+              <a:buNone/>
+            </a:pPr>
+            <a:r>
+              <a:rPr lang="en-IN" sz="1600" dirty="0"/>
+              <a:t>        return area;</a:t>
+            </a:r>
+          </a:p>
+          <a:p>
+            <a:pPr marL="0" indent="0">
+              <a:lnSpc>
+                <a:spcPct val="120000"/>
+              </a:lnSpc>
+              <a:spcBef>
+                <a:spcPts val="0"/>
+              </a:spcBef>
+              <a:buNone/>
+            </a:pPr>
+            <a:r>
+              <a:rPr lang="en-IN" sz="1600" dirty="0"/>
+              <a:t>    }</a:t>
+            </a:r>
+          </a:p>
+          <a:p>
+            <a:pPr marL="0" indent="0">
+              <a:lnSpc>
+                <a:spcPct val="120000"/>
+              </a:lnSpc>
+              <a:spcBef>
+                <a:spcPts val="0"/>
+              </a:spcBef>
+              <a:buNone/>
+            </a:pPr>
+            <a:r>
+              <a:rPr lang="en-IN" sz="1600" dirty="0"/>
               <a:t>}</a:t>
             </a:r>
-          </a:p>
-          <a:p>
-            <a:pPr marL="0" indent="0">
-              <a:buNone/>
-            </a:pPr>
-            <a:r>
-              <a:rPr lang="en-IN" dirty="0"/>
-              <a:t>        Breath : #{calBean.br}</a:t>
-            </a:r>
-          </a:p>
-          <a:p>
-            <a:pPr marL="0" indent="0">
-              <a:buNone/>
-            </a:pPr>
-            <a:r>
-              <a:rPr lang="en-IN" dirty="0"/>
-              <a:t>        Area : #{</a:t>
-            </a:r>
-            <a:r>
-              <a:rPr lang="en-IN" dirty="0" err="1"/>
-              <a:t>calBean.area</a:t>
-            </a:r>
-            <a:r>
-              <a:rPr lang="en-IN" dirty="0"/>
-              <a:t>()}</a:t>
-            </a:r>
-          </a:p>
-          <a:p>
-            <a:pPr marL="0" indent="0">
-              <a:buNone/>
-            </a:pPr>
-            <a:r>
-              <a:rPr lang="en-IN" dirty="0"/>
-              <a:t>    &lt;/</a:t>
-            </a:r>
-            <a:r>
-              <a:rPr lang="en-IN" dirty="0" err="1"/>
-              <a:t>h:body</a:t>
-            </a:r>
-            <a:r>
-              <a:rPr lang="en-IN" dirty="0"/>
-              <a:t>&gt;</a:t>
-            </a:r>
-          </a:p>
-          <a:p>
-            <a:pPr marL="0" indent="0">
-              <a:buNone/>
-            </a:pPr>
-            <a:r>
-              <a:rPr lang="en-IN" dirty="0"/>
-              <a:t>&lt;/html&gt;</a:t>
-            </a:r>
-          </a:p>
-          <a:p>
-            <a:pPr marL="0" indent="0">
-              <a:buNone/>
-            </a:pPr>
-            <a:endParaRPr lang="en-IN" dirty="0"/>
-          </a:p>
-          <a:p>
-            <a:pPr marL="0" indent="0">
-              <a:buNone/>
-            </a:pPr>
-            <a:endParaRPr lang="en-IN" dirty="0"/>
-          </a:p>
-        </p:txBody>
-      </p:sp>
-      <p:sp>
-        <p:nvSpPr>
-          <p:cNvPr id="5" name="Rectangle 4">
-            <a:extLst>
-              <a:ext uri="{FF2B5EF4-FFF2-40B4-BE49-F238E27FC236}">
-                <a16:creationId xmlns:a16="http://schemas.microsoft.com/office/drawing/2014/main" id="{4884956B-BE95-45CE-9756-2627219533D8}"/>
-              </a:ext>
-            </a:extLst>
-          </p:cNvPr>
-          <p:cNvSpPr/>
-          <p:nvPr/>
-        </p:nvSpPr>
-        <p:spPr>
-          <a:xfrm>
-            <a:off x="1066800" y="4358640"/>
-            <a:ext cx="2885440" cy="924560"/>
-          </a:xfrm>
-          <a:prstGeom prst="rect">
-            <a:avLst/>
-          </a:prstGeom>
-          <a:noFill/>
-        </p:spPr>
-        <p:style>
-          <a:lnRef idx="2">
-            <a:schemeClr val="accent1">
-              <a:shade val="50000"/>
-            </a:schemeClr>
-          </a:lnRef>
-          <a:fillRef idx="1">
-            <a:schemeClr val="accent1"/>
-          </a:fillRef>
-          <a:effectRef idx="0">
-            <a:schemeClr val="accent1"/>
-          </a:effectRef>
-          <a:fontRef idx="minor">
-            <a:schemeClr val="lt1"/>
-          </a:fontRef>
-        </p:style>
-        <p:txBody>
-          <a:bodyPr rtlCol="0" anchor="ctr"/>
-          <a:lstStyle/>
-          <a:p>
-            <a:pPr algn="ctr"/>
-            <a:endParaRPr lang="en-IN"/>
           </a:p>
         </p:txBody>
       </p:sp>
@@ -16496,7 +16404,7 @@
     </p:custDataLst>
     <p:extLst>
       <p:ext uri="{BB962C8B-B14F-4D97-AF65-F5344CB8AC3E}">
-        <p14:creationId xmlns:p14="http://schemas.microsoft.com/office/powerpoint/2010/main" val="3167509684"/>
+        <p14:creationId xmlns:p14="http://schemas.microsoft.com/office/powerpoint/2010/main" val="1348753677"/>
       </p:ext>
     </p:extLst>
   </p:cSld>
@@ -16677,6 +16585,355 @@
           <p:cNvPr id="2" name="Title 1">
             <a:extLst>
               <a:ext uri="{FF2B5EF4-FFF2-40B4-BE49-F238E27FC236}">
+                <a16:creationId xmlns:a16="http://schemas.microsoft.com/office/drawing/2014/main" id="{5DB18057-D1C8-4E99-9700-267B426DC5A2}"/>
+              </a:ext>
+            </a:extLst>
+          </p:cNvPr>
+          <p:cNvSpPr>
+            <a:spLocks noGrp="1"/>
+          </p:cNvSpPr>
+          <p:nvPr>
+            <p:ph type="title"/>
+          </p:nvPr>
+        </p:nvSpPr>
+        <p:spPr/>
+        <p:txBody>
+          <a:bodyPr/>
+          <a:lstStyle/>
+          <a:p>
+            <a:r>
+              <a:rPr lang="en-IN" dirty="0" err="1"/>
+              <a:t>Result.xhtml</a:t>
+            </a:r>
+            <a:endParaRPr lang="en-IN" dirty="0"/>
+          </a:p>
+        </p:txBody>
+      </p:sp>
+      <p:sp>
+        <p:nvSpPr>
+          <p:cNvPr id="3" name="Content Placeholder 2">
+            <a:extLst>
+              <a:ext uri="{FF2B5EF4-FFF2-40B4-BE49-F238E27FC236}">
+                <a16:creationId xmlns:a16="http://schemas.microsoft.com/office/drawing/2014/main" id="{66E1D0A0-A0B9-40CF-9029-C8EF8262FE49}"/>
+              </a:ext>
+            </a:extLst>
+          </p:cNvPr>
+          <p:cNvSpPr>
+            <a:spLocks noGrp="1"/>
+          </p:cNvSpPr>
+          <p:nvPr>
+            <p:ph idx="1"/>
+          </p:nvPr>
+        </p:nvSpPr>
+        <p:spPr/>
+        <p:txBody>
+          <a:bodyPr>
+            <a:normAutofit fontScale="62500" lnSpcReduction="20000"/>
+          </a:bodyPr>
+          <a:lstStyle/>
+          <a:p>
+            <a:pPr marL="0" indent="0">
+              <a:buNone/>
+            </a:pPr>
+            <a:r>
+              <a:rPr lang="en-IN" dirty="0"/>
+              <a:t>&lt;?xml version='1.0' encoding='UTF-8' ?&gt;</a:t>
+            </a:r>
+          </a:p>
+          <a:p>
+            <a:pPr marL="0" indent="0">
+              <a:buNone/>
+            </a:pPr>
+            <a:r>
+              <a:rPr lang="en-IN" dirty="0"/>
+              <a:t>&lt;!DOCTYPE html&gt;</a:t>
+            </a:r>
+          </a:p>
+          <a:p>
+            <a:pPr marL="0" indent="0">
+              <a:buNone/>
+            </a:pPr>
+            <a:r>
+              <a:rPr lang="en-IN" dirty="0"/>
+              <a:t>&lt;html </a:t>
+            </a:r>
+            <a:r>
+              <a:rPr lang="en-IN" dirty="0" err="1"/>
+              <a:t>xmlns</a:t>
+            </a:r>
+            <a:r>
+              <a:rPr lang="en-IN" dirty="0"/>
+              <a:t>="http://www.w3.org/1999/xhtml"</a:t>
+            </a:r>
+          </a:p>
+          <a:p>
+            <a:pPr marL="0" indent="0">
+              <a:buNone/>
+            </a:pPr>
+            <a:r>
+              <a:rPr lang="en-IN" dirty="0"/>
+              <a:t>      </a:t>
+            </a:r>
+            <a:r>
+              <a:rPr lang="en-IN" dirty="0" err="1"/>
+              <a:t>xmlns:h</a:t>
+            </a:r>
+            <a:r>
+              <a:rPr lang="en-IN" dirty="0"/>
+              <a:t>="http://xmlns.jcp.org/</a:t>
+            </a:r>
+            <a:r>
+              <a:rPr lang="en-IN" dirty="0" err="1"/>
+              <a:t>jsf</a:t>
+            </a:r>
+            <a:r>
+              <a:rPr lang="en-IN" dirty="0"/>
+              <a:t>/html"&gt;</a:t>
+            </a:r>
+          </a:p>
+          <a:p>
+            <a:pPr marL="0" indent="0">
+              <a:buNone/>
+            </a:pPr>
+            <a:r>
+              <a:rPr lang="en-IN" dirty="0"/>
+              <a:t>    &lt;</a:t>
+            </a:r>
+            <a:r>
+              <a:rPr lang="en-IN" dirty="0" err="1"/>
+              <a:t>h:head</a:t>
+            </a:r>
+            <a:r>
+              <a:rPr lang="en-IN" dirty="0"/>
+              <a:t>&gt;</a:t>
+            </a:r>
+          </a:p>
+          <a:p>
+            <a:pPr marL="0" indent="0">
+              <a:buNone/>
+            </a:pPr>
+            <a:r>
+              <a:rPr lang="en-IN" dirty="0"/>
+              <a:t>        &lt;title&gt;</a:t>
+            </a:r>
+            <a:r>
+              <a:rPr lang="en-IN" dirty="0" err="1"/>
+              <a:t>Facelet</a:t>
+            </a:r>
+            <a:r>
+              <a:rPr lang="en-IN" dirty="0"/>
+              <a:t> Title&lt;/title&gt;</a:t>
+            </a:r>
+          </a:p>
+          <a:p>
+            <a:pPr marL="0" indent="0">
+              <a:buNone/>
+            </a:pPr>
+            <a:r>
+              <a:rPr lang="en-IN" dirty="0"/>
+              <a:t>    &lt;/</a:t>
+            </a:r>
+            <a:r>
+              <a:rPr lang="en-IN" dirty="0" err="1"/>
+              <a:t>h:head</a:t>
+            </a:r>
+            <a:r>
+              <a:rPr lang="en-IN" dirty="0"/>
+              <a:t>&gt;</a:t>
+            </a:r>
+          </a:p>
+          <a:p>
+            <a:pPr marL="0" indent="0">
+              <a:buNone/>
+            </a:pPr>
+            <a:r>
+              <a:rPr lang="en-IN" dirty="0"/>
+              <a:t>    &lt;</a:t>
+            </a:r>
+            <a:r>
+              <a:rPr lang="en-IN" dirty="0" err="1"/>
+              <a:t>h:body</a:t>
+            </a:r>
+            <a:r>
+              <a:rPr lang="en-IN" dirty="0"/>
+              <a:t>&gt;</a:t>
+            </a:r>
+          </a:p>
+          <a:p>
+            <a:pPr marL="0" indent="0">
+              <a:buNone/>
+            </a:pPr>
+            <a:r>
+              <a:rPr lang="en-IN" dirty="0"/>
+              <a:t>        Length : #{</a:t>
+            </a:r>
+            <a:r>
+              <a:rPr lang="en-IN" dirty="0" err="1"/>
+              <a:t>calBean.len</a:t>
+            </a:r>
+            <a:r>
+              <a:rPr lang="en-IN" dirty="0"/>
+              <a:t>}</a:t>
+            </a:r>
+          </a:p>
+          <a:p>
+            <a:pPr marL="0" indent="0">
+              <a:buNone/>
+            </a:pPr>
+            <a:r>
+              <a:rPr lang="en-IN" dirty="0"/>
+              <a:t>        Breath : #{calBean.br}</a:t>
+            </a:r>
+          </a:p>
+          <a:p>
+            <a:pPr marL="0" indent="0">
+              <a:buNone/>
+            </a:pPr>
+            <a:r>
+              <a:rPr lang="en-IN" dirty="0"/>
+              <a:t>        Area : #{</a:t>
+            </a:r>
+            <a:r>
+              <a:rPr lang="en-IN" dirty="0" err="1"/>
+              <a:t>calBean.area</a:t>
+            </a:r>
+            <a:r>
+              <a:rPr lang="en-IN" dirty="0"/>
+              <a:t>()}</a:t>
+            </a:r>
+          </a:p>
+          <a:p>
+            <a:pPr marL="0" indent="0">
+              <a:buNone/>
+            </a:pPr>
+            <a:r>
+              <a:rPr lang="en-IN" dirty="0"/>
+              <a:t>    &lt;/</a:t>
+            </a:r>
+            <a:r>
+              <a:rPr lang="en-IN" dirty="0" err="1"/>
+              <a:t>h:body</a:t>
+            </a:r>
+            <a:r>
+              <a:rPr lang="en-IN" dirty="0"/>
+              <a:t>&gt;</a:t>
+            </a:r>
+          </a:p>
+          <a:p>
+            <a:pPr marL="0" indent="0">
+              <a:buNone/>
+            </a:pPr>
+            <a:r>
+              <a:rPr lang="en-IN" dirty="0"/>
+              <a:t>&lt;/html&gt;</a:t>
+            </a:r>
+          </a:p>
+          <a:p>
+            <a:pPr marL="0" indent="0">
+              <a:buNone/>
+            </a:pPr>
+            <a:endParaRPr lang="en-IN" dirty="0"/>
+          </a:p>
+          <a:p>
+            <a:pPr marL="0" indent="0">
+              <a:buNone/>
+            </a:pPr>
+            <a:endParaRPr lang="en-IN" dirty="0"/>
+          </a:p>
+        </p:txBody>
+      </p:sp>
+      <p:sp>
+        <p:nvSpPr>
+          <p:cNvPr id="5" name="Rectangle 4">
+            <a:extLst>
+              <a:ext uri="{FF2B5EF4-FFF2-40B4-BE49-F238E27FC236}">
+                <a16:creationId xmlns:a16="http://schemas.microsoft.com/office/drawing/2014/main" id="{4884956B-BE95-45CE-9756-2627219533D8}"/>
+              </a:ext>
+            </a:extLst>
+          </p:cNvPr>
+          <p:cNvSpPr/>
+          <p:nvPr/>
+        </p:nvSpPr>
+        <p:spPr>
+          <a:xfrm>
+            <a:off x="1066800" y="4358640"/>
+            <a:ext cx="2885440" cy="924560"/>
+          </a:xfrm>
+          <a:prstGeom prst="rect">
+            <a:avLst/>
+          </a:prstGeom>
+          <a:noFill/>
+        </p:spPr>
+        <p:style>
+          <a:lnRef idx="2">
+            <a:schemeClr val="accent1">
+              <a:shade val="50000"/>
+            </a:schemeClr>
+          </a:lnRef>
+          <a:fillRef idx="1">
+            <a:schemeClr val="accent1"/>
+          </a:fillRef>
+          <a:effectRef idx="0">
+            <a:schemeClr val="accent1"/>
+          </a:effectRef>
+          <a:fontRef idx="minor">
+            <a:schemeClr val="lt1"/>
+          </a:fontRef>
+        </p:style>
+        <p:txBody>
+          <a:bodyPr rtlCol="0" anchor="ctr"/>
+          <a:lstStyle/>
+          <a:p>
+            <a:pPr algn="ctr"/>
+            <a:endParaRPr lang="en-IN"/>
+          </a:p>
+        </p:txBody>
+      </p:sp>
+    </p:spTree>
+    <p:custDataLst>
+      <p:tags r:id="rId1"/>
+    </p:custDataLst>
+    <p:extLst>
+      <p:ext uri="{BB962C8B-B14F-4D97-AF65-F5344CB8AC3E}">
+        <p14:creationId xmlns:p14="http://schemas.microsoft.com/office/powerpoint/2010/main" val="3167509684"/>
+      </p:ext>
+    </p:extLst>
+  </p:cSld>
+  <p:clrMapOvr>
+    <a:masterClrMapping/>
+  </p:clrMapOvr>
+  <p:timing>
+    <p:tnLst>
+      <p:par>
+        <p:cTn id="1" dur="indefinite" restart="never" nodeType="tmRoot"/>
+      </p:par>
+    </p:tnLst>
+  </p:timing>
+</p:sld>
+</file>
+
+<file path=ppt/slides/slide31.xml><?xml version="1.0" encoding="utf-8"?>
+<p:sld xmlns:a="http://schemas.openxmlformats.org/drawingml/2006/main" xmlns:r="http://schemas.openxmlformats.org/officeDocument/2006/relationships" xmlns:p="http://schemas.openxmlformats.org/presentationml/2006/main">
+  <p:cSld>
+    <p:spTree>
+      <p:nvGrpSpPr>
+        <p:cNvPr id="1" name=""/>
+        <p:cNvGrpSpPr/>
+        <p:nvPr/>
+      </p:nvGrpSpPr>
+      <p:grpSpPr>
+        <a:xfrm>
+          <a:off x="0" y="0"/>
+          <a:ext cx="0" cy="0"/>
+          <a:chOff x="0" y="0"/>
+          <a:chExt cx="0" cy="0"/>
+        </a:xfrm>
+      </p:grpSpPr>
+      <p:sp>
+        <p:nvSpPr>
+          <p:cNvPr id="2" name="Title 1">
+            <a:extLst>
+              <a:ext uri="{FF2B5EF4-FFF2-40B4-BE49-F238E27FC236}">
                 <a16:creationId xmlns:a16="http://schemas.microsoft.com/office/drawing/2014/main" id="{EE0A04FA-0F8F-460D-AE68-1BA5583C8FEB}"/>
               </a:ext>
             </a:extLst>
@@ -17036,7 +17293,7 @@
 </p:sld>
 </file>
 
-<file path=ppt/slides/slide31.xml><?xml version="1.0" encoding="utf-8"?>
+<file path=ppt/slides/slide32.xml><?xml version="1.0" encoding="utf-8"?>
 <p:sld xmlns:a="http://schemas.openxmlformats.org/drawingml/2006/main" xmlns:r="http://schemas.openxmlformats.org/officeDocument/2006/relationships" xmlns:p="http://schemas.openxmlformats.org/presentationml/2006/main">
   <p:cSld>
     <p:spTree>
@@ -17446,7 +17703,7 @@
 </p:sld>
 </file>
 
-<file path=ppt/slides/slide32.xml><?xml version="1.0" encoding="utf-8"?>
+<file path=ppt/slides/slide33.xml><?xml version="1.0" encoding="utf-8"?>
 <p:sld xmlns:a="http://schemas.openxmlformats.org/drawingml/2006/main" xmlns:r="http://schemas.openxmlformats.org/officeDocument/2006/relationships" xmlns:p="http://schemas.openxmlformats.org/presentationml/2006/main">
   <p:cSld>
     <p:spTree>
@@ -17820,7 +18077,7 @@
 </p:sld>
 </file>
 
-<file path=ppt/slides/slide33.xml><?xml version="1.0" encoding="utf-8"?>
+<file path=ppt/slides/slide34.xml><?xml version="1.0" encoding="utf-8"?>
 <p:sld xmlns:a="http://schemas.openxmlformats.org/drawingml/2006/main" xmlns:r="http://schemas.openxmlformats.org/officeDocument/2006/relationships" xmlns:p="http://schemas.openxmlformats.org/presentationml/2006/main">
   <p:cSld>
     <p:spTree>
@@ -18358,7 +18615,7 @@
 </p:sld>
 </file>
 
-<file path=ppt/slides/slide34.xml><?xml version="1.0" encoding="utf-8"?>
+<file path=ppt/slides/slide35.xml><?xml version="1.0" encoding="utf-8"?>
 <p:sld xmlns:a="http://schemas.openxmlformats.org/drawingml/2006/main" xmlns:r="http://schemas.openxmlformats.org/officeDocument/2006/relationships" xmlns:p="http://schemas.openxmlformats.org/presentationml/2006/main">
   <p:cSld>
     <p:spTree>
@@ -18832,7 +19089,7 @@
 </p:sld>
 </file>
 
-<file path=ppt/slides/slide35.xml><?xml version="1.0" encoding="utf-8"?>
+<file path=ppt/slides/slide36.xml><?xml version="1.0" encoding="utf-8"?>
 <p:sld xmlns:a="http://schemas.openxmlformats.org/drawingml/2006/main" xmlns:r="http://schemas.openxmlformats.org/officeDocument/2006/relationships" xmlns:p="http://schemas.openxmlformats.org/presentationml/2006/main">
   <p:cSld>
     <p:spTree>
@@ -19296,7 +19553,7 @@
 </p:sld>
 </file>
 
-<file path=ppt/slides/slide36.xml><?xml version="1.0" encoding="utf-8"?>
+<file path=ppt/slides/slide37.xml><?xml version="1.0" encoding="utf-8"?>
 <p:sld xmlns:a="http://schemas.openxmlformats.org/drawingml/2006/main" xmlns:r="http://schemas.openxmlformats.org/officeDocument/2006/relationships" xmlns:p="http://schemas.openxmlformats.org/presentationml/2006/main">
   <p:cSld>
     <p:spTree>
@@ -19882,7 +20139,7 @@
 </p:sld>
 </file>
 
-<file path=ppt/slides/slide37.xml><?xml version="1.0" encoding="utf-8"?>
+<file path=ppt/slides/slide38.xml><?xml version="1.0" encoding="utf-8"?>
 <p:sld xmlns:a="http://schemas.openxmlformats.org/drawingml/2006/main" xmlns:r="http://schemas.openxmlformats.org/officeDocument/2006/relationships" xmlns:p="http://schemas.openxmlformats.org/presentationml/2006/main">
   <p:cSld>
     <p:spTree>
@@ -19924,7 +20181,6 @@
               <a:rPr lang="en-IN" dirty="0"/>
               <a:t>Program 6: DATABASE ACCESS</a:t>
             </a:r>
-            <a:endParaRPr lang="en-IN" dirty="0"/>
           </a:p>
         </p:txBody>
       </p:sp>
@@ -20368,7 +20624,7 @@
 </p:sld>
 </file>
 
-<file path=ppt/slides/slide38.xml><?xml version="1.0" encoding="utf-8"?>
+<file path=ppt/slides/slide39.xml><?xml version="1.0" encoding="utf-8"?>
 <p:sld xmlns:a="http://schemas.openxmlformats.org/drawingml/2006/main" xmlns:r="http://schemas.openxmlformats.org/officeDocument/2006/relationships" xmlns:p="http://schemas.openxmlformats.org/presentationml/2006/main">
   <p:cSld>
     <p:spTree>
@@ -20410,7 +20666,6 @@
               <a:rPr lang="en-IN" dirty="0"/>
               <a:t>Program 6: DATABASE ACCESS</a:t>
             </a:r>
-            <a:endParaRPr lang="en-IN" dirty="0"/>
           </a:p>
         </p:txBody>
       </p:sp>
@@ -20952,867 +21207,6 @@
               <a:t>User.java</a:t>
             </a:r>
             <a:endParaRPr lang="en-IN" dirty="0"/>
-          </a:p>
-        </p:txBody>
-      </p:sp>
-    </p:spTree>
-    <p:custDataLst>
-      <p:tags r:id="rId1"/>
-    </p:custDataLst>
-    <p:extLst>
-      <p:ext uri="{BB962C8B-B14F-4D97-AF65-F5344CB8AC3E}">
-        <p14:creationId xmlns:p14="http://schemas.microsoft.com/office/powerpoint/2010/main" val="4160412985"/>
-      </p:ext>
-    </p:extLst>
-  </p:cSld>
-  <p:clrMapOvr>
-    <a:masterClrMapping/>
-  </p:clrMapOvr>
-  <p:timing>
-    <p:tnLst>
-      <p:par>
-        <p:cTn id="1" dur="indefinite" restart="never" nodeType="tmRoot"/>
-      </p:par>
-    </p:tnLst>
-  </p:timing>
-</p:sld>
-</file>
-
-<file path=ppt/slides/slide39.xml><?xml version="1.0" encoding="utf-8"?>
-<p:sld xmlns:a="http://schemas.openxmlformats.org/drawingml/2006/main" xmlns:r="http://schemas.openxmlformats.org/officeDocument/2006/relationships" xmlns:p="http://schemas.openxmlformats.org/presentationml/2006/main">
-  <p:cSld>
-    <p:spTree>
-      <p:nvGrpSpPr>
-        <p:cNvPr id="1" name=""/>
-        <p:cNvGrpSpPr/>
-        <p:nvPr/>
-      </p:nvGrpSpPr>
-      <p:grpSpPr>
-        <a:xfrm>
-          <a:off x="0" y="0"/>
-          <a:ext cx="0" cy="0"/>
-          <a:chOff x="0" y="0"/>
-          <a:chExt cx="0" cy="0"/>
-        </a:xfrm>
-      </p:grpSpPr>
-      <p:sp>
-        <p:nvSpPr>
-          <p:cNvPr id="2" name="Title 1">
-            <a:extLst>
-              <a:ext uri="{FF2B5EF4-FFF2-40B4-BE49-F238E27FC236}">
-                <a16:creationId xmlns:a16="http://schemas.microsoft.com/office/drawing/2014/main" id="{DDDBA250-7F45-476F-9464-57C62F4A9BDA}"/>
-              </a:ext>
-            </a:extLst>
-          </p:cNvPr>
-          <p:cNvSpPr>
-            <a:spLocks noGrp="1"/>
-          </p:cNvSpPr>
-          <p:nvPr>
-            <p:ph type="title"/>
-          </p:nvPr>
-        </p:nvSpPr>
-        <p:spPr/>
-        <p:txBody>
-          <a:bodyPr/>
-          <a:lstStyle/>
-          <a:p>
-            <a:r>
-              <a:rPr lang="en-IN" dirty="0"/>
-              <a:t>Program 6: DATABASE ACCESS</a:t>
-            </a:r>
-            <a:endParaRPr lang="en-IN" dirty="0"/>
-          </a:p>
-        </p:txBody>
-      </p:sp>
-      <p:sp>
-        <p:nvSpPr>
-          <p:cNvPr id="3" name="Content Placeholder 2">
-            <a:extLst>
-              <a:ext uri="{FF2B5EF4-FFF2-40B4-BE49-F238E27FC236}">
-                <a16:creationId xmlns:a16="http://schemas.microsoft.com/office/drawing/2014/main" id="{E44D1FED-D297-406A-9115-1E15F15458A4}"/>
-              </a:ext>
-            </a:extLst>
-          </p:cNvPr>
-          <p:cNvSpPr>
-            <a:spLocks noGrp="1"/>
-          </p:cNvSpPr>
-          <p:nvPr>
-            <p:ph idx="1"/>
-          </p:nvPr>
-        </p:nvSpPr>
-        <p:spPr/>
-        <p:txBody>
-          <a:bodyPr numCol="2">
-            <a:normAutofit fontScale="62500" lnSpcReduction="20000"/>
-          </a:bodyPr>
-          <a:lstStyle/>
-          <a:p>
-            <a:pPr marL="0" indent="0">
-              <a:lnSpc>
-                <a:spcPct val="120000"/>
-              </a:lnSpc>
-              <a:spcBef>
-                <a:spcPts val="0"/>
-              </a:spcBef>
-              <a:buNone/>
-            </a:pPr>
-            <a:r>
-              <a:rPr lang="en-IN" dirty="0"/>
-              <a:t>    public </a:t>
-            </a:r>
-            <a:r>
-              <a:rPr lang="en-IN" dirty="0" err="1"/>
-              <a:t>boolean</a:t>
-            </a:r>
-            <a:r>
-              <a:rPr lang="en-IN" dirty="0"/>
-              <a:t> save(){</a:t>
-            </a:r>
-          </a:p>
-          <a:p>
-            <a:pPr marL="0" indent="0">
-              <a:lnSpc>
-                <a:spcPct val="120000"/>
-              </a:lnSpc>
-              <a:spcBef>
-                <a:spcPts val="0"/>
-              </a:spcBef>
-              <a:buNone/>
-            </a:pPr>
-            <a:r>
-              <a:rPr lang="en-IN" dirty="0"/>
-              <a:t>       </a:t>
-            </a:r>
-            <a:r>
-              <a:rPr lang="en-IN" dirty="0" err="1"/>
-              <a:t>int</a:t>
-            </a:r>
-            <a:r>
-              <a:rPr lang="en-IN" dirty="0"/>
-              <a:t> result = 0;  </a:t>
-            </a:r>
-          </a:p>
-          <a:p>
-            <a:pPr marL="0" indent="0">
-              <a:lnSpc>
-                <a:spcPct val="120000"/>
-              </a:lnSpc>
-              <a:spcBef>
-                <a:spcPts val="0"/>
-              </a:spcBef>
-              <a:buNone/>
-            </a:pPr>
-            <a:r>
-              <a:rPr lang="en-IN" dirty="0"/>
-              <a:t>    try{  </a:t>
-            </a:r>
-          </a:p>
-          <a:p>
-            <a:pPr marL="0" indent="0">
-              <a:lnSpc>
-                <a:spcPct val="120000"/>
-              </a:lnSpc>
-              <a:spcBef>
-                <a:spcPts val="0"/>
-              </a:spcBef>
-              <a:buNone/>
-            </a:pPr>
-            <a:r>
-              <a:rPr lang="en-IN" dirty="0"/>
-              <a:t>        </a:t>
-            </a:r>
-            <a:r>
-              <a:rPr lang="en-IN" dirty="0" err="1"/>
-              <a:t>Class.forName</a:t>
-            </a:r>
-            <a:r>
-              <a:rPr lang="en-IN" dirty="0"/>
-              <a:t>("</a:t>
-            </a:r>
-            <a:r>
-              <a:rPr lang="en-IN" dirty="0" err="1"/>
-              <a:t>com.mysql.jdbc.Driver</a:t>
-            </a:r>
-            <a:r>
-              <a:rPr lang="en-IN" dirty="0"/>
-              <a:t>");     </a:t>
-            </a:r>
-          </a:p>
-          <a:p>
-            <a:pPr marL="0" indent="0">
-              <a:lnSpc>
-                <a:spcPct val="120000"/>
-              </a:lnSpc>
-              <a:spcBef>
-                <a:spcPts val="0"/>
-              </a:spcBef>
-              <a:buNone/>
-            </a:pPr>
-            <a:r>
-              <a:rPr lang="en-IN" dirty="0"/>
-              <a:t>        Connection con = </a:t>
-            </a:r>
-            <a:r>
-              <a:rPr lang="en-IN" dirty="0" err="1"/>
-              <a:t>DriverManager.getConnection</a:t>
-            </a:r>
-            <a:r>
-              <a:rPr lang="en-IN" dirty="0"/>
-              <a:t>( "</a:t>
-            </a:r>
-            <a:r>
-              <a:rPr lang="en-IN" dirty="0" err="1"/>
-              <a:t>jdbc:mysql</a:t>
-            </a:r>
-            <a:r>
-              <a:rPr lang="en-IN" dirty="0"/>
-              <a:t>://localhost:3306/</a:t>
-            </a:r>
-            <a:r>
-              <a:rPr lang="en-IN" dirty="0" err="1"/>
-              <a:t>Emp</a:t>
-            </a:r>
-            <a:r>
-              <a:rPr lang="en-IN" dirty="0"/>
-              <a:t>","root</a:t>
-            </a:r>
-            <a:r>
-              <a:rPr lang="en-IN" dirty="0" smtClean="0"/>
-              <a:t>","");  </a:t>
-            </a:r>
-            <a:endParaRPr lang="en-IN" dirty="0"/>
-          </a:p>
-          <a:p>
-            <a:pPr marL="0" indent="0">
-              <a:lnSpc>
-                <a:spcPct val="120000"/>
-              </a:lnSpc>
-              <a:spcBef>
-                <a:spcPts val="0"/>
-              </a:spcBef>
-              <a:buNone/>
-            </a:pPr>
-            <a:r>
-              <a:rPr lang="en-IN" dirty="0"/>
-              <a:t>        </a:t>
-            </a:r>
-            <a:r>
-              <a:rPr lang="en-IN" dirty="0" err="1"/>
-              <a:t>PreparedStatement</a:t>
-            </a:r>
-            <a:r>
-              <a:rPr lang="en-IN" dirty="0"/>
-              <a:t> </a:t>
-            </a:r>
-            <a:r>
-              <a:rPr lang="en-IN" dirty="0" err="1"/>
-              <a:t>stmt</a:t>
-            </a:r>
-            <a:r>
-              <a:rPr lang="en-IN" dirty="0"/>
-              <a:t> = </a:t>
-            </a:r>
-            <a:r>
-              <a:rPr lang="en-IN" dirty="0" err="1"/>
-              <a:t>con.prepareStatement</a:t>
-            </a:r>
-            <a:r>
-              <a:rPr lang="en-IN" dirty="0"/>
-              <a:t>("insert into user(</a:t>
-            </a:r>
-            <a:r>
-              <a:rPr lang="en-IN" dirty="0" err="1"/>
-              <a:t>name,email</a:t>
-            </a:r>
-            <a:r>
-              <a:rPr lang="en-IN" dirty="0"/>
-              <a:t>) values(?,?)");  </a:t>
-            </a:r>
-          </a:p>
-          <a:p>
-            <a:pPr marL="0" indent="0">
-              <a:lnSpc>
-                <a:spcPct val="120000"/>
-              </a:lnSpc>
-              <a:spcBef>
-                <a:spcPts val="0"/>
-              </a:spcBef>
-              <a:buNone/>
-            </a:pPr>
-            <a:r>
-              <a:rPr lang="en-IN" dirty="0"/>
-              <a:t>        </a:t>
-            </a:r>
-            <a:r>
-              <a:rPr lang="en-IN" dirty="0" err="1"/>
-              <a:t>stmt.setString</a:t>
-            </a:r>
-            <a:r>
-              <a:rPr lang="en-IN" dirty="0"/>
-              <a:t>(1, </a:t>
-            </a:r>
-            <a:r>
-              <a:rPr lang="en-IN" dirty="0" err="1"/>
-              <a:t>this.getUname</a:t>
-            </a:r>
-            <a:r>
-              <a:rPr lang="en-IN" dirty="0"/>
-              <a:t>());  </a:t>
-            </a:r>
-          </a:p>
-          <a:p>
-            <a:pPr marL="0" indent="0">
-              <a:lnSpc>
-                <a:spcPct val="120000"/>
-              </a:lnSpc>
-              <a:spcBef>
-                <a:spcPts val="0"/>
-              </a:spcBef>
-              <a:buNone/>
-            </a:pPr>
-            <a:r>
-              <a:rPr lang="en-IN" dirty="0"/>
-              <a:t>        </a:t>
-            </a:r>
-            <a:r>
-              <a:rPr lang="en-IN" dirty="0" err="1"/>
-              <a:t>stmt.setString</a:t>
-            </a:r>
-            <a:r>
-              <a:rPr lang="en-IN" dirty="0"/>
-              <a:t>(2, </a:t>
-            </a:r>
-            <a:r>
-              <a:rPr lang="en-IN" dirty="0" err="1"/>
-              <a:t>this.getEmail</a:t>
-            </a:r>
-            <a:r>
-              <a:rPr lang="en-IN" dirty="0"/>
-              <a:t>());  </a:t>
-            </a:r>
-          </a:p>
-          <a:p>
-            <a:pPr marL="0" indent="0">
-              <a:lnSpc>
-                <a:spcPct val="120000"/>
-              </a:lnSpc>
-              <a:spcBef>
-                <a:spcPts val="0"/>
-              </a:spcBef>
-              <a:buNone/>
-            </a:pPr>
-            <a:r>
-              <a:rPr lang="en-IN" dirty="0"/>
-              <a:t>        result = </a:t>
-            </a:r>
-            <a:r>
-              <a:rPr lang="en-IN" dirty="0" err="1"/>
-              <a:t>stmt.executeUpdate</a:t>
-            </a:r>
-            <a:r>
-              <a:rPr lang="en-IN" dirty="0"/>
-              <a:t>();  </a:t>
-            </a:r>
-          </a:p>
-          <a:p>
-            <a:pPr marL="0" indent="0">
-              <a:lnSpc>
-                <a:spcPct val="120000"/>
-              </a:lnSpc>
-              <a:spcBef>
-                <a:spcPts val="0"/>
-              </a:spcBef>
-              <a:buNone/>
-            </a:pPr>
-            <a:r>
-              <a:rPr lang="en-IN" dirty="0"/>
-              <a:t>    }catch(Exception e){  </a:t>
-            </a:r>
-          </a:p>
-          <a:p>
-            <a:pPr marL="0" indent="0">
-              <a:lnSpc>
-                <a:spcPct val="120000"/>
-              </a:lnSpc>
-              <a:spcBef>
-                <a:spcPts val="0"/>
-              </a:spcBef>
-              <a:buNone/>
-            </a:pPr>
-            <a:r>
-              <a:rPr lang="en-IN" dirty="0"/>
-              <a:t>        </a:t>
-            </a:r>
-            <a:r>
-              <a:rPr lang="en-IN" dirty="0" err="1"/>
-              <a:t>System.out.println</a:t>
-            </a:r>
-            <a:r>
-              <a:rPr lang="en-IN" dirty="0"/>
-              <a:t>(e);  </a:t>
-            </a:r>
-          </a:p>
-          <a:p>
-            <a:pPr marL="0" indent="0">
-              <a:lnSpc>
-                <a:spcPct val="120000"/>
-              </a:lnSpc>
-              <a:spcBef>
-                <a:spcPts val="0"/>
-              </a:spcBef>
-              <a:buNone/>
-            </a:pPr>
-            <a:r>
-              <a:rPr lang="en-IN" dirty="0"/>
-              <a:t>    }  </a:t>
-            </a:r>
-          </a:p>
-          <a:p>
-            <a:pPr marL="0" indent="0">
-              <a:lnSpc>
-                <a:spcPct val="120000"/>
-              </a:lnSpc>
-              <a:spcBef>
-                <a:spcPts val="0"/>
-              </a:spcBef>
-              <a:buNone/>
-            </a:pPr>
-            <a:r>
-              <a:rPr lang="en-IN" dirty="0"/>
-              <a:t>    if(result == 1){  </a:t>
-            </a:r>
-          </a:p>
-          <a:p>
-            <a:pPr marL="0" indent="0">
-              <a:lnSpc>
-                <a:spcPct val="120000"/>
-              </a:lnSpc>
-              <a:spcBef>
-                <a:spcPts val="0"/>
-              </a:spcBef>
-              <a:buNone/>
-            </a:pPr>
-            <a:r>
-              <a:rPr lang="en-IN" dirty="0"/>
-              <a:t>        return true;  </a:t>
-            </a:r>
-          </a:p>
-          <a:p>
-            <a:pPr marL="0" indent="0">
-              <a:lnSpc>
-                <a:spcPct val="120000"/>
-              </a:lnSpc>
-              <a:spcBef>
-                <a:spcPts val="0"/>
-              </a:spcBef>
-              <a:buNone/>
-            </a:pPr>
-            <a:r>
-              <a:rPr lang="en-IN" dirty="0"/>
-              <a:t>    }else </a:t>
-            </a:r>
-          </a:p>
-          <a:p>
-            <a:pPr marL="0" indent="0">
-              <a:lnSpc>
-                <a:spcPct val="120000"/>
-              </a:lnSpc>
-              <a:spcBef>
-                <a:spcPts val="0"/>
-              </a:spcBef>
-              <a:buNone/>
-            </a:pPr>
-            <a:r>
-              <a:rPr lang="en-IN" dirty="0"/>
-              <a:t>        return false;  </a:t>
-            </a:r>
-          </a:p>
-          <a:p>
-            <a:pPr marL="0" indent="0">
-              <a:lnSpc>
-                <a:spcPct val="120000"/>
-              </a:lnSpc>
-              <a:spcBef>
-                <a:spcPts val="0"/>
-              </a:spcBef>
-              <a:buNone/>
-            </a:pPr>
-            <a:r>
-              <a:rPr lang="en-IN" dirty="0"/>
-              <a:t>    }</a:t>
-            </a:r>
-          </a:p>
-          <a:p>
-            <a:pPr marL="0" indent="0">
-              <a:lnSpc>
-                <a:spcPct val="120000"/>
-              </a:lnSpc>
-              <a:spcBef>
-                <a:spcPts val="0"/>
-              </a:spcBef>
-              <a:buNone/>
-            </a:pPr>
-            <a:r>
-              <a:rPr lang="en-IN" dirty="0"/>
-              <a:t>    </a:t>
-            </a:r>
-          </a:p>
-          <a:p>
-            <a:pPr marL="0" indent="0">
-              <a:lnSpc>
-                <a:spcPct val="120000"/>
-              </a:lnSpc>
-              <a:spcBef>
-                <a:spcPts val="0"/>
-              </a:spcBef>
-              <a:buNone/>
-            </a:pPr>
-            <a:r>
-              <a:rPr lang="en-IN" dirty="0"/>
-              <a:t>    public String submit(){  </a:t>
-            </a:r>
-          </a:p>
-          <a:p>
-            <a:pPr marL="0" indent="0">
-              <a:lnSpc>
-                <a:spcPct val="120000"/>
-              </a:lnSpc>
-              <a:spcBef>
-                <a:spcPts val="0"/>
-              </a:spcBef>
-              <a:buNone/>
-            </a:pPr>
-            <a:r>
-              <a:rPr lang="en-IN" dirty="0"/>
-              <a:t>        if(</a:t>
-            </a:r>
-            <a:r>
-              <a:rPr lang="en-IN" dirty="0" err="1"/>
-              <a:t>this.save</a:t>
-            </a:r>
-            <a:r>
-              <a:rPr lang="en-IN" dirty="0"/>
-              <a:t>()){</a:t>
-            </a:r>
-          </a:p>
-          <a:p>
-            <a:pPr marL="0" indent="0">
-              <a:lnSpc>
-                <a:spcPct val="120000"/>
-              </a:lnSpc>
-              <a:spcBef>
-                <a:spcPts val="0"/>
-              </a:spcBef>
-              <a:buNone/>
-            </a:pPr>
-            <a:r>
-              <a:rPr lang="en-IN" dirty="0"/>
-              <a:t>            return "</a:t>
-            </a:r>
-            <a:r>
-              <a:rPr lang="en-IN" dirty="0" err="1"/>
-              <a:t>response.xhtml</a:t>
-            </a:r>
-            <a:r>
-              <a:rPr lang="en-IN" dirty="0"/>
-              <a:t>";</a:t>
-            </a:r>
-          </a:p>
-          <a:p>
-            <a:pPr marL="0" indent="0">
-              <a:lnSpc>
-                <a:spcPct val="120000"/>
-              </a:lnSpc>
-              <a:spcBef>
-                <a:spcPts val="0"/>
-              </a:spcBef>
-              <a:buNone/>
-            </a:pPr>
-            <a:r>
-              <a:rPr lang="en-IN" dirty="0"/>
-              <a:t>        }else{</a:t>
-            </a:r>
-          </a:p>
-          <a:p>
-            <a:pPr marL="0" indent="0">
-              <a:lnSpc>
-                <a:spcPct val="120000"/>
-              </a:lnSpc>
-              <a:spcBef>
-                <a:spcPts val="0"/>
-              </a:spcBef>
-              <a:buNone/>
-            </a:pPr>
-            <a:r>
-              <a:rPr lang="en-IN" dirty="0"/>
-              <a:t>            return "</a:t>
-            </a:r>
-            <a:r>
-              <a:rPr lang="en-IN" dirty="0" err="1"/>
-              <a:t>index.xhtml</a:t>
-            </a:r>
-            <a:r>
-              <a:rPr lang="en-IN" dirty="0"/>
-              <a:t>";</a:t>
-            </a:r>
-          </a:p>
-          <a:p>
-            <a:pPr marL="0" indent="0">
-              <a:lnSpc>
-                <a:spcPct val="120000"/>
-              </a:lnSpc>
-              <a:spcBef>
-                <a:spcPts val="0"/>
-              </a:spcBef>
-              <a:buNone/>
-            </a:pPr>
-            <a:r>
-              <a:rPr lang="en-IN" dirty="0"/>
-              <a:t>        }       </a:t>
-            </a:r>
-          </a:p>
-          <a:p>
-            <a:pPr marL="0" indent="0">
-              <a:lnSpc>
-                <a:spcPct val="120000"/>
-              </a:lnSpc>
-              <a:spcBef>
-                <a:spcPts val="0"/>
-              </a:spcBef>
-              <a:buNone/>
-            </a:pPr>
-            <a:r>
-              <a:rPr lang="en-IN" dirty="0"/>
-              <a:t>    }</a:t>
-            </a:r>
-          </a:p>
-          <a:p>
-            <a:pPr marL="0" indent="0">
-              <a:lnSpc>
-                <a:spcPct val="120000"/>
-              </a:lnSpc>
-              <a:spcBef>
-                <a:spcPts val="0"/>
-              </a:spcBef>
-              <a:buNone/>
-            </a:pPr>
-            <a:r>
-              <a:rPr lang="en-IN" dirty="0"/>
-              <a:t>}</a:t>
-            </a:r>
-          </a:p>
-        </p:txBody>
-      </p:sp>
-      <p:cxnSp>
-        <p:nvCxnSpPr>
-          <p:cNvPr id="5" name="Straight Connector 4">
-            <a:extLst>
-              <a:ext uri="{FF2B5EF4-FFF2-40B4-BE49-F238E27FC236}">
-                <a16:creationId xmlns:a16="http://schemas.microsoft.com/office/drawing/2014/main" id="{860468DD-A9DC-460D-B167-3E305415F442}"/>
-              </a:ext>
-            </a:extLst>
-          </p:cNvPr>
-          <p:cNvCxnSpPr>
-            <a:cxnSpLocks/>
-          </p:cNvCxnSpPr>
-          <p:nvPr/>
-        </p:nvCxnSpPr>
-        <p:spPr>
-          <a:xfrm>
-            <a:off x="6056244" y="1825625"/>
-            <a:ext cx="0" cy="4351338"/>
-          </a:xfrm>
-          <a:prstGeom prst="line">
-            <a:avLst/>
-          </a:prstGeom>
-        </p:spPr>
-        <p:style>
-          <a:lnRef idx="1">
-            <a:schemeClr val="accent1"/>
-          </a:lnRef>
-          <a:fillRef idx="0">
-            <a:schemeClr val="accent1"/>
-          </a:fillRef>
-          <a:effectRef idx="0">
-            <a:schemeClr val="accent1"/>
-          </a:effectRef>
-          <a:fontRef idx="minor">
-            <a:schemeClr val="tx1"/>
-          </a:fontRef>
-        </p:style>
-      </p:cxnSp>
-      <p:sp>
-        <p:nvSpPr>
-          <p:cNvPr id="6" name="Rectangle 5">
-            <a:extLst>
-              <a:ext uri="{FF2B5EF4-FFF2-40B4-BE49-F238E27FC236}">
-                <a16:creationId xmlns:a16="http://schemas.microsoft.com/office/drawing/2014/main" id="{33C4E48D-98D0-4BBA-8E80-151AC3939DFB}"/>
-              </a:ext>
-            </a:extLst>
-          </p:cNvPr>
-          <p:cNvSpPr/>
-          <p:nvPr/>
-        </p:nvSpPr>
-        <p:spPr>
-          <a:xfrm>
-            <a:off x="838200" y="1717331"/>
-            <a:ext cx="10591800" cy="4459632"/>
-          </a:xfrm>
-          <a:prstGeom prst="rect">
-            <a:avLst/>
-          </a:prstGeom>
-          <a:noFill/>
-        </p:spPr>
-        <p:style>
-          <a:lnRef idx="2">
-            <a:schemeClr val="accent6"/>
-          </a:lnRef>
-          <a:fillRef idx="1">
-            <a:schemeClr val="lt1"/>
-          </a:fillRef>
-          <a:effectRef idx="0">
-            <a:schemeClr val="accent6"/>
-          </a:effectRef>
-          <a:fontRef idx="minor">
-            <a:schemeClr val="dk1"/>
-          </a:fontRef>
-        </p:style>
-        <p:txBody>
-          <a:bodyPr rtlCol="0" anchor="ctr"/>
-          <a:lstStyle/>
-          <a:p>
-            <a:pPr algn="ctr"/>
-            <a:endParaRPr lang="en-IN"/>
-          </a:p>
-        </p:txBody>
-      </p:sp>
-      <p:sp>
-        <p:nvSpPr>
-          <p:cNvPr id="7" name="Rectangle 6">
-            <a:extLst>
-              <a:ext uri="{FF2B5EF4-FFF2-40B4-BE49-F238E27FC236}">
-                <a16:creationId xmlns:a16="http://schemas.microsoft.com/office/drawing/2014/main" id="{1440BDA8-FDDD-47CD-9E26-74D3942126EA}"/>
-              </a:ext>
-            </a:extLst>
-          </p:cNvPr>
-          <p:cNvSpPr/>
-          <p:nvPr/>
-        </p:nvSpPr>
-        <p:spPr>
-          <a:xfrm>
-            <a:off x="824947" y="1357938"/>
-            <a:ext cx="1938130" cy="369332"/>
-          </a:xfrm>
-          <a:prstGeom prst="rect">
-            <a:avLst/>
-          </a:prstGeom>
-          <a:noFill/>
-        </p:spPr>
-        <p:style>
-          <a:lnRef idx="2">
-            <a:schemeClr val="accent1">
-              <a:shade val="50000"/>
-            </a:schemeClr>
-          </a:lnRef>
-          <a:fillRef idx="1">
-            <a:schemeClr val="accent1"/>
-          </a:fillRef>
-          <a:effectRef idx="0">
-            <a:schemeClr val="accent1"/>
-          </a:effectRef>
-          <a:fontRef idx="minor">
-            <a:schemeClr val="lt1"/>
-          </a:fontRef>
-        </p:style>
-        <p:txBody>
-          <a:bodyPr rtlCol="0" anchor="ctr"/>
-          <a:lstStyle/>
-          <a:p>
-            <a:pPr algn="ctr"/>
-            <a:endParaRPr lang="en-IN"/>
-          </a:p>
-        </p:txBody>
-      </p:sp>
-      <p:sp>
-        <p:nvSpPr>
-          <p:cNvPr id="8" name="TextBox 7">
-            <a:extLst>
-              <a:ext uri="{FF2B5EF4-FFF2-40B4-BE49-F238E27FC236}">
-                <a16:creationId xmlns:a16="http://schemas.microsoft.com/office/drawing/2014/main" id="{92516C2F-F1E1-4203-B932-0D3FDA9D1005}"/>
-              </a:ext>
-            </a:extLst>
-          </p:cNvPr>
-          <p:cNvSpPr txBox="1"/>
-          <p:nvPr/>
-        </p:nvSpPr>
-        <p:spPr>
-          <a:xfrm>
-            <a:off x="1003852" y="1338060"/>
-            <a:ext cx="1024639" cy="369332"/>
-          </a:xfrm>
-          <a:prstGeom prst="rect">
-            <a:avLst/>
-          </a:prstGeom>
-          <a:noFill/>
-        </p:spPr>
-        <p:txBody>
-          <a:bodyPr wrap="none" rtlCol="0">
-            <a:spAutoFit/>
-          </a:bodyPr>
-          <a:lstStyle/>
-          <a:p>
-            <a:r>
-              <a:rPr lang="en-US" dirty="0"/>
-              <a:t>User.java</a:t>
-            </a:r>
-            <a:endParaRPr lang="en-IN" dirty="0"/>
-          </a:p>
-        </p:txBody>
-      </p:sp>
-      <p:sp>
-        <p:nvSpPr>
-          <p:cNvPr id="4" name="Rectangle 3">
-            <a:extLst>
-              <a:ext uri="{FF2B5EF4-FFF2-40B4-BE49-F238E27FC236}">
-                <a16:creationId xmlns:a16="http://schemas.microsoft.com/office/drawing/2014/main" id="{9370A980-6F1A-448F-B987-BFB5239EBC24}"/>
-              </a:ext>
-            </a:extLst>
-          </p:cNvPr>
-          <p:cNvSpPr/>
-          <p:nvPr/>
-        </p:nvSpPr>
-        <p:spPr>
-          <a:xfrm>
-            <a:off x="878840" y="1845945"/>
-            <a:ext cx="5146034" cy="4189095"/>
-          </a:xfrm>
-          <a:prstGeom prst="rect">
-            <a:avLst/>
-          </a:prstGeom>
-          <a:noFill/>
-        </p:spPr>
-        <p:style>
-          <a:lnRef idx="2">
-            <a:schemeClr val="accent1">
-              <a:shade val="50000"/>
-            </a:schemeClr>
-          </a:lnRef>
-          <a:fillRef idx="1">
-            <a:schemeClr val="accent1"/>
-          </a:fillRef>
-          <a:effectRef idx="0">
-            <a:schemeClr val="accent1"/>
-          </a:effectRef>
-          <a:fontRef idx="minor">
-            <a:schemeClr val="lt1"/>
-          </a:fontRef>
-        </p:style>
-        <p:txBody>
-          <a:bodyPr rtlCol="0" anchor="ctr"/>
-          <a:lstStyle/>
-          <a:p>
-            <a:pPr algn="ctr"/>
-            <a:endParaRPr lang="en-IN"/>
           </a:p>
         </p:txBody>
       </p:sp>
@@ -22255,6 +21649,866 @@
 </p:sld>
 </file>
 
+<file path=ppt/slides/slide40.xml><?xml version="1.0" encoding="utf-8"?>
+<p:sld xmlns:a="http://schemas.openxmlformats.org/drawingml/2006/main" xmlns:r="http://schemas.openxmlformats.org/officeDocument/2006/relationships" xmlns:p="http://schemas.openxmlformats.org/presentationml/2006/main">
+  <p:cSld>
+    <p:spTree>
+      <p:nvGrpSpPr>
+        <p:cNvPr id="1" name=""/>
+        <p:cNvGrpSpPr/>
+        <p:nvPr/>
+      </p:nvGrpSpPr>
+      <p:grpSpPr>
+        <a:xfrm>
+          <a:off x="0" y="0"/>
+          <a:ext cx="0" cy="0"/>
+          <a:chOff x="0" y="0"/>
+          <a:chExt cx="0" cy="0"/>
+        </a:xfrm>
+      </p:grpSpPr>
+      <p:sp>
+        <p:nvSpPr>
+          <p:cNvPr id="2" name="Title 1">
+            <a:extLst>
+              <a:ext uri="{FF2B5EF4-FFF2-40B4-BE49-F238E27FC236}">
+                <a16:creationId xmlns:a16="http://schemas.microsoft.com/office/drawing/2014/main" id="{DDDBA250-7F45-476F-9464-57C62F4A9BDA}"/>
+              </a:ext>
+            </a:extLst>
+          </p:cNvPr>
+          <p:cNvSpPr>
+            <a:spLocks noGrp="1"/>
+          </p:cNvSpPr>
+          <p:nvPr>
+            <p:ph type="title"/>
+          </p:nvPr>
+        </p:nvSpPr>
+        <p:spPr/>
+        <p:txBody>
+          <a:bodyPr/>
+          <a:lstStyle/>
+          <a:p>
+            <a:r>
+              <a:rPr lang="en-IN" dirty="0"/>
+              <a:t>Program 6: DATABASE ACCESS</a:t>
+            </a:r>
+          </a:p>
+        </p:txBody>
+      </p:sp>
+      <p:sp>
+        <p:nvSpPr>
+          <p:cNvPr id="3" name="Content Placeholder 2">
+            <a:extLst>
+              <a:ext uri="{FF2B5EF4-FFF2-40B4-BE49-F238E27FC236}">
+                <a16:creationId xmlns:a16="http://schemas.microsoft.com/office/drawing/2014/main" id="{E44D1FED-D297-406A-9115-1E15F15458A4}"/>
+              </a:ext>
+            </a:extLst>
+          </p:cNvPr>
+          <p:cNvSpPr>
+            <a:spLocks noGrp="1"/>
+          </p:cNvSpPr>
+          <p:nvPr>
+            <p:ph idx="1"/>
+          </p:nvPr>
+        </p:nvSpPr>
+        <p:spPr/>
+        <p:txBody>
+          <a:bodyPr numCol="2">
+            <a:normAutofit fontScale="62500" lnSpcReduction="20000"/>
+          </a:bodyPr>
+          <a:lstStyle/>
+          <a:p>
+            <a:pPr marL="0" indent="0">
+              <a:lnSpc>
+                <a:spcPct val="120000"/>
+              </a:lnSpc>
+              <a:spcBef>
+                <a:spcPts val="0"/>
+              </a:spcBef>
+              <a:buNone/>
+            </a:pPr>
+            <a:r>
+              <a:rPr lang="en-IN" dirty="0"/>
+              <a:t>    public </a:t>
+            </a:r>
+            <a:r>
+              <a:rPr lang="en-IN" dirty="0" err="1"/>
+              <a:t>boolean</a:t>
+            </a:r>
+            <a:r>
+              <a:rPr lang="en-IN" dirty="0"/>
+              <a:t> save(){</a:t>
+            </a:r>
+          </a:p>
+          <a:p>
+            <a:pPr marL="0" indent="0">
+              <a:lnSpc>
+                <a:spcPct val="120000"/>
+              </a:lnSpc>
+              <a:spcBef>
+                <a:spcPts val="0"/>
+              </a:spcBef>
+              <a:buNone/>
+            </a:pPr>
+            <a:r>
+              <a:rPr lang="en-IN" dirty="0"/>
+              <a:t>       </a:t>
+            </a:r>
+            <a:r>
+              <a:rPr lang="en-IN" dirty="0" err="1"/>
+              <a:t>int</a:t>
+            </a:r>
+            <a:r>
+              <a:rPr lang="en-IN" dirty="0"/>
+              <a:t> result = 0;  </a:t>
+            </a:r>
+          </a:p>
+          <a:p>
+            <a:pPr marL="0" indent="0">
+              <a:lnSpc>
+                <a:spcPct val="120000"/>
+              </a:lnSpc>
+              <a:spcBef>
+                <a:spcPts val="0"/>
+              </a:spcBef>
+              <a:buNone/>
+            </a:pPr>
+            <a:r>
+              <a:rPr lang="en-IN" dirty="0"/>
+              <a:t>    try{  </a:t>
+            </a:r>
+          </a:p>
+          <a:p>
+            <a:pPr marL="0" indent="0">
+              <a:lnSpc>
+                <a:spcPct val="120000"/>
+              </a:lnSpc>
+              <a:spcBef>
+                <a:spcPts val="0"/>
+              </a:spcBef>
+              <a:buNone/>
+            </a:pPr>
+            <a:r>
+              <a:rPr lang="en-IN" dirty="0"/>
+              <a:t>        </a:t>
+            </a:r>
+            <a:r>
+              <a:rPr lang="en-IN" dirty="0" err="1"/>
+              <a:t>Class.forName</a:t>
+            </a:r>
+            <a:r>
+              <a:rPr lang="en-IN" dirty="0"/>
+              <a:t>("</a:t>
+            </a:r>
+            <a:r>
+              <a:rPr lang="en-IN" dirty="0" err="1"/>
+              <a:t>com.mysql.jdbc.Driver</a:t>
+            </a:r>
+            <a:r>
+              <a:rPr lang="en-IN" dirty="0"/>
+              <a:t>");     </a:t>
+            </a:r>
+          </a:p>
+          <a:p>
+            <a:pPr marL="0" indent="0">
+              <a:lnSpc>
+                <a:spcPct val="120000"/>
+              </a:lnSpc>
+              <a:spcBef>
+                <a:spcPts val="0"/>
+              </a:spcBef>
+              <a:buNone/>
+            </a:pPr>
+            <a:r>
+              <a:rPr lang="en-IN" dirty="0"/>
+              <a:t>        Connection con = </a:t>
+            </a:r>
+            <a:r>
+              <a:rPr lang="en-IN" dirty="0" err="1"/>
+              <a:t>DriverManager.getConnection</a:t>
+            </a:r>
+            <a:r>
+              <a:rPr lang="en-IN" dirty="0"/>
+              <a:t>( "</a:t>
+            </a:r>
+            <a:r>
+              <a:rPr lang="en-IN" dirty="0" err="1"/>
+              <a:t>jdbc:mysql</a:t>
+            </a:r>
+            <a:r>
+              <a:rPr lang="en-IN" dirty="0"/>
+              <a:t>://localhost:3306/</a:t>
+            </a:r>
+            <a:r>
+              <a:rPr lang="en-IN" dirty="0" err="1"/>
+              <a:t>Emp</a:t>
+            </a:r>
+            <a:r>
+              <a:rPr lang="en-IN" dirty="0"/>
+              <a:t>","root</a:t>
+            </a:r>
+            <a:r>
+              <a:rPr lang="en-IN" dirty="0" smtClean="0"/>
+              <a:t>","");  </a:t>
+            </a:r>
+            <a:endParaRPr lang="en-IN" dirty="0"/>
+          </a:p>
+          <a:p>
+            <a:pPr marL="0" indent="0">
+              <a:lnSpc>
+                <a:spcPct val="120000"/>
+              </a:lnSpc>
+              <a:spcBef>
+                <a:spcPts val="0"/>
+              </a:spcBef>
+              <a:buNone/>
+            </a:pPr>
+            <a:r>
+              <a:rPr lang="en-IN" dirty="0"/>
+              <a:t>        </a:t>
+            </a:r>
+            <a:r>
+              <a:rPr lang="en-IN" dirty="0" err="1"/>
+              <a:t>PreparedStatement</a:t>
+            </a:r>
+            <a:r>
+              <a:rPr lang="en-IN" dirty="0"/>
+              <a:t> </a:t>
+            </a:r>
+            <a:r>
+              <a:rPr lang="en-IN" dirty="0" err="1"/>
+              <a:t>stmt</a:t>
+            </a:r>
+            <a:r>
+              <a:rPr lang="en-IN" dirty="0"/>
+              <a:t> = </a:t>
+            </a:r>
+            <a:r>
+              <a:rPr lang="en-IN" dirty="0" err="1"/>
+              <a:t>con.prepareStatement</a:t>
+            </a:r>
+            <a:r>
+              <a:rPr lang="en-IN" dirty="0"/>
+              <a:t>("insert into user(</a:t>
+            </a:r>
+            <a:r>
+              <a:rPr lang="en-IN" dirty="0" err="1"/>
+              <a:t>name,email</a:t>
+            </a:r>
+            <a:r>
+              <a:rPr lang="en-IN" dirty="0"/>
+              <a:t>) values(?,?)");  </a:t>
+            </a:r>
+          </a:p>
+          <a:p>
+            <a:pPr marL="0" indent="0">
+              <a:lnSpc>
+                <a:spcPct val="120000"/>
+              </a:lnSpc>
+              <a:spcBef>
+                <a:spcPts val="0"/>
+              </a:spcBef>
+              <a:buNone/>
+            </a:pPr>
+            <a:r>
+              <a:rPr lang="en-IN" dirty="0"/>
+              <a:t>        </a:t>
+            </a:r>
+            <a:r>
+              <a:rPr lang="en-IN" dirty="0" err="1"/>
+              <a:t>stmt.setString</a:t>
+            </a:r>
+            <a:r>
+              <a:rPr lang="en-IN" dirty="0"/>
+              <a:t>(1, </a:t>
+            </a:r>
+            <a:r>
+              <a:rPr lang="en-IN" dirty="0" err="1"/>
+              <a:t>this.getUname</a:t>
+            </a:r>
+            <a:r>
+              <a:rPr lang="en-IN" dirty="0"/>
+              <a:t>());  </a:t>
+            </a:r>
+          </a:p>
+          <a:p>
+            <a:pPr marL="0" indent="0">
+              <a:lnSpc>
+                <a:spcPct val="120000"/>
+              </a:lnSpc>
+              <a:spcBef>
+                <a:spcPts val="0"/>
+              </a:spcBef>
+              <a:buNone/>
+            </a:pPr>
+            <a:r>
+              <a:rPr lang="en-IN" dirty="0"/>
+              <a:t>        </a:t>
+            </a:r>
+            <a:r>
+              <a:rPr lang="en-IN" dirty="0" err="1"/>
+              <a:t>stmt.setString</a:t>
+            </a:r>
+            <a:r>
+              <a:rPr lang="en-IN" dirty="0"/>
+              <a:t>(2, </a:t>
+            </a:r>
+            <a:r>
+              <a:rPr lang="en-IN" dirty="0" err="1"/>
+              <a:t>this.getEmail</a:t>
+            </a:r>
+            <a:r>
+              <a:rPr lang="en-IN" dirty="0"/>
+              <a:t>());  </a:t>
+            </a:r>
+          </a:p>
+          <a:p>
+            <a:pPr marL="0" indent="0">
+              <a:lnSpc>
+                <a:spcPct val="120000"/>
+              </a:lnSpc>
+              <a:spcBef>
+                <a:spcPts val="0"/>
+              </a:spcBef>
+              <a:buNone/>
+            </a:pPr>
+            <a:r>
+              <a:rPr lang="en-IN" dirty="0"/>
+              <a:t>        result = </a:t>
+            </a:r>
+            <a:r>
+              <a:rPr lang="en-IN" dirty="0" err="1"/>
+              <a:t>stmt.executeUpdate</a:t>
+            </a:r>
+            <a:r>
+              <a:rPr lang="en-IN" dirty="0"/>
+              <a:t>();  </a:t>
+            </a:r>
+          </a:p>
+          <a:p>
+            <a:pPr marL="0" indent="0">
+              <a:lnSpc>
+                <a:spcPct val="120000"/>
+              </a:lnSpc>
+              <a:spcBef>
+                <a:spcPts val="0"/>
+              </a:spcBef>
+              <a:buNone/>
+            </a:pPr>
+            <a:r>
+              <a:rPr lang="en-IN" dirty="0"/>
+              <a:t>    }catch(Exception e){  </a:t>
+            </a:r>
+          </a:p>
+          <a:p>
+            <a:pPr marL="0" indent="0">
+              <a:lnSpc>
+                <a:spcPct val="120000"/>
+              </a:lnSpc>
+              <a:spcBef>
+                <a:spcPts val="0"/>
+              </a:spcBef>
+              <a:buNone/>
+            </a:pPr>
+            <a:r>
+              <a:rPr lang="en-IN" dirty="0"/>
+              <a:t>        </a:t>
+            </a:r>
+            <a:r>
+              <a:rPr lang="en-IN" dirty="0" err="1"/>
+              <a:t>System.out.println</a:t>
+            </a:r>
+            <a:r>
+              <a:rPr lang="en-IN" dirty="0"/>
+              <a:t>(e);  </a:t>
+            </a:r>
+          </a:p>
+          <a:p>
+            <a:pPr marL="0" indent="0">
+              <a:lnSpc>
+                <a:spcPct val="120000"/>
+              </a:lnSpc>
+              <a:spcBef>
+                <a:spcPts val="0"/>
+              </a:spcBef>
+              <a:buNone/>
+            </a:pPr>
+            <a:r>
+              <a:rPr lang="en-IN" dirty="0"/>
+              <a:t>    }  </a:t>
+            </a:r>
+          </a:p>
+          <a:p>
+            <a:pPr marL="0" indent="0">
+              <a:lnSpc>
+                <a:spcPct val="120000"/>
+              </a:lnSpc>
+              <a:spcBef>
+                <a:spcPts val="0"/>
+              </a:spcBef>
+              <a:buNone/>
+            </a:pPr>
+            <a:r>
+              <a:rPr lang="en-IN" dirty="0"/>
+              <a:t>    if(result == 1){  </a:t>
+            </a:r>
+          </a:p>
+          <a:p>
+            <a:pPr marL="0" indent="0">
+              <a:lnSpc>
+                <a:spcPct val="120000"/>
+              </a:lnSpc>
+              <a:spcBef>
+                <a:spcPts val="0"/>
+              </a:spcBef>
+              <a:buNone/>
+            </a:pPr>
+            <a:r>
+              <a:rPr lang="en-IN" dirty="0"/>
+              <a:t>        return true;  </a:t>
+            </a:r>
+          </a:p>
+          <a:p>
+            <a:pPr marL="0" indent="0">
+              <a:lnSpc>
+                <a:spcPct val="120000"/>
+              </a:lnSpc>
+              <a:spcBef>
+                <a:spcPts val="0"/>
+              </a:spcBef>
+              <a:buNone/>
+            </a:pPr>
+            <a:r>
+              <a:rPr lang="en-IN" dirty="0"/>
+              <a:t>    }else </a:t>
+            </a:r>
+          </a:p>
+          <a:p>
+            <a:pPr marL="0" indent="0">
+              <a:lnSpc>
+                <a:spcPct val="120000"/>
+              </a:lnSpc>
+              <a:spcBef>
+                <a:spcPts val="0"/>
+              </a:spcBef>
+              <a:buNone/>
+            </a:pPr>
+            <a:r>
+              <a:rPr lang="en-IN" dirty="0"/>
+              <a:t>        return false;  </a:t>
+            </a:r>
+          </a:p>
+          <a:p>
+            <a:pPr marL="0" indent="0">
+              <a:lnSpc>
+                <a:spcPct val="120000"/>
+              </a:lnSpc>
+              <a:spcBef>
+                <a:spcPts val="0"/>
+              </a:spcBef>
+              <a:buNone/>
+            </a:pPr>
+            <a:r>
+              <a:rPr lang="en-IN" dirty="0"/>
+              <a:t>    }</a:t>
+            </a:r>
+          </a:p>
+          <a:p>
+            <a:pPr marL="0" indent="0">
+              <a:lnSpc>
+                <a:spcPct val="120000"/>
+              </a:lnSpc>
+              <a:spcBef>
+                <a:spcPts val="0"/>
+              </a:spcBef>
+              <a:buNone/>
+            </a:pPr>
+            <a:r>
+              <a:rPr lang="en-IN" dirty="0"/>
+              <a:t>    </a:t>
+            </a:r>
+          </a:p>
+          <a:p>
+            <a:pPr marL="0" indent="0">
+              <a:lnSpc>
+                <a:spcPct val="120000"/>
+              </a:lnSpc>
+              <a:spcBef>
+                <a:spcPts val="0"/>
+              </a:spcBef>
+              <a:buNone/>
+            </a:pPr>
+            <a:r>
+              <a:rPr lang="en-IN" dirty="0"/>
+              <a:t>    public String submit(){  </a:t>
+            </a:r>
+          </a:p>
+          <a:p>
+            <a:pPr marL="0" indent="0">
+              <a:lnSpc>
+                <a:spcPct val="120000"/>
+              </a:lnSpc>
+              <a:spcBef>
+                <a:spcPts val="0"/>
+              </a:spcBef>
+              <a:buNone/>
+            </a:pPr>
+            <a:r>
+              <a:rPr lang="en-IN" dirty="0"/>
+              <a:t>        if(</a:t>
+            </a:r>
+            <a:r>
+              <a:rPr lang="en-IN" dirty="0" err="1"/>
+              <a:t>this.save</a:t>
+            </a:r>
+            <a:r>
+              <a:rPr lang="en-IN" dirty="0"/>
+              <a:t>()){</a:t>
+            </a:r>
+          </a:p>
+          <a:p>
+            <a:pPr marL="0" indent="0">
+              <a:lnSpc>
+                <a:spcPct val="120000"/>
+              </a:lnSpc>
+              <a:spcBef>
+                <a:spcPts val="0"/>
+              </a:spcBef>
+              <a:buNone/>
+            </a:pPr>
+            <a:r>
+              <a:rPr lang="en-IN" dirty="0"/>
+              <a:t>            return "</a:t>
+            </a:r>
+            <a:r>
+              <a:rPr lang="en-IN" dirty="0" err="1"/>
+              <a:t>response.xhtml</a:t>
+            </a:r>
+            <a:r>
+              <a:rPr lang="en-IN" dirty="0"/>
+              <a:t>";</a:t>
+            </a:r>
+          </a:p>
+          <a:p>
+            <a:pPr marL="0" indent="0">
+              <a:lnSpc>
+                <a:spcPct val="120000"/>
+              </a:lnSpc>
+              <a:spcBef>
+                <a:spcPts val="0"/>
+              </a:spcBef>
+              <a:buNone/>
+            </a:pPr>
+            <a:r>
+              <a:rPr lang="en-IN" dirty="0"/>
+              <a:t>        }else{</a:t>
+            </a:r>
+          </a:p>
+          <a:p>
+            <a:pPr marL="0" indent="0">
+              <a:lnSpc>
+                <a:spcPct val="120000"/>
+              </a:lnSpc>
+              <a:spcBef>
+                <a:spcPts val="0"/>
+              </a:spcBef>
+              <a:buNone/>
+            </a:pPr>
+            <a:r>
+              <a:rPr lang="en-IN" dirty="0"/>
+              <a:t>            return "</a:t>
+            </a:r>
+            <a:r>
+              <a:rPr lang="en-IN" dirty="0" err="1"/>
+              <a:t>index.xhtml</a:t>
+            </a:r>
+            <a:r>
+              <a:rPr lang="en-IN" dirty="0"/>
+              <a:t>";</a:t>
+            </a:r>
+          </a:p>
+          <a:p>
+            <a:pPr marL="0" indent="0">
+              <a:lnSpc>
+                <a:spcPct val="120000"/>
+              </a:lnSpc>
+              <a:spcBef>
+                <a:spcPts val="0"/>
+              </a:spcBef>
+              <a:buNone/>
+            </a:pPr>
+            <a:r>
+              <a:rPr lang="en-IN" dirty="0"/>
+              <a:t>        }       </a:t>
+            </a:r>
+          </a:p>
+          <a:p>
+            <a:pPr marL="0" indent="0">
+              <a:lnSpc>
+                <a:spcPct val="120000"/>
+              </a:lnSpc>
+              <a:spcBef>
+                <a:spcPts val="0"/>
+              </a:spcBef>
+              <a:buNone/>
+            </a:pPr>
+            <a:r>
+              <a:rPr lang="en-IN" dirty="0"/>
+              <a:t>    }</a:t>
+            </a:r>
+          </a:p>
+          <a:p>
+            <a:pPr marL="0" indent="0">
+              <a:lnSpc>
+                <a:spcPct val="120000"/>
+              </a:lnSpc>
+              <a:spcBef>
+                <a:spcPts val="0"/>
+              </a:spcBef>
+              <a:buNone/>
+            </a:pPr>
+            <a:r>
+              <a:rPr lang="en-IN" dirty="0"/>
+              <a:t>}</a:t>
+            </a:r>
+          </a:p>
+        </p:txBody>
+      </p:sp>
+      <p:cxnSp>
+        <p:nvCxnSpPr>
+          <p:cNvPr id="5" name="Straight Connector 4">
+            <a:extLst>
+              <a:ext uri="{FF2B5EF4-FFF2-40B4-BE49-F238E27FC236}">
+                <a16:creationId xmlns:a16="http://schemas.microsoft.com/office/drawing/2014/main" id="{860468DD-A9DC-460D-B167-3E305415F442}"/>
+              </a:ext>
+            </a:extLst>
+          </p:cNvPr>
+          <p:cNvCxnSpPr>
+            <a:cxnSpLocks/>
+          </p:cNvCxnSpPr>
+          <p:nvPr/>
+        </p:nvCxnSpPr>
+        <p:spPr>
+          <a:xfrm>
+            <a:off x="6056244" y="1825625"/>
+            <a:ext cx="0" cy="4351338"/>
+          </a:xfrm>
+          <a:prstGeom prst="line">
+            <a:avLst/>
+          </a:prstGeom>
+        </p:spPr>
+        <p:style>
+          <a:lnRef idx="1">
+            <a:schemeClr val="accent1"/>
+          </a:lnRef>
+          <a:fillRef idx="0">
+            <a:schemeClr val="accent1"/>
+          </a:fillRef>
+          <a:effectRef idx="0">
+            <a:schemeClr val="accent1"/>
+          </a:effectRef>
+          <a:fontRef idx="minor">
+            <a:schemeClr val="tx1"/>
+          </a:fontRef>
+        </p:style>
+      </p:cxnSp>
+      <p:sp>
+        <p:nvSpPr>
+          <p:cNvPr id="6" name="Rectangle 5">
+            <a:extLst>
+              <a:ext uri="{FF2B5EF4-FFF2-40B4-BE49-F238E27FC236}">
+                <a16:creationId xmlns:a16="http://schemas.microsoft.com/office/drawing/2014/main" id="{33C4E48D-98D0-4BBA-8E80-151AC3939DFB}"/>
+              </a:ext>
+            </a:extLst>
+          </p:cNvPr>
+          <p:cNvSpPr/>
+          <p:nvPr/>
+        </p:nvSpPr>
+        <p:spPr>
+          <a:xfrm>
+            <a:off x="838200" y="1717331"/>
+            <a:ext cx="10591800" cy="4459632"/>
+          </a:xfrm>
+          <a:prstGeom prst="rect">
+            <a:avLst/>
+          </a:prstGeom>
+          <a:noFill/>
+        </p:spPr>
+        <p:style>
+          <a:lnRef idx="2">
+            <a:schemeClr val="accent6"/>
+          </a:lnRef>
+          <a:fillRef idx="1">
+            <a:schemeClr val="lt1"/>
+          </a:fillRef>
+          <a:effectRef idx="0">
+            <a:schemeClr val="accent6"/>
+          </a:effectRef>
+          <a:fontRef idx="minor">
+            <a:schemeClr val="dk1"/>
+          </a:fontRef>
+        </p:style>
+        <p:txBody>
+          <a:bodyPr rtlCol="0" anchor="ctr"/>
+          <a:lstStyle/>
+          <a:p>
+            <a:pPr algn="ctr"/>
+            <a:endParaRPr lang="en-IN"/>
+          </a:p>
+        </p:txBody>
+      </p:sp>
+      <p:sp>
+        <p:nvSpPr>
+          <p:cNvPr id="7" name="Rectangle 6">
+            <a:extLst>
+              <a:ext uri="{FF2B5EF4-FFF2-40B4-BE49-F238E27FC236}">
+                <a16:creationId xmlns:a16="http://schemas.microsoft.com/office/drawing/2014/main" id="{1440BDA8-FDDD-47CD-9E26-74D3942126EA}"/>
+              </a:ext>
+            </a:extLst>
+          </p:cNvPr>
+          <p:cNvSpPr/>
+          <p:nvPr/>
+        </p:nvSpPr>
+        <p:spPr>
+          <a:xfrm>
+            <a:off x="824947" y="1357938"/>
+            <a:ext cx="1938130" cy="369332"/>
+          </a:xfrm>
+          <a:prstGeom prst="rect">
+            <a:avLst/>
+          </a:prstGeom>
+          <a:noFill/>
+        </p:spPr>
+        <p:style>
+          <a:lnRef idx="2">
+            <a:schemeClr val="accent1">
+              <a:shade val="50000"/>
+            </a:schemeClr>
+          </a:lnRef>
+          <a:fillRef idx="1">
+            <a:schemeClr val="accent1"/>
+          </a:fillRef>
+          <a:effectRef idx="0">
+            <a:schemeClr val="accent1"/>
+          </a:effectRef>
+          <a:fontRef idx="minor">
+            <a:schemeClr val="lt1"/>
+          </a:fontRef>
+        </p:style>
+        <p:txBody>
+          <a:bodyPr rtlCol="0" anchor="ctr"/>
+          <a:lstStyle/>
+          <a:p>
+            <a:pPr algn="ctr"/>
+            <a:endParaRPr lang="en-IN"/>
+          </a:p>
+        </p:txBody>
+      </p:sp>
+      <p:sp>
+        <p:nvSpPr>
+          <p:cNvPr id="8" name="TextBox 7">
+            <a:extLst>
+              <a:ext uri="{FF2B5EF4-FFF2-40B4-BE49-F238E27FC236}">
+                <a16:creationId xmlns:a16="http://schemas.microsoft.com/office/drawing/2014/main" id="{92516C2F-F1E1-4203-B932-0D3FDA9D1005}"/>
+              </a:ext>
+            </a:extLst>
+          </p:cNvPr>
+          <p:cNvSpPr txBox="1"/>
+          <p:nvPr/>
+        </p:nvSpPr>
+        <p:spPr>
+          <a:xfrm>
+            <a:off x="1003852" y="1338060"/>
+            <a:ext cx="1024639" cy="369332"/>
+          </a:xfrm>
+          <a:prstGeom prst="rect">
+            <a:avLst/>
+          </a:prstGeom>
+          <a:noFill/>
+        </p:spPr>
+        <p:txBody>
+          <a:bodyPr wrap="none" rtlCol="0">
+            <a:spAutoFit/>
+          </a:bodyPr>
+          <a:lstStyle/>
+          <a:p>
+            <a:r>
+              <a:rPr lang="en-US" dirty="0"/>
+              <a:t>User.java</a:t>
+            </a:r>
+            <a:endParaRPr lang="en-IN" dirty="0"/>
+          </a:p>
+        </p:txBody>
+      </p:sp>
+      <p:sp>
+        <p:nvSpPr>
+          <p:cNvPr id="4" name="Rectangle 3">
+            <a:extLst>
+              <a:ext uri="{FF2B5EF4-FFF2-40B4-BE49-F238E27FC236}">
+                <a16:creationId xmlns:a16="http://schemas.microsoft.com/office/drawing/2014/main" id="{9370A980-6F1A-448F-B987-BFB5239EBC24}"/>
+              </a:ext>
+            </a:extLst>
+          </p:cNvPr>
+          <p:cNvSpPr/>
+          <p:nvPr/>
+        </p:nvSpPr>
+        <p:spPr>
+          <a:xfrm>
+            <a:off x="878840" y="1845945"/>
+            <a:ext cx="5146034" cy="4189095"/>
+          </a:xfrm>
+          <a:prstGeom prst="rect">
+            <a:avLst/>
+          </a:prstGeom>
+          <a:noFill/>
+        </p:spPr>
+        <p:style>
+          <a:lnRef idx="2">
+            <a:schemeClr val="accent1">
+              <a:shade val="50000"/>
+            </a:schemeClr>
+          </a:lnRef>
+          <a:fillRef idx="1">
+            <a:schemeClr val="accent1"/>
+          </a:fillRef>
+          <a:effectRef idx="0">
+            <a:schemeClr val="accent1"/>
+          </a:effectRef>
+          <a:fontRef idx="minor">
+            <a:schemeClr val="lt1"/>
+          </a:fontRef>
+        </p:style>
+        <p:txBody>
+          <a:bodyPr rtlCol="0" anchor="ctr"/>
+          <a:lstStyle/>
+          <a:p>
+            <a:pPr algn="ctr"/>
+            <a:endParaRPr lang="en-IN"/>
+          </a:p>
+        </p:txBody>
+      </p:sp>
+    </p:spTree>
+    <p:custDataLst>
+      <p:tags r:id="rId1"/>
+    </p:custDataLst>
+    <p:extLst>
+      <p:ext uri="{BB962C8B-B14F-4D97-AF65-F5344CB8AC3E}">
+        <p14:creationId xmlns:p14="http://schemas.microsoft.com/office/powerpoint/2010/main" val="4160412985"/>
+      </p:ext>
+    </p:extLst>
+  </p:cSld>
+  <p:clrMapOvr>
+    <a:masterClrMapping/>
+  </p:clrMapOvr>
+  <p:timing>
+    <p:tnLst>
+      <p:par>
+        <p:cTn id="1" dur="indefinite" restart="never" nodeType="tmRoot"/>
+      </p:par>
+    </p:tnLst>
+  </p:timing>
+</p:sld>
+</file>
+
 <file path=ppt/slides/slide5.xml><?xml version="1.0" encoding="utf-8"?>
 <p:sld xmlns:a="http://schemas.openxmlformats.org/drawingml/2006/main" xmlns:r="http://schemas.openxmlformats.org/officeDocument/2006/relationships" xmlns:p="http://schemas.openxmlformats.org/presentationml/2006/main">
   <p:cSld>
@@ -22358,7 +22612,7 @@
           <p:nvPr/>
         </p:nvPicPr>
         <p:blipFill>
-          <a:blip r:embed="rId3">
+          <a:blip r:embed="rId4">
             <a:extLst>
               <a:ext uri="{28A0092B-C50C-407E-A947-70E740481C1C}">
                 <a14:useLocalDpi xmlns:a14="http://schemas.microsoft.com/office/drawing/2010/main" val="0"/>
@@ -22612,6 +22866,120 @@
             <p:ph type="title"/>
           </p:nvPr>
         </p:nvSpPr>
+        <p:spPr>
+          <a:xfrm>
+            <a:off x="838200" y="0"/>
+            <a:ext cx="10515600" cy="743919"/>
+          </a:xfrm>
+        </p:spPr>
+        <p:txBody>
+          <a:bodyPr/>
+          <a:lstStyle/>
+          <a:p>
+            <a:r>
+              <a:rPr lang="en-IN" dirty="0"/>
+              <a:t>JSF LIFE CYCLE:</a:t>
+            </a:r>
+          </a:p>
+        </p:txBody>
+      </p:sp>
+      <p:pic>
+        <p:nvPicPr>
+          <p:cNvPr id="1028" name="Picture 4" descr="The Life Cycle of a JavaServer Faces Page - The Java EE 5 Tutorial"/>
+          <p:cNvPicPr>
+            <a:picLocks noChangeAspect="1" noChangeArrowheads="1"/>
+          </p:cNvPicPr>
+          <p:nvPr/>
+        </p:nvPicPr>
+        <p:blipFill>
+          <a:blip r:embed="rId3">
+            <a:extLst>
+              <a:ext uri="{28A0092B-C50C-407E-A947-70E740481C1C}">
+                <a14:useLocalDpi xmlns:a14="http://schemas.microsoft.com/office/drawing/2010/main" val="0"/>
+              </a:ext>
+            </a:extLst>
+          </a:blip>
+          <a:srcRect/>
+          <a:stretch>
+            <a:fillRect/>
+          </a:stretch>
+        </p:blipFill>
+        <p:spPr bwMode="auto">
+          <a:xfrm>
+            <a:off x="191441" y="743919"/>
+            <a:ext cx="11809117" cy="6041723"/>
+          </a:xfrm>
+          <a:prstGeom prst="rect">
+            <a:avLst/>
+          </a:prstGeom>
+          <a:noFill/>
+          <a:extLst>
+            <a:ext uri="{909E8E84-426E-40DD-AFC4-6F175D3DCCD1}">
+              <a14:hiddenFill xmlns:a14="http://schemas.microsoft.com/office/drawing/2010/main">
+                <a:solidFill>
+                  <a:srgbClr val="FFFFFF"/>
+                </a:solidFill>
+              </a14:hiddenFill>
+            </a:ext>
+          </a:extLst>
+        </p:spPr>
+      </p:pic>
+    </p:spTree>
+    <p:custDataLst>
+      <p:tags r:id="rId1"/>
+    </p:custDataLst>
+    <p:extLst>
+      <p:ext uri="{BB962C8B-B14F-4D97-AF65-F5344CB8AC3E}">
+        <p14:creationId xmlns:p14="http://schemas.microsoft.com/office/powerpoint/2010/main" val="385629368"/>
+      </p:ext>
+    </p:extLst>
+  </p:cSld>
+  <p:clrMapOvr>
+    <a:masterClrMapping/>
+  </p:clrMapOvr>
+  <p:timing>
+    <p:tnLst>
+      <p:par>
+        <p:cTn id="1" dur="indefinite" restart="never" nodeType="tmRoot"/>
+      </p:par>
+    </p:tnLst>
+  </p:timing>
+</p:sld>
+</file>
+
+<file path=ppt/slides/slide8.xml><?xml version="1.0" encoding="utf-8"?>
+<p:sld xmlns:a="http://schemas.openxmlformats.org/drawingml/2006/main" xmlns:r="http://schemas.openxmlformats.org/officeDocument/2006/relationships" xmlns:p="http://schemas.openxmlformats.org/presentationml/2006/main">
+  <p:cSld>
+    <p:spTree>
+      <p:nvGrpSpPr>
+        <p:cNvPr id="1" name=""/>
+        <p:cNvGrpSpPr/>
+        <p:nvPr/>
+      </p:nvGrpSpPr>
+      <p:grpSpPr>
+        <a:xfrm>
+          <a:off x="0" y="0"/>
+          <a:ext cx="0" cy="0"/>
+          <a:chOff x="0" y="0"/>
+          <a:chExt cx="0" cy="0"/>
+        </a:xfrm>
+      </p:grpSpPr>
+      <p:sp>
+        <p:nvSpPr>
+          <p:cNvPr id="2" name="Title 1">
+            <a:extLst>
+              <a:ext uri="{FF2B5EF4-FFF2-40B4-BE49-F238E27FC236}">
+                <a16:creationId xmlns:a16="http://schemas.microsoft.com/office/drawing/2014/main" id="{C83C8501-310B-489C-A20E-31E5E9156538}"/>
+              </a:ext>
+            </a:extLst>
+          </p:cNvPr>
+          <p:cNvSpPr>
+            <a:spLocks noGrp="1"/>
+          </p:cNvSpPr>
+          <p:nvPr>
+            <p:ph type="title"/>
+          </p:nvPr>
+        </p:nvSpPr>
         <p:spPr/>
         <p:txBody>
           <a:bodyPr/>
@@ -22779,7 +23147,7 @@
     </p:custDataLst>
     <p:extLst>
       <p:ext uri="{BB962C8B-B14F-4D97-AF65-F5344CB8AC3E}">
-        <p14:creationId xmlns:p14="http://schemas.microsoft.com/office/powerpoint/2010/main" val="385629368"/>
+        <p14:creationId xmlns:p14="http://schemas.microsoft.com/office/powerpoint/2010/main" val="2251978283"/>
       </p:ext>
     </p:extLst>
   </p:cSld>
@@ -22796,7 +23164,7 @@
 </p:sld>
 </file>
 
-<file path=ppt/slides/slide8.xml><?xml version="1.0" encoding="utf-8"?>
+<file path=ppt/slides/slide9.xml><?xml version="1.0" encoding="utf-8"?>
 <p:sld xmlns:a="http://schemas.openxmlformats.org/drawingml/2006/main" xmlns:r="http://schemas.openxmlformats.org/officeDocument/2006/relationships" xmlns:p="http://schemas.openxmlformats.org/presentationml/2006/main">
   <p:cSld>
     <p:spTree>
@@ -22998,200 +23366,10 @@
 </p:sld>
 </file>
 
-<file path=ppt/slides/slide9.xml><?xml version="1.0" encoding="utf-8"?>
-<p:sld xmlns:a="http://schemas.openxmlformats.org/drawingml/2006/main" xmlns:r="http://schemas.openxmlformats.org/officeDocument/2006/relationships" xmlns:p="http://schemas.openxmlformats.org/presentationml/2006/main">
-  <p:cSld>
-    <p:spTree>
-      <p:nvGrpSpPr>
-        <p:cNvPr id="1" name=""/>
-        <p:cNvGrpSpPr/>
-        <p:nvPr/>
-      </p:nvGrpSpPr>
-      <p:grpSpPr>
-        <a:xfrm>
-          <a:off x="0" y="0"/>
-          <a:ext cx="0" cy="0"/>
-          <a:chOff x="0" y="0"/>
-          <a:chExt cx="0" cy="0"/>
-        </a:xfrm>
-      </p:grpSpPr>
-      <p:sp>
-        <p:nvSpPr>
-          <p:cNvPr id="2" name="Title 1">
-            <a:extLst>
-              <a:ext uri="{FF2B5EF4-FFF2-40B4-BE49-F238E27FC236}">
-                <a16:creationId xmlns:a16="http://schemas.microsoft.com/office/drawing/2014/main" id="{C83C8501-310B-489C-A20E-31E5E9156538}"/>
-              </a:ext>
-            </a:extLst>
-          </p:cNvPr>
-          <p:cNvSpPr>
-            <a:spLocks noGrp="1"/>
-          </p:cNvSpPr>
-          <p:nvPr>
-            <p:ph type="title"/>
-          </p:nvPr>
-        </p:nvSpPr>
-        <p:spPr/>
-        <p:txBody>
-          <a:bodyPr/>
-          <a:lstStyle/>
-          <a:p>
-            <a:r>
-              <a:rPr lang="en-IN" dirty="0"/>
-              <a:t>JSF LIFE CYCLE CONTINUED…</a:t>
-            </a:r>
-          </a:p>
-        </p:txBody>
-      </p:sp>
-      <p:sp>
-        <p:nvSpPr>
-          <p:cNvPr id="3" name="Content Placeholder 2">
-            <a:extLst>
-              <a:ext uri="{FF2B5EF4-FFF2-40B4-BE49-F238E27FC236}">
-                <a16:creationId xmlns:a16="http://schemas.microsoft.com/office/drawing/2014/main" id="{393889A6-8A30-4FB0-B7AC-13A202A1D7CB}"/>
-              </a:ext>
-            </a:extLst>
-          </p:cNvPr>
-          <p:cNvSpPr>
-            <a:spLocks noGrp="1"/>
-          </p:cNvSpPr>
-          <p:nvPr>
-            <p:ph idx="1"/>
-          </p:nvPr>
-        </p:nvSpPr>
-        <p:spPr>
-          <a:xfrm>
-            <a:off x="838200" y="1825625"/>
-            <a:ext cx="5552440" cy="4351338"/>
-          </a:xfrm>
-        </p:spPr>
-        <p:txBody>
-          <a:bodyPr>
-            <a:normAutofit lnSpcReduction="10000"/>
-          </a:bodyPr>
-          <a:lstStyle/>
-          <a:p>
-            <a:pPr marL="514350" indent="-514350" algn="just">
-              <a:buFont typeface="+mj-lt"/>
-              <a:buAutoNum type="arabicPeriod" startAt="5"/>
-            </a:pPr>
-            <a:r>
-              <a:rPr lang="en-US" b="1" dirty="0"/>
-              <a:t>Invoke application:</a:t>
-            </a:r>
-            <a:r>
-              <a:rPr lang="en-US" dirty="0"/>
-              <a:t> During this phase, JSF handles any application-level events, such as </a:t>
-            </a:r>
-            <a:r>
-              <a:rPr lang="en-US" b="1" dirty="0"/>
-              <a:t>submitting a form/linking to another page.</a:t>
-            </a:r>
-          </a:p>
-          <a:p>
-            <a:pPr marL="514350" indent="-514350" algn="just">
-              <a:buFont typeface="+mj-lt"/>
-              <a:buAutoNum type="arabicPeriod" startAt="5"/>
-            </a:pPr>
-            <a:r>
-              <a:rPr lang="en-US" b="1" dirty="0"/>
-              <a:t>Render response:</a:t>
-            </a:r>
-            <a:r>
-              <a:rPr lang="en-US" dirty="0"/>
-              <a:t> During this phase, JSF asks container / application server to render the page if the application is using JSP pages. After the content is rendered.</a:t>
-            </a:r>
-          </a:p>
-          <a:p>
-            <a:pPr marL="514350" indent="-514350" algn="just">
-              <a:buFont typeface="+mj-lt"/>
-              <a:buAutoNum type="arabicPeriod" startAt="5"/>
-            </a:pPr>
-            <a:endParaRPr lang="en-US" dirty="0"/>
-          </a:p>
-          <a:p>
-            <a:pPr marL="514350" indent="-514350" algn="just">
-              <a:buFont typeface="+mj-lt"/>
-              <a:buAutoNum type="arabicPeriod" startAt="5"/>
-            </a:pPr>
-            <a:endParaRPr lang="en-IN" dirty="0"/>
-          </a:p>
-        </p:txBody>
-      </p:sp>
-      <p:pic>
-        <p:nvPicPr>
-          <p:cNvPr id="3074" name="Picture 2" descr="JSF Life Cycle">
-            <a:extLst>
-              <a:ext uri="{FF2B5EF4-FFF2-40B4-BE49-F238E27FC236}">
-                <a16:creationId xmlns:a16="http://schemas.microsoft.com/office/drawing/2014/main" id="{204B7C05-82BE-4A02-B217-9B292FF1095C}"/>
-              </a:ext>
-            </a:extLst>
-          </p:cNvPr>
-          <p:cNvPicPr>
-            <a:picLocks noChangeAspect="1" noChangeArrowheads="1"/>
-          </p:cNvPicPr>
-          <p:nvPr/>
-        </p:nvPicPr>
-        <p:blipFill>
-          <a:blip r:embed="rId3">
-            <a:extLst>
-              <a:ext uri="{28A0092B-C50C-407E-A947-70E740481C1C}">
-                <a14:useLocalDpi xmlns:a14="http://schemas.microsoft.com/office/drawing/2010/main" val="0"/>
-              </a:ext>
-            </a:extLst>
-          </a:blip>
-          <a:srcRect/>
-          <a:stretch>
-            <a:fillRect/>
-          </a:stretch>
-        </p:blipFill>
-        <p:spPr bwMode="auto">
-          <a:xfrm>
-            <a:off x="6443168" y="2125901"/>
-            <a:ext cx="5718352" cy="3750786"/>
-          </a:xfrm>
-          <a:prstGeom prst="rect">
-            <a:avLst/>
-          </a:prstGeom>
-          <a:noFill/>
-          <a:extLst>
-            <a:ext uri="{909E8E84-426E-40DD-AFC4-6F175D3DCCD1}">
-              <a14:hiddenFill xmlns:a14="http://schemas.microsoft.com/office/drawing/2010/main">
-                <a:solidFill>
-                  <a:srgbClr val="FFFFFF"/>
-                </a:solidFill>
-              </a14:hiddenFill>
-            </a:ext>
-          </a:extLst>
-        </p:spPr>
-      </p:pic>
-    </p:spTree>
-    <p:custDataLst>
-      <p:tags r:id="rId1"/>
-    </p:custDataLst>
-    <p:extLst>
-      <p:ext uri="{BB962C8B-B14F-4D97-AF65-F5344CB8AC3E}">
-        <p14:creationId xmlns:p14="http://schemas.microsoft.com/office/powerpoint/2010/main" val="72096720"/>
-      </p:ext>
-    </p:extLst>
-  </p:cSld>
-  <p:clrMapOvr>
-    <a:masterClrMapping/>
-  </p:clrMapOvr>
-  <p:timing>
-    <p:tnLst>
-      <p:par>
-        <p:cTn id="1" dur="indefinite" restart="never" nodeType="tmRoot"/>
-      </p:par>
-    </p:tnLst>
-  </p:timing>
-</p:sld>
-</file>
-
 <file path=ppt/tags/tag1.xml><?xml version="1.0" encoding="utf-8"?>
 <p:tagLst xmlns:a="http://schemas.openxmlformats.org/drawingml/2006/main" xmlns:r="http://schemas.openxmlformats.org/officeDocument/2006/relationships" xmlns:p="http://schemas.openxmlformats.org/presentationml/2006/main">
+  <p:tag name="ARTICULATE_SLIDE_COUNT" val="40"/>
   <p:tag name="ARTICULATE_PROJECT_OPEN" val="0"/>
-  <p:tag name="ARTICULATE_SLIDE_COUNT" val="39"/>
 </p:tagLst>
 </file>
 
@@ -23394,6 +23572,12 @@
 </file>
 
 <file path=ppt/tags/tag40.xml><?xml version="1.0" encoding="utf-8"?>
+<p:tagLst xmlns:a="http://schemas.openxmlformats.org/drawingml/2006/main" xmlns:r="http://schemas.openxmlformats.org/officeDocument/2006/relationships" xmlns:p="http://schemas.openxmlformats.org/presentationml/2006/main">
+  <p:tag name="ARTICULATE_SLIDE_THUMBNAIL_REFRESH" val="1"/>
+</p:tagLst>
+</file>
+
+<file path=ppt/tags/tag41.xml><?xml version="1.0" encoding="utf-8"?>
 <p:tagLst xmlns:a="http://schemas.openxmlformats.org/drawingml/2006/main" xmlns:r="http://schemas.openxmlformats.org/officeDocument/2006/relationships" xmlns:p="http://schemas.openxmlformats.org/presentationml/2006/main">
   <p:tag name="ARTICULATE_SLIDE_THUMBNAIL_REFRESH" val="1"/>
 </p:tagLst>
